--- a/Fachvortrag/Präsentation Fachvortrag.pptx
+++ b/Fachvortrag/Präsentation Fachvortrag.pptx
@@ -6,26 +6,35 @@
     <p:sldMasterId id="2147483678" r:id="rId2"/>
   </p:sldMasterIdLst>
   <p:notesMasterIdLst>
-    <p:notesMasterId r:id="rId7"/>
+    <p:notesMasterId r:id="rId12"/>
   </p:notesMasterIdLst>
   <p:handoutMasterIdLst>
-    <p:handoutMasterId r:id="rId8"/>
+    <p:handoutMasterId r:id="rId13"/>
   </p:handoutMasterIdLst>
   <p:sldIdLst>
     <p:sldId id="256" r:id="rId3"/>
     <p:sldId id="258" r:id="rId4"/>
-    <p:sldId id="259" r:id="rId5"/>
-    <p:sldId id="257" r:id="rId6"/>
+    <p:sldId id="260" r:id="rId5"/>
+    <p:sldId id="259" r:id="rId6"/>
+    <p:sldId id="261" r:id="rId7"/>
+    <p:sldId id="262" r:id="rId8"/>
+    <p:sldId id="263" r:id="rId9"/>
+    <p:sldId id="264" r:id="rId10"/>
+    <p:sldId id="257" r:id="rId11"/>
   </p:sldIdLst>
   <p:sldSz cx="12192000" cy="6858000"/>
   <p:notesSz cx="6858000" cy="9144000"/>
   <p:embeddedFontLst>
     <p:embeddedFont>
       <p:font typeface="Calibri" panose="020F0502020204030204" pitchFamily="34" charset="0"/>
-      <p:regular r:id="rId9"/>
-      <p:bold r:id="rId10"/>
-      <p:italic r:id="rId11"/>
-      <p:boldItalic r:id="rId12"/>
+      <p:regular r:id="rId14"/>
+      <p:bold r:id="rId15"/>
+      <p:italic r:id="rId16"/>
+      <p:boldItalic r:id="rId17"/>
+    </p:embeddedFont>
+    <p:embeddedFont>
+      <p:font typeface="Cambria Math" panose="02040503050406030204" pitchFamily="18" charset="0"/>
+      <p:regular r:id="rId18"/>
     </p:embeddedFont>
   </p:embeddedFontLst>
   <p:defaultTextStyle>
@@ -264,7 +273,12 @@
           <p14:sldIdLst>
             <p14:sldId id="256"/>
             <p14:sldId id="258"/>
+            <p14:sldId id="260"/>
             <p14:sldId id="259"/>
+            <p14:sldId id="261"/>
+            <p14:sldId id="262"/>
+            <p14:sldId id="263"/>
+            <p14:sldId id="264"/>
             <p14:sldId id="257"/>
           </p14:sldIdLst>
         </p14:section>
@@ -395,7 +409,7 @@
           <a:p>
             <a:fld id="{05D446E8-F186-42E5-80D9-72B8BAA14DE1}" type="datetimeFigureOut">
               <a:rPr lang="de-DE" smtClean="0"/>
-              <a:t>16.12.2020</a:t>
+              <a:t>17.12.2020</a:t>
             </a:fld>
             <a:endParaRPr lang="de-DE"/>
           </a:p>
@@ -19339,7 +19353,7 @@
           <p:cNvPr id="3" name="Titel 2">
             <a:extLst>
               <a:ext uri="{FF2B5EF4-FFF2-40B4-BE49-F238E27FC236}">
-                <a16:creationId xmlns:a16="http://schemas.microsoft.com/office/drawing/2014/main" id="{5209EDA6-A997-4EA5-AB9A-9098AEAB43DD}"/>
+                <a16:creationId xmlns:a16="http://schemas.microsoft.com/office/drawing/2014/main" id="{9FD8175C-AFBB-4504-AE39-81AD8A432AA1}"/>
               </a:ext>
             </a:extLst>
           </p:cNvPr>
@@ -19355,7 +19369,10 @@
           <a:bodyPr/>
           <a:lstStyle/>
           <a:p>
-            <a:endParaRPr lang="de-DE" dirty="0"/>
+            <a:r>
+              <a:rPr lang="de-DE" dirty="0"/>
+              <a:t>Einstieg in die Thematik</a:t>
+            </a:r>
           </a:p>
         </p:txBody>
       </p:sp>
@@ -19364,7 +19381,7 @@
           <p:cNvPr id="4" name="Textplatzhalter 3">
             <a:extLst>
               <a:ext uri="{FF2B5EF4-FFF2-40B4-BE49-F238E27FC236}">
-                <a16:creationId xmlns:a16="http://schemas.microsoft.com/office/drawing/2014/main" id="{8EACBB26-90B9-452F-9B97-7261685C3902}"/>
+                <a16:creationId xmlns:a16="http://schemas.microsoft.com/office/drawing/2014/main" id="{675DCECD-098E-4F9A-8B18-FCE3B8A9E467}"/>
               </a:ext>
             </a:extLst>
           </p:cNvPr>
@@ -19380,14 +19397,29 @@
           <a:bodyPr/>
           <a:lstStyle/>
           <a:p>
-            <a:endParaRPr lang="de-DE"/>
+            <a:r>
+              <a:rPr lang="de-DE" dirty="0"/>
+              <a:t>Optimierungsprobleme</a:t>
+            </a:r>
+          </a:p>
+          <a:p>
+            <a:r>
+              <a:rPr lang="de-DE" dirty="0"/>
+              <a:t>Biologie</a:t>
+            </a:r>
+          </a:p>
+          <a:p>
+            <a:endParaRPr lang="de-DE" dirty="0"/>
+          </a:p>
+          <a:p>
+            <a:endParaRPr lang="de-DE" dirty="0"/>
           </a:p>
         </p:txBody>
       </p:sp>
     </p:spTree>
     <p:extLst>
       <p:ext uri="{BB962C8B-B14F-4D97-AF65-F5344CB8AC3E}">
-        <p14:creationId xmlns:p14="http://schemas.microsoft.com/office/powerpoint/2010/main" val="3098275345"/>
+        <p14:creationId xmlns:p14="http://schemas.microsoft.com/office/powerpoint/2010/main" val="3522420907"/>
       </p:ext>
     </p:extLst>
   </p:cSld>
@@ -19398,6 +19430,8652 @@
 </file>
 
 <file path=ppt/slides/slide4.xml><?xml version="1.0" encoding="utf-8"?>
+<p:sld xmlns:a="http://schemas.openxmlformats.org/drawingml/2006/main" xmlns:r="http://schemas.openxmlformats.org/officeDocument/2006/relationships" xmlns:p="http://schemas.openxmlformats.org/presentationml/2006/main">
+  <p:cSld>
+    <p:spTree>
+      <p:nvGrpSpPr>
+        <p:cNvPr id="1" name=""/>
+        <p:cNvGrpSpPr/>
+        <p:nvPr/>
+      </p:nvGrpSpPr>
+      <p:grpSpPr>
+        <a:xfrm>
+          <a:off x="0" y="0"/>
+          <a:ext cx="0" cy="0"/>
+          <a:chOff x="0" y="0"/>
+          <a:chExt cx="0" cy="0"/>
+        </a:xfrm>
+      </p:grpSpPr>
+      <p:sp>
+        <p:nvSpPr>
+          <p:cNvPr id="396" name="Textplatzhalter 3">
+            <a:extLst>
+              <a:ext uri="{FF2B5EF4-FFF2-40B4-BE49-F238E27FC236}">
+                <a16:creationId xmlns:a16="http://schemas.microsoft.com/office/drawing/2014/main" id="{197FB923-CD22-43D6-9B23-250E0B768933}"/>
+              </a:ext>
+            </a:extLst>
+          </p:cNvPr>
+          <p:cNvSpPr txBox="1">
+            <a:spLocks/>
+          </p:cNvSpPr>
+          <p:nvPr/>
+        </p:nvSpPr>
+        <p:spPr bwMode="auto">
+          <a:xfrm>
+            <a:off x="334439" y="1990725"/>
+            <a:ext cx="11487150" cy="4305300"/>
+          </a:xfrm>
+          <a:prstGeom prst="rect">
+            <a:avLst/>
+          </a:prstGeom>
+          <a:noFill/>
+          <a:ln>
+            <a:noFill/>
+          </a:ln>
+          <a:extLst>
+            <a:ext uri="{909E8E84-426E-40DD-AFC4-6F175D3DCCD1}">
+              <a14:hiddenFill xmlns:a14="http://schemas.microsoft.com/office/drawing/2010/main">
+                <a:solidFill>
+                  <a:srgbClr val="FFFFFF"/>
+                </a:solidFill>
+              </a14:hiddenFill>
+            </a:ext>
+            <a:ext uri="{91240B29-F687-4F45-9708-019B960494DF}">
+              <a14:hiddenLine xmlns:a14="http://schemas.microsoft.com/office/drawing/2010/main" w="9525">
+                <a:solidFill>
+                  <a:srgbClr val="000000"/>
+                </a:solidFill>
+                <a:miter lim="800000"/>
+                <a:headEnd/>
+                <a:tailEnd/>
+              </a14:hiddenLine>
+            </a:ext>
+          </a:extLst>
+        </p:spPr>
+        <p:txBody>
+          <a:bodyPr vert="horz" wrap="square" lIns="91440" tIns="45720" rIns="91440" bIns="45720" numCol="1" anchor="t" anchorCtr="0" compatLnSpc="1">
+            <a:prstTxWarp prst="textNoShape">
+              <a:avLst/>
+            </a:prstTxWarp>
+          </a:bodyPr>
+          <a:lstStyle>
+            <a:lvl1pPr marL="266700" indent="-266700" algn="l" rtl="0" eaLnBrk="0" fontAlgn="base" hangingPunct="0">
+              <a:spcBef>
+                <a:spcPct val="20000"/>
+              </a:spcBef>
+              <a:spcAft>
+                <a:spcPct val="0"/>
+              </a:spcAft>
+              <a:buClr>
+                <a:srgbClr val="80BA24"/>
+              </a:buClr>
+              <a:buSzPct val="106000"/>
+              <a:buFont typeface="Wingdings" panose="05000000000000000000" pitchFamily="2" charset="2"/>
+              <a:buChar char="§"/>
+              <a:defRPr kern="1200" baseline="0">
+                <a:solidFill>
+                  <a:srgbClr val="4A5C66"/>
+                </a:solidFill>
+                <a:latin typeface="Arial" pitchFamily="34" charset="0"/>
+                <a:ea typeface="MS PGothic" panose="020B0600070205080204" pitchFamily="34" charset="-128"/>
+                <a:cs typeface="Arial" pitchFamily="34" charset="0"/>
+              </a:defRPr>
+            </a:lvl1pPr>
+            <a:lvl2pPr marL="542925" indent="-276225" algn="l" rtl="0" eaLnBrk="0" fontAlgn="base" hangingPunct="0">
+              <a:spcBef>
+                <a:spcPct val="20000"/>
+              </a:spcBef>
+              <a:spcAft>
+                <a:spcPct val="0"/>
+              </a:spcAft>
+              <a:buClr>
+                <a:srgbClr val="80BA24"/>
+              </a:buClr>
+              <a:buSzPct val="90000"/>
+              <a:buFont typeface="Wingdings" panose="05000000000000000000" pitchFamily="2" charset="2"/>
+              <a:buChar char="§"/>
+              <a:defRPr kern="1200">
+                <a:solidFill>
+                  <a:srgbClr val="4A5C66"/>
+                </a:solidFill>
+                <a:latin typeface="Arial" pitchFamily="34" charset="0"/>
+                <a:ea typeface="Arial" charset="0"/>
+                <a:cs typeface="Arial" pitchFamily="34" charset="0"/>
+              </a:defRPr>
+            </a:lvl2pPr>
+            <a:lvl3pPr marL="809625" indent="-266700" algn="l" rtl="0" eaLnBrk="0" fontAlgn="base" hangingPunct="0">
+              <a:spcBef>
+                <a:spcPct val="20000"/>
+              </a:spcBef>
+              <a:spcAft>
+                <a:spcPct val="0"/>
+              </a:spcAft>
+              <a:buClr>
+                <a:srgbClr val="80BA24"/>
+              </a:buClr>
+              <a:buSzPct val="80000"/>
+              <a:buFont typeface="Wingdings" panose="05000000000000000000" pitchFamily="2" charset="2"/>
+              <a:buChar char="§"/>
+              <a:defRPr kern="1200">
+                <a:solidFill>
+                  <a:srgbClr val="4A5C66"/>
+                </a:solidFill>
+                <a:latin typeface="Arial" pitchFamily="34" charset="0"/>
+                <a:ea typeface="Arial" charset="0"/>
+                <a:cs typeface="Arial" pitchFamily="34" charset="0"/>
+              </a:defRPr>
+            </a:lvl3pPr>
+            <a:lvl4pPr marL="1076325" indent="-266700" algn="l" rtl="0" eaLnBrk="0" fontAlgn="base" hangingPunct="0">
+              <a:spcBef>
+                <a:spcPct val="20000"/>
+              </a:spcBef>
+              <a:spcAft>
+                <a:spcPct val="0"/>
+              </a:spcAft>
+              <a:buClr>
+                <a:srgbClr val="80BA24"/>
+              </a:buClr>
+              <a:buSzPct val="80000"/>
+              <a:buFont typeface="Wingdings" panose="05000000000000000000" pitchFamily="2" charset="2"/>
+              <a:buChar char="§"/>
+              <a:defRPr kern="1200">
+                <a:solidFill>
+                  <a:srgbClr val="4A5C66"/>
+                </a:solidFill>
+                <a:latin typeface="Arial" pitchFamily="34" charset="0"/>
+                <a:ea typeface="Arial" charset="0"/>
+                <a:cs typeface="Arial" pitchFamily="34" charset="0"/>
+              </a:defRPr>
+            </a:lvl4pPr>
+            <a:lvl5pPr marL="1343025" indent="-266700" algn="l" rtl="0" eaLnBrk="0" fontAlgn="base" hangingPunct="0">
+              <a:spcBef>
+                <a:spcPct val="20000"/>
+              </a:spcBef>
+              <a:spcAft>
+                <a:spcPct val="0"/>
+              </a:spcAft>
+              <a:buClr>
+                <a:srgbClr val="80BA24"/>
+              </a:buClr>
+              <a:buSzPct val="80000"/>
+              <a:buFont typeface="Wingdings" panose="05000000000000000000" pitchFamily="2" charset="2"/>
+              <a:buChar char="§"/>
+              <a:defRPr kern="1200">
+                <a:solidFill>
+                  <a:srgbClr val="4A5C66"/>
+                </a:solidFill>
+                <a:latin typeface="Arial" pitchFamily="34" charset="0"/>
+                <a:ea typeface="Arial" charset="0"/>
+                <a:cs typeface="Arial" pitchFamily="34" charset="0"/>
+              </a:defRPr>
+            </a:lvl5pPr>
+            <a:lvl6pPr marL="2514600" indent="-228600" algn="l" defTabSz="914400" rtl="0" eaLnBrk="1" latinLnBrk="0" hangingPunct="1">
+              <a:spcBef>
+                <a:spcPct val="20000"/>
+              </a:spcBef>
+              <a:buFont typeface="Arial" pitchFamily="34" charset="0"/>
+              <a:buChar char="•"/>
+              <a:defRPr sz="2000" kern="1200">
+                <a:solidFill>
+                  <a:schemeClr val="tx1"/>
+                </a:solidFill>
+                <a:latin typeface="+mn-lt"/>
+                <a:ea typeface="+mn-ea"/>
+                <a:cs typeface="+mn-cs"/>
+              </a:defRPr>
+            </a:lvl6pPr>
+            <a:lvl7pPr marL="2971800" indent="-228600" algn="l" defTabSz="914400" rtl="0" eaLnBrk="1" latinLnBrk="0" hangingPunct="1">
+              <a:spcBef>
+                <a:spcPct val="20000"/>
+              </a:spcBef>
+              <a:buFont typeface="Arial" pitchFamily="34" charset="0"/>
+              <a:buChar char="•"/>
+              <a:defRPr sz="2000" kern="1200">
+                <a:solidFill>
+                  <a:schemeClr val="tx1"/>
+                </a:solidFill>
+                <a:latin typeface="+mn-lt"/>
+                <a:ea typeface="+mn-ea"/>
+                <a:cs typeface="+mn-cs"/>
+              </a:defRPr>
+            </a:lvl7pPr>
+            <a:lvl8pPr marL="3429000" indent="-228600" algn="l" defTabSz="914400" rtl="0" eaLnBrk="1" latinLnBrk="0" hangingPunct="1">
+              <a:spcBef>
+                <a:spcPct val="20000"/>
+              </a:spcBef>
+              <a:buFont typeface="Arial" pitchFamily="34" charset="0"/>
+              <a:buChar char="•"/>
+              <a:defRPr sz="2000" kern="1200">
+                <a:solidFill>
+                  <a:schemeClr val="tx1"/>
+                </a:solidFill>
+                <a:latin typeface="+mn-lt"/>
+                <a:ea typeface="+mn-ea"/>
+                <a:cs typeface="+mn-cs"/>
+              </a:defRPr>
+            </a:lvl8pPr>
+            <a:lvl9pPr marL="3886200" indent="-228600" algn="l" defTabSz="914400" rtl="0" eaLnBrk="1" latinLnBrk="0" hangingPunct="1">
+              <a:spcBef>
+                <a:spcPct val="20000"/>
+              </a:spcBef>
+              <a:buFont typeface="Arial" pitchFamily="34" charset="0"/>
+              <a:buChar char="•"/>
+              <a:defRPr sz="2000" kern="1200">
+                <a:solidFill>
+                  <a:schemeClr val="tx1"/>
+                </a:solidFill>
+                <a:latin typeface="+mn-lt"/>
+                <a:ea typeface="+mn-ea"/>
+                <a:cs typeface="+mn-cs"/>
+              </a:defRPr>
+            </a:lvl9pPr>
+          </a:lstStyle>
+          <a:p>
+            <a:r>
+              <a:rPr lang="de-DE" sz="1800" dirty="0"/>
+              <a:t>Test, wow es klappt</a:t>
+            </a:r>
+          </a:p>
+        </p:txBody>
+      </p:sp>
+      <p:sp>
+        <p:nvSpPr>
+          <p:cNvPr id="3" name="Titel 2">
+            <a:extLst>
+              <a:ext uri="{FF2B5EF4-FFF2-40B4-BE49-F238E27FC236}">
+                <a16:creationId xmlns:a16="http://schemas.microsoft.com/office/drawing/2014/main" id="{35997702-CF95-4A86-956F-9AE51732A0BA}"/>
+              </a:ext>
+            </a:extLst>
+          </p:cNvPr>
+          <p:cNvSpPr>
+            <a:spLocks noGrp="1"/>
+          </p:cNvSpPr>
+          <p:nvPr>
+            <p:ph type="title"/>
+          </p:nvPr>
+        </p:nvSpPr>
+        <p:spPr/>
+        <p:txBody>
+          <a:bodyPr/>
+          <a:lstStyle/>
+          <a:p>
+            <a:r>
+              <a:rPr lang="de-DE" dirty="0"/>
+              <a:t>(1+1)-ES</a:t>
+            </a:r>
+          </a:p>
+        </p:txBody>
+      </p:sp>
+      <mc:AlternateContent xmlns:mc="http://schemas.openxmlformats.org/markup-compatibility/2006" xmlns:a14="http://schemas.microsoft.com/office/drawing/2010/main">
+        <mc:Choice Requires="a14">
+          <p:sp>
+            <p:nvSpPr>
+              <p:cNvPr id="4" name="Textplatzhalter 3">
+                <a:extLst>
+                  <a:ext uri="{FF2B5EF4-FFF2-40B4-BE49-F238E27FC236}">
+                    <a16:creationId xmlns:a16="http://schemas.microsoft.com/office/drawing/2014/main" id="{027ACB38-45C8-49B7-B159-284BE2923EA6}"/>
+                  </a:ext>
+                </a:extLst>
+              </p:cNvPr>
+              <p:cNvSpPr>
+                <a:spLocks noGrp="1"/>
+              </p:cNvSpPr>
+              <p:nvPr>
+                <p:ph type="body" sz="quarter" idx="11"/>
+              </p:nvPr>
+            </p:nvSpPr>
+            <p:spPr>
+              <a:xfrm>
+                <a:off x="8313427" y="1991593"/>
+                <a:ext cx="3345179" cy="4305300"/>
+              </a:xfrm>
+            </p:spPr>
+            <p:txBody>
+              <a:bodyPr/>
+              <a:lstStyle/>
+              <a:p>
+                <a:pPr marL="0" indent="0" defTabSz="180000">
+                  <a:buNone/>
+                </a:pPr>
+                <a:r>
+                  <a:rPr lang="de-DE" sz="600" dirty="0">
+                    <a:solidFill>
+                      <a:srgbClr val="0070C0"/>
+                    </a:solidFill>
+                  </a:rPr>
+                  <a:t>algorithm </a:t>
+                </a:r>
+                <a:r>
+                  <a:rPr lang="de-DE" sz="600" dirty="0" err="1">
+                    <a:solidFill>
+                      <a:srgbClr val="0070C0"/>
+                    </a:solidFill>
+                  </a:rPr>
+                  <a:t>baue_individuum</a:t>
+                </a:r>
+                <a:r>
+                  <a:rPr lang="de-DE" sz="600" dirty="0">
+                    <a:solidFill>
+                      <a:srgbClr val="0070C0"/>
+                    </a:solidFill>
+                  </a:rPr>
+                  <a:t>(n)</a:t>
+                </a:r>
+              </a:p>
+              <a:p>
+                <a:pPr marL="0" indent="0" defTabSz="180000">
+                  <a:buNone/>
+                </a:pPr>
+                <a:r>
+                  <a:rPr lang="de-DE" sz="600" dirty="0"/>
+                  <a:t>	individuum &lt;- []	</a:t>
+                </a:r>
+              </a:p>
+              <a:p>
+                <a:pPr marL="0" indent="0" defTabSz="180000">
+                  <a:buNone/>
+                </a:pPr>
+                <a:r>
+                  <a:rPr lang="de-DE" sz="600" dirty="0"/>
+                  <a:t>	</a:t>
+                </a:r>
+                <a:r>
+                  <a:rPr lang="de-DE" sz="600" dirty="0" err="1"/>
+                  <a:t>for</a:t>
+                </a:r>
+                <a:r>
+                  <a:rPr lang="de-DE" sz="600" dirty="0"/>
+                  <a:t> _ &lt;- 1...n</a:t>
+                </a:r>
+              </a:p>
+              <a:p>
+                <a:pPr marL="0" indent="0" defTabSz="180000">
+                  <a:buNone/>
+                </a:pPr>
+                <a:r>
+                  <a:rPr lang="de-DE" sz="600" dirty="0"/>
+                  <a:t>		individuum &lt;- individuum + zufälliges </a:t>
+                </a:r>
+                <a14:m>
+                  <m:oMath xmlns:m="http://schemas.openxmlformats.org/officeDocument/2006/math">
+                    <m:r>
+                      <a:rPr lang="de-DE" sz="600" b="0" i="1" smtClean="0">
+                        <a:latin typeface="Cambria Math" panose="02040503050406030204" pitchFamily="18" charset="0"/>
+                      </a:rPr>
+                      <m:t>𝑥</m:t>
+                    </m:r>
+                    <m:r>
+                      <a:rPr lang="de-DE" sz="600" b="0" i="1" smtClean="0">
+                        <a:latin typeface="Cambria Math" panose="02040503050406030204" pitchFamily="18" charset="0"/>
+                      </a:rPr>
+                      <m:t>∈</m:t>
+                    </m:r>
+                    <m:r>
+                      <a:rPr lang="de-DE" sz="600" dirty="0" smtClean="0">
+                        <a:latin typeface="Cambria Math" panose="02040503050406030204" pitchFamily="18" charset="0"/>
+                      </a:rPr>
+                      <m:t>ℝ</m:t>
+                    </m:r>
+                  </m:oMath>
+                </a14:m>
+                <a:endParaRPr lang="de-DE" sz="600" dirty="0"/>
+              </a:p>
+              <a:p>
+                <a:pPr marL="0" indent="0" defTabSz="180000">
+                  <a:buNone/>
+                </a:pPr>
+                <a:r>
+                  <a:rPr lang="de-DE" sz="600" dirty="0"/>
+                  <a:t>	</a:t>
+                </a:r>
+                <a:r>
+                  <a:rPr lang="de-DE" sz="600" dirty="0" err="1"/>
+                  <a:t>return</a:t>
+                </a:r>
+                <a:r>
+                  <a:rPr lang="de-DE" sz="600" dirty="0"/>
+                  <a:t> individuum</a:t>
+                </a:r>
+              </a:p>
+              <a:p>
+                <a:pPr marL="0" indent="0" defTabSz="180000">
+                  <a:buNone/>
+                </a:pPr>
+                <a:r>
+                  <a:rPr lang="de-DE" sz="600" dirty="0"/>
+                  <a:t>	</a:t>
+                </a:r>
+              </a:p>
+              <a:p>
+                <a:pPr marL="0" indent="0" defTabSz="180000">
+                  <a:buNone/>
+                </a:pPr>
+                <a:r>
+                  <a:rPr lang="de-DE" sz="600" dirty="0">
+                    <a:solidFill>
+                      <a:srgbClr val="0070C0"/>
+                    </a:solidFill>
+                  </a:rPr>
+                  <a:t>algorithm </a:t>
+                </a:r>
+                <a:r>
+                  <a:rPr lang="de-DE" sz="600" dirty="0" err="1">
+                    <a:solidFill>
+                      <a:srgbClr val="0070C0"/>
+                    </a:solidFill>
+                  </a:rPr>
+                  <a:t>qualitaet</a:t>
+                </a:r>
+                <a:r>
+                  <a:rPr lang="de-DE" sz="600" dirty="0">
+                    <a:solidFill>
+                      <a:srgbClr val="0070C0"/>
+                    </a:solidFill>
+                  </a:rPr>
+                  <a:t>(individuum | </a:t>
+                </a:r>
+                <a:r>
+                  <a:rPr lang="de-DE" sz="600" dirty="0" err="1">
+                    <a:solidFill>
+                      <a:srgbClr val="0070C0"/>
+                    </a:solidFill>
+                  </a:rPr>
+                  <a:t>population</a:t>
+                </a:r>
+                <a:r>
+                  <a:rPr lang="de-DE" sz="600" dirty="0">
+                    <a:solidFill>
+                      <a:srgbClr val="0070C0"/>
+                    </a:solidFill>
+                  </a:rPr>
+                  <a:t>)</a:t>
+                </a:r>
+              </a:p>
+              <a:p>
+                <a:pPr marL="0" indent="0" defTabSz="180000">
+                  <a:buNone/>
+                </a:pPr>
+                <a:r>
+                  <a:rPr lang="de-DE" sz="600" dirty="0"/>
+                  <a:t>	// problemspezifische Qualitätsfunktion</a:t>
+                </a:r>
+              </a:p>
+              <a:p>
+                <a:pPr marL="0" indent="0" defTabSz="180000">
+                  <a:buNone/>
+                </a:pPr>
+                <a:endParaRPr lang="de-DE" sz="600" dirty="0"/>
+              </a:p>
+              <a:p>
+                <a:pPr marL="0" indent="0" defTabSz="180000">
+                  <a:buNone/>
+                </a:pPr>
+                <a:r>
+                  <a:rPr lang="de-DE" sz="600" dirty="0"/>
+                  <a:t>	</a:t>
+                </a:r>
+              </a:p>
+              <a:p>
+                <a:pPr marL="0" indent="0" defTabSz="180000">
+                  <a:buNone/>
+                </a:pPr>
+                <a:r>
+                  <a:rPr lang="de-DE" sz="600" dirty="0">
+                    <a:solidFill>
+                      <a:srgbClr val="0070C0"/>
+                    </a:solidFill>
+                  </a:rPr>
+                  <a:t>algorithm duplikation(individuum[1...n])</a:t>
+                </a:r>
+              </a:p>
+              <a:p>
+                <a:pPr marL="276225" lvl="1" indent="0" defTabSz="180000">
+                  <a:buNone/>
+                </a:pPr>
+                <a:r>
+                  <a:rPr lang="de-DE" sz="600" dirty="0"/>
+                  <a:t> </a:t>
+                </a:r>
+                <a:r>
+                  <a:rPr lang="de-DE" sz="600" dirty="0" err="1"/>
+                  <a:t>klon</a:t>
+                </a:r>
+                <a:r>
+                  <a:rPr lang="de-DE" sz="600" dirty="0"/>
+                  <a:t> &lt;- []</a:t>
+                </a:r>
+              </a:p>
+              <a:p>
+                <a:pPr marL="276225" lvl="1" indent="0" defTabSz="180000">
+                  <a:buNone/>
+                </a:pPr>
+                <a:r>
+                  <a:rPr lang="de-DE" sz="600" dirty="0"/>
+                  <a:t> </a:t>
+                </a:r>
+                <a:r>
+                  <a:rPr lang="de-DE" sz="600" dirty="0" err="1"/>
+                  <a:t>for</a:t>
+                </a:r>
+                <a:r>
+                  <a:rPr lang="de-DE" sz="600" dirty="0"/>
+                  <a:t> i &lt;- 1...n</a:t>
+                </a:r>
+                <a:br>
+                  <a:rPr lang="de-DE" sz="600" dirty="0"/>
+                </a:br>
+                <a:r>
+                  <a:rPr lang="de-DE" sz="600" dirty="0"/>
+                  <a:t>		</a:t>
+                </a:r>
+                <a:r>
+                  <a:rPr lang="de-DE" sz="600" dirty="0" err="1"/>
+                  <a:t>klon</a:t>
+                </a:r>
+                <a:r>
+                  <a:rPr lang="de-DE" sz="600" dirty="0"/>
+                  <a:t> &lt;- </a:t>
+                </a:r>
+                <a:r>
+                  <a:rPr lang="de-DE" sz="600" dirty="0" err="1"/>
+                  <a:t>klon</a:t>
+                </a:r>
+                <a:r>
+                  <a:rPr lang="de-DE" sz="600" dirty="0"/>
+                  <a:t> + individuum[i]</a:t>
+                </a:r>
+              </a:p>
+              <a:p>
+                <a:pPr marL="276225" lvl="1" indent="0" defTabSz="180000">
+                  <a:buNone/>
+                </a:pPr>
+                <a:r>
+                  <a:rPr lang="de-DE" sz="600" dirty="0"/>
+                  <a:t> </a:t>
+                </a:r>
+                <a:r>
+                  <a:rPr lang="de-DE" sz="600" dirty="0" err="1"/>
+                  <a:t>return</a:t>
+                </a:r>
+                <a:r>
+                  <a:rPr lang="de-DE" sz="600" dirty="0"/>
+                  <a:t> </a:t>
+                </a:r>
+                <a:r>
+                  <a:rPr lang="de-DE" sz="600" dirty="0" err="1"/>
+                  <a:t>klon</a:t>
+                </a:r>
+                <a:endParaRPr lang="de-DE" sz="600" dirty="0"/>
+              </a:p>
+              <a:p>
+                <a:pPr marL="0" indent="0" defTabSz="180000">
+                  <a:buNone/>
+                </a:pPr>
+                <a:r>
+                  <a:rPr lang="de-DE" sz="600" dirty="0"/>
+                  <a:t>	</a:t>
+                </a:r>
+              </a:p>
+              <a:p>
+                <a:pPr marL="0" indent="0" defTabSz="180000">
+                  <a:buNone/>
+                </a:pPr>
+                <a:r>
+                  <a:rPr lang="de-DE" sz="600" dirty="0">
+                    <a:solidFill>
+                      <a:srgbClr val="0070C0"/>
+                    </a:solidFill>
+                  </a:rPr>
+                  <a:t>algorithm </a:t>
+                </a:r>
+                <a:r>
+                  <a:rPr lang="de-DE" sz="600" dirty="0" err="1">
+                    <a:solidFill>
+                      <a:srgbClr val="0070C0"/>
+                    </a:solidFill>
+                  </a:rPr>
+                  <a:t>selektion</a:t>
+                </a:r>
+                <a:r>
+                  <a:rPr lang="de-DE" sz="600" dirty="0">
+                    <a:solidFill>
+                      <a:srgbClr val="0070C0"/>
+                    </a:solidFill>
+                  </a:rPr>
+                  <a:t>(individuen[1...m], </a:t>
+                </a:r>
+                <a:r>
+                  <a:rPr lang="el-GR" sz="600" dirty="0">
+                    <a:solidFill>
+                      <a:srgbClr val="0070C0"/>
+                    </a:solidFill>
+                  </a:rPr>
+                  <a:t>μ, </a:t>
+                </a:r>
+                <a:r>
+                  <a:rPr lang="de-DE" sz="600" dirty="0" err="1">
+                    <a:solidFill>
+                      <a:srgbClr val="0070C0"/>
+                    </a:solidFill>
+                  </a:rPr>
+                  <a:t>qualitaetsfunktion</a:t>
+                </a:r>
+                <a:r>
+                  <a:rPr lang="de-DE" sz="600" dirty="0">
+                    <a:solidFill>
+                      <a:srgbClr val="0070C0"/>
+                    </a:solidFill>
+                  </a:rPr>
+                  <a:t>)</a:t>
+                </a:r>
+              </a:p>
+              <a:p>
+                <a:pPr marL="0" indent="0" defTabSz="180000">
+                  <a:buNone/>
+                </a:pPr>
+                <a:r>
+                  <a:rPr lang="de-DE" sz="600" dirty="0"/>
+                  <a:t>	</a:t>
+                </a:r>
+                <a:r>
+                  <a:rPr lang="de-DE" sz="600" dirty="0" err="1"/>
+                  <a:t>sortierteIndividuen</a:t>
+                </a:r>
+                <a:r>
+                  <a:rPr lang="de-DE" sz="600" dirty="0"/>
+                  <a:t> &lt;- </a:t>
+                </a:r>
+                <a:r>
+                  <a:rPr lang="de-DE" sz="600" dirty="0" err="1"/>
+                  <a:t>sortiereAbsteigend</a:t>
+                </a:r>
+                <a:r>
+                  <a:rPr lang="de-DE" sz="600" dirty="0"/>
+                  <a:t>(individuen, </a:t>
+                </a:r>
+                <a:r>
+                  <a:rPr lang="de-DE" sz="600" dirty="0" err="1"/>
+                  <a:t>qualitaetsfunktion</a:t>
+                </a:r>
+                <a:r>
+                  <a:rPr lang="de-DE" sz="600" dirty="0"/>
+                  <a:t>)</a:t>
+                </a:r>
+              </a:p>
+              <a:p>
+                <a:pPr marL="0" indent="0" defTabSz="180000">
+                  <a:buNone/>
+                </a:pPr>
+                <a:r>
+                  <a:rPr lang="de-DE" sz="600" dirty="0"/>
+                  <a:t>	</a:t>
+                </a:r>
+                <a:r>
+                  <a:rPr lang="de-DE" sz="600" dirty="0" err="1"/>
+                  <a:t>besteIndividuen</a:t>
+                </a:r>
+                <a:r>
+                  <a:rPr lang="de-DE" sz="600" dirty="0"/>
+                  <a:t> &lt;- []</a:t>
+                </a:r>
+              </a:p>
+              <a:p>
+                <a:pPr marL="0" indent="0" defTabSz="180000">
+                  <a:buNone/>
+                </a:pPr>
+                <a:r>
+                  <a:rPr lang="de-DE" sz="600" dirty="0"/>
+                  <a:t>	</a:t>
+                </a:r>
+                <a:r>
+                  <a:rPr lang="de-DE" sz="600" dirty="0" err="1"/>
+                  <a:t>for</a:t>
+                </a:r>
+                <a:r>
+                  <a:rPr lang="de-DE" sz="600" dirty="0"/>
+                  <a:t> i &lt;- 1,...,</a:t>
+                </a:r>
+                <a:r>
+                  <a:rPr lang="el-GR" sz="600" dirty="0"/>
+                  <a:t>μ</a:t>
+                </a:r>
+              </a:p>
+              <a:p>
+                <a:pPr marL="0" indent="0" defTabSz="180000">
+                  <a:buNone/>
+                </a:pPr>
+                <a:r>
+                  <a:rPr lang="el-GR" sz="600" dirty="0"/>
+                  <a:t>		</a:t>
+                </a:r>
+                <a:r>
+                  <a:rPr lang="de-DE" sz="600" dirty="0" err="1"/>
+                  <a:t>besteIndividuen</a:t>
+                </a:r>
+                <a:r>
+                  <a:rPr lang="de-DE" sz="600" dirty="0"/>
+                  <a:t> &lt;- </a:t>
+                </a:r>
+                <a:r>
+                  <a:rPr lang="de-DE" sz="600" dirty="0" err="1"/>
+                  <a:t>besteIndividuen</a:t>
+                </a:r>
+                <a:r>
+                  <a:rPr lang="de-DE" sz="600" dirty="0"/>
+                  <a:t> + </a:t>
+                </a:r>
+                <a:r>
+                  <a:rPr lang="de-DE" sz="600" dirty="0" err="1"/>
+                  <a:t>sortierteIndividuen</a:t>
+                </a:r>
+                <a:r>
+                  <a:rPr lang="de-DE" sz="600" dirty="0"/>
+                  <a:t>[i]</a:t>
+                </a:r>
+              </a:p>
+              <a:p>
+                <a:pPr marL="0" indent="0" defTabSz="180000">
+                  <a:buNone/>
+                </a:pPr>
+                <a:r>
+                  <a:rPr lang="de-DE" sz="600" dirty="0"/>
+                  <a:t>	</a:t>
+                </a:r>
+                <a:r>
+                  <a:rPr lang="de-DE" sz="600" dirty="0" err="1"/>
+                  <a:t>return</a:t>
+                </a:r>
+                <a:r>
+                  <a:rPr lang="de-DE" sz="600" dirty="0"/>
+                  <a:t> </a:t>
+                </a:r>
+                <a:r>
+                  <a:rPr lang="de-DE" sz="600" dirty="0" err="1"/>
+                  <a:t>besteIndividuen</a:t>
+                </a:r>
+                <a:endParaRPr lang="de-DE" sz="600" dirty="0"/>
+              </a:p>
+              <a:p>
+                <a:pPr marL="0" indent="0" defTabSz="180000">
+                  <a:buNone/>
+                </a:pPr>
+                <a:r>
+                  <a:rPr lang="de-DE" sz="600" dirty="0"/>
+                  <a:t>	</a:t>
+                </a:r>
+              </a:p>
+              <a:p>
+                <a:pPr marL="0" indent="0" defTabSz="180000">
+                  <a:buNone/>
+                </a:pPr>
+                <a:endParaRPr lang="de-DE" sz="600" dirty="0"/>
+              </a:p>
+              <a:p>
+                <a:pPr marL="0" indent="0" defTabSz="180000">
+                  <a:buNone/>
+                </a:pPr>
+                <a:r>
+                  <a:rPr lang="de-DE" sz="600" dirty="0">
+                    <a:solidFill>
+                      <a:srgbClr val="00B050"/>
+                    </a:solidFill>
+                  </a:rPr>
+                  <a:t>algorithm (1+1)-ES()</a:t>
+                </a:r>
+              </a:p>
+              <a:p>
+                <a:pPr marL="0" indent="0" defTabSz="180000">
+                  <a:buNone/>
+                </a:pPr>
+                <a:r>
+                  <a:rPr lang="de-DE" sz="600" dirty="0"/>
+                  <a:t>	</a:t>
+                </a:r>
+                <a:r>
+                  <a:rPr lang="de-DE" sz="600" dirty="0" err="1"/>
+                  <a:t>iterationsLimit</a:t>
+                </a:r>
+                <a:r>
+                  <a:rPr lang="de-DE" sz="600" dirty="0"/>
+                  <a:t> &lt;- </a:t>
+                </a:r>
+                <a14:m>
+                  <m:oMath xmlns:m="http://schemas.openxmlformats.org/officeDocument/2006/math">
+                    <m:r>
+                      <a:rPr lang="de-DE" sz="600" b="0" i="1" smtClean="0">
+                        <a:latin typeface="Cambria Math" panose="02040503050406030204" pitchFamily="18" charset="0"/>
+                      </a:rPr>
+                      <m:t>𝑥</m:t>
+                    </m:r>
+                    <m:r>
+                      <a:rPr lang="de-DE" sz="600" b="0" i="1" smtClean="0">
+                        <a:latin typeface="Cambria Math" panose="02040503050406030204" pitchFamily="18" charset="0"/>
+                      </a:rPr>
+                      <m:t>∈</m:t>
+                    </m:r>
+                    <m:r>
+                      <a:rPr lang="de-DE" sz="600" dirty="0" smtClean="0">
+                        <a:latin typeface="Cambria Math" panose="02040503050406030204" pitchFamily="18" charset="0"/>
+                      </a:rPr>
+                      <m:t>ℕ</m:t>
+                    </m:r>
+                  </m:oMath>
+                </a14:m>
+                <a:endParaRPr lang="de-DE" sz="600" dirty="0"/>
+              </a:p>
+              <a:p>
+                <a:pPr marL="0" indent="0" defTabSz="180000">
+                  <a:buNone/>
+                </a:pPr>
+                <a:r>
+                  <a:rPr lang="de-DE" sz="600" dirty="0"/>
+                  <a:t>	</a:t>
+                </a:r>
+                <a:r>
+                  <a:rPr lang="de-DE" sz="600" dirty="0" err="1"/>
+                  <a:t>generationszaehler</a:t>
+                </a:r>
+                <a:r>
+                  <a:rPr lang="de-DE" sz="600" dirty="0"/>
+                  <a:t> &lt;- 0</a:t>
+                </a:r>
+              </a:p>
+              <a:p>
+                <a:pPr marL="0" indent="0" defTabSz="180000">
+                  <a:buNone/>
+                </a:pPr>
+                <a:r>
+                  <a:rPr lang="de-DE" sz="600" dirty="0"/>
+                  <a:t>	</a:t>
+                </a:r>
+                <a:r>
+                  <a:rPr lang="de-DE" sz="600" dirty="0" err="1"/>
+                  <a:t>wunschqualitaet</a:t>
+                </a:r>
+                <a:r>
+                  <a:rPr lang="de-DE" sz="600" dirty="0"/>
+                  <a:t> &lt;- </a:t>
+                </a:r>
+                <a14:m>
+                  <m:oMath xmlns:m="http://schemas.openxmlformats.org/officeDocument/2006/math">
+                    <m:r>
+                      <a:rPr lang="de-DE" sz="600" b="0" i="1" smtClean="0">
+                        <a:latin typeface="Cambria Math" panose="02040503050406030204" pitchFamily="18" charset="0"/>
+                      </a:rPr>
+                      <m:t>𝑦</m:t>
+                    </m:r>
+                    <m:r>
+                      <a:rPr lang="de-DE" sz="600" b="0" i="1" smtClean="0">
+                        <a:latin typeface="Cambria Math" panose="02040503050406030204" pitchFamily="18" charset="0"/>
+                      </a:rPr>
+                      <m:t>∈</m:t>
+                    </m:r>
+                    <m:r>
+                      <a:rPr lang="de-DE" sz="600" dirty="0" smtClean="0">
+                        <a:latin typeface="Cambria Math" panose="02040503050406030204" pitchFamily="18" charset="0"/>
+                      </a:rPr>
+                      <m:t>ℝ</m:t>
+                    </m:r>
+                  </m:oMath>
+                </a14:m>
+                <a:endParaRPr lang="de-DE" sz="600" dirty="0"/>
+              </a:p>
+              <a:p>
+                <a:pPr marL="0" indent="0" defTabSz="180000">
+                  <a:buNone/>
+                </a:pPr>
+                <a:r>
+                  <a:rPr lang="de-DE" sz="600" dirty="0"/>
+                  <a:t>	</a:t>
+                </a:r>
+                <a:r>
+                  <a:rPr lang="de-DE" sz="600" dirty="0" err="1"/>
+                  <a:t>individuengroesse</a:t>
+                </a:r>
+                <a:r>
+                  <a:rPr lang="de-DE" sz="600" dirty="0"/>
+                  <a:t> &lt;-</a:t>
+                </a:r>
+                <a14:m>
+                  <m:oMath xmlns:m="http://schemas.openxmlformats.org/officeDocument/2006/math">
+                    <m:r>
+                      <a:rPr lang="de-DE" sz="600" b="0" i="0" smtClean="0">
+                        <a:latin typeface="Cambria Math" panose="02040503050406030204" pitchFamily="18" charset="0"/>
+                      </a:rPr>
+                      <m:t> </m:t>
+                    </m:r>
+                    <m:r>
+                      <a:rPr lang="de-DE" sz="600" b="0" i="1" smtClean="0">
+                        <a:latin typeface="Cambria Math" panose="02040503050406030204" pitchFamily="18" charset="0"/>
+                      </a:rPr>
+                      <m:t>𝑛</m:t>
+                    </m:r>
+                    <m:r>
+                      <a:rPr lang="de-DE" sz="600" i="1">
+                        <a:latin typeface="Cambria Math" panose="02040503050406030204" pitchFamily="18" charset="0"/>
+                      </a:rPr>
+                      <m:t>∈</m:t>
+                    </m:r>
+                    <m:r>
+                      <a:rPr lang="de-DE" sz="600" dirty="0">
+                        <a:latin typeface="Cambria Math" panose="02040503050406030204" pitchFamily="18" charset="0"/>
+                      </a:rPr>
+                      <m:t>ℕ</m:t>
+                    </m:r>
+                  </m:oMath>
+                </a14:m>
+                <a:endParaRPr lang="de-DE" sz="600" dirty="0"/>
+              </a:p>
+              <a:p>
+                <a:pPr marL="0" indent="0" defTabSz="180000">
+                  <a:buNone/>
+                </a:pPr>
+                <a:r>
+                  <a:rPr lang="de-DE" sz="600" dirty="0"/>
+                  <a:t>	individuum &lt;- </a:t>
+                </a:r>
+                <a:r>
+                  <a:rPr lang="de-DE" sz="600" dirty="0" err="1"/>
+                  <a:t>baue_individuum</a:t>
+                </a:r>
+                <a:r>
+                  <a:rPr lang="de-DE" sz="600" dirty="0"/>
+                  <a:t>(</a:t>
+                </a:r>
+                <a:r>
+                  <a:rPr lang="de-DE" sz="600" dirty="0" err="1"/>
+                  <a:t>individuengroesse</a:t>
+                </a:r>
+                <a:r>
+                  <a:rPr lang="de-DE" sz="600" dirty="0"/>
+                  <a:t>)</a:t>
+                </a:r>
+              </a:p>
+              <a:p>
+                <a:pPr marL="0" indent="0" defTabSz="180000">
+                  <a:buNone/>
+                </a:pPr>
+                <a:r>
+                  <a:rPr lang="de-DE" sz="600" dirty="0"/>
+                  <a:t>	</a:t>
+                </a:r>
+                <a:r>
+                  <a:rPr lang="de-DE" sz="600" dirty="0" err="1"/>
+                  <a:t>while</a:t>
+                </a:r>
+                <a:r>
+                  <a:rPr lang="de-DE" sz="600" dirty="0"/>
+                  <a:t> </a:t>
+                </a:r>
+                <a:r>
+                  <a:rPr lang="de-DE" sz="600" dirty="0" err="1"/>
+                  <a:t>qualitaet</a:t>
+                </a:r>
+                <a:r>
+                  <a:rPr lang="de-DE" sz="600" dirty="0"/>
+                  <a:t>(individuum) &lt; </a:t>
+                </a:r>
+                <a:r>
+                  <a:rPr lang="de-DE" sz="600" dirty="0" err="1"/>
+                  <a:t>wunschqualitaet</a:t>
+                </a:r>
+                <a:r>
+                  <a:rPr lang="de-DE" sz="600" dirty="0"/>
+                  <a:t> and </a:t>
+                </a:r>
+                <a:r>
+                  <a:rPr lang="de-DE" sz="600" dirty="0" err="1"/>
+                  <a:t>generationszaehler</a:t>
+                </a:r>
+                <a:r>
+                  <a:rPr lang="de-DE" sz="600" dirty="0"/>
+                  <a:t> &lt; </a:t>
+                </a:r>
+                <a:r>
+                  <a:rPr lang="de-DE" sz="600" dirty="0" err="1"/>
+                  <a:t>iterationslimit</a:t>
+                </a:r>
+                <a:endParaRPr lang="de-DE" sz="600" dirty="0"/>
+              </a:p>
+              <a:p>
+                <a:pPr marL="0" indent="0" defTabSz="180000">
+                  <a:buNone/>
+                </a:pPr>
+                <a:r>
+                  <a:rPr lang="de-DE" sz="600" dirty="0"/>
+                  <a:t>		</a:t>
+                </a:r>
+                <a:r>
+                  <a:rPr lang="de-DE" sz="600" dirty="0" err="1"/>
+                  <a:t>generationszaehler</a:t>
+                </a:r>
+                <a:r>
+                  <a:rPr lang="de-DE" sz="600" dirty="0"/>
+                  <a:t> &lt;- </a:t>
+                </a:r>
+                <a:r>
+                  <a:rPr lang="de-DE" sz="600" dirty="0" err="1"/>
+                  <a:t>generationszaehler</a:t>
+                </a:r>
+                <a:r>
+                  <a:rPr lang="de-DE" sz="600" dirty="0"/>
+                  <a:t> + 1</a:t>
+                </a:r>
+              </a:p>
+              <a:p>
+                <a:pPr marL="0" indent="0" defTabSz="180000">
+                  <a:buNone/>
+                </a:pPr>
+                <a:r>
+                  <a:rPr lang="de-DE" sz="600" dirty="0"/>
+                  <a:t>		elter &lt;- individuum</a:t>
+                </a:r>
+              </a:p>
+              <a:p>
+                <a:pPr marL="0" indent="0" defTabSz="180000">
+                  <a:buNone/>
+                </a:pPr>
+                <a:r>
+                  <a:rPr lang="de-DE" sz="600" dirty="0"/>
+                  <a:t>		</a:t>
+                </a:r>
+                <a:r>
+                  <a:rPr lang="de-DE" sz="600" dirty="0" err="1"/>
+                  <a:t>kind</a:t>
+                </a:r>
+                <a:r>
+                  <a:rPr lang="de-DE" sz="600" dirty="0"/>
+                  <a:t> &lt;- duplikation(elter)</a:t>
+                </a:r>
+              </a:p>
+              <a:p>
+                <a:pPr marL="0" indent="0" defTabSz="180000">
+                  <a:buNone/>
+                </a:pPr>
+                <a:r>
+                  <a:rPr lang="de-DE" sz="600" dirty="0"/>
+                  <a:t>		</a:t>
+                </a:r>
+                <a:r>
+                  <a:rPr lang="de-DE" sz="600" dirty="0" err="1"/>
+                  <a:t>kind</a:t>
+                </a:r>
+                <a:r>
+                  <a:rPr lang="de-DE" sz="600" dirty="0"/>
+                  <a:t> &lt;- </a:t>
+                </a:r>
+                <a:r>
+                  <a:rPr lang="de-DE" sz="600" dirty="0" err="1"/>
+                  <a:t>mutation</a:t>
+                </a:r>
+                <a:r>
+                  <a:rPr lang="de-DE" sz="600" dirty="0"/>
+                  <a:t>(</a:t>
+                </a:r>
+                <a:r>
+                  <a:rPr lang="de-DE" sz="600" dirty="0" err="1"/>
+                  <a:t>kind</a:t>
+                </a:r>
+                <a:r>
+                  <a:rPr lang="de-DE" sz="600" dirty="0"/>
+                  <a:t>)</a:t>
+                </a:r>
+              </a:p>
+              <a:p>
+                <a:pPr marL="0" indent="0" defTabSz="180000">
+                  <a:buNone/>
+                </a:pPr>
+                <a:r>
+                  <a:rPr lang="de-DE" sz="600" dirty="0"/>
+                  <a:t>		individuum &lt;- </a:t>
+                </a:r>
+                <a:r>
+                  <a:rPr lang="de-DE" sz="600" dirty="0" err="1"/>
+                  <a:t>selektion</a:t>
+                </a:r>
+                <a:r>
+                  <a:rPr lang="de-DE" sz="600" dirty="0"/>
+                  <a:t>([elter, </a:t>
+                </a:r>
+                <a:r>
+                  <a:rPr lang="de-DE" sz="600" dirty="0" err="1"/>
+                  <a:t>kind</a:t>
+                </a:r>
+                <a:r>
+                  <a:rPr lang="de-DE" sz="600" dirty="0"/>
+                  <a:t>], 1, </a:t>
+                </a:r>
+                <a:r>
+                  <a:rPr lang="de-DE" sz="600" dirty="0" err="1"/>
+                  <a:t>qualitaet</a:t>
+                </a:r>
+                <a:r>
+                  <a:rPr lang="de-DE" sz="600" dirty="0"/>
+                  <a:t>)</a:t>
+                </a:r>
+              </a:p>
+              <a:p>
+                <a:pPr marL="0" indent="0" defTabSz="180000">
+                  <a:buNone/>
+                </a:pPr>
+                <a:r>
+                  <a:rPr lang="de-DE" sz="600" dirty="0"/>
+                  <a:t>	</a:t>
+                </a:r>
+                <a:r>
+                  <a:rPr lang="de-DE" sz="600" dirty="0" err="1"/>
+                  <a:t>loesung</a:t>
+                </a:r>
+                <a:r>
+                  <a:rPr lang="de-DE" sz="600" dirty="0"/>
+                  <a:t> &lt;- individuum</a:t>
+                </a:r>
+              </a:p>
+              <a:p>
+                <a:pPr marL="0" indent="0" defTabSz="180000">
+                  <a:buNone/>
+                </a:pPr>
+                <a:endParaRPr lang="de-DE" sz="600" dirty="0"/>
+              </a:p>
+            </p:txBody>
+          </p:sp>
+        </mc:Choice>
+        <mc:Fallback xmlns="">
+          <p:sp>
+            <p:nvSpPr>
+              <p:cNvPr id="4" name="Textplatzhalter 3">
+                <a:extLst>
+                  <a:ext uri="{FF2B5EF4-FFF2-40B4-BE49-F238E27FC236}">
+                    <a16:creationId xmlns:a16="http://schemas.microsoft.com/office/drawing/2014/main" id="{027ACB38-45C8-49B7-B159-284BE2923EA6}"/>
+                  </a:ext>
+                </a:extLst>
+              </p:cNvPr>
+              <p:cNvSpPr>
+                <a:spLocks noGrp="1" noRot="1" noChangeAspect="1" noMove="1" noResize="1" noEditPoints="1" noAdjustHandles="1" noChangeArrowheads="1" noChangeShapeType="1" noTextEdit="1"/>
+              </p:cNvSpPr>
+              <p:nvPr>
+                <p:ph type="body" sz="quarter" idx="11"/>
+              </p:nvPr>
+            </p:nvSpPr>
+            <p:spPr>
+              <a:xfrm>
+                <a:off x="8313427" y="1991593"/>
+                <a:ext cx="3345179" cy="4305300"/>
+              </a:xfrm>
+              <a:blipFill>
+                <a:blip r:embed="rId3"/>
+                <a:stretch>
+                  <a:fillRect/>
+                </a:stretch>
+              </a:blipFill>
+            </p:spPr>
+            <p:txBody>
+              <a:bodyPr/>
+              <a:lstStyle/>
+              <a:p>
+                <a:r>
+                  <a:rPr lang="de-DE">
+                    <a:noFill/>
+                  </a:rPr>
+                  <a:t> </a:t>
+                </a:r>
+              </a:p>
+            </p:txBody>
+          </p:sp>
+        </mc:Fallback>
+      </mc:AlternateContent>
+    </p:spTree>
+    <p:extLst>
+      <p:ext uri="{BB962C8B-B14F-4D97-AF65-F5344CB8AC3E}">
+        <p14:creationId xmlns:p14="http://schemas.microsoft.com/office/powerpoint/2010/main" val="1715031305"/>
+      </p:ext>
+    </p:extLst>
+  </p:cSld>
+  <p:clrMapOvr>
+    <a:masterClrMapping/>
+  </p:clrMapOvr>
+</p:sld>
+</file>
+
+<file path=ppt/slides/slide5.xml><?xml version="1.0" encoding="utf-8"?>
+<p:sld xmlns:a="http://schemas.openxmlformats.org/drawingml/2006/main" xmlns:r="http://schemas.openxmlformats.org/officeDocument/2006/relationships" xmlns:p="http://schemas.openxmlformats.org/presentationml/2006/main">
+  <p:cSld>
+    <p:spTree>
+      <p:nvGrpSpPr>
+        <p:cNvPr id="1" name=""/>
+        <p:cNvGrpSpPr/>
+        <p:nvPr/>
+      </p:nvGrpSpPr>
+      <p:grpSpPr>
+        <a:xfrm>
+          <a:off x="0" y="0"/>
+          <a:ext cx="0" cy="0"/>
+          <a:chOff x="0" y="0"/>
+          <a:chExt cx="0" cy="0"/>
+        </a:xfrm>
+      </p:grpSpPr>
+      <p:sp>
+        <p:nvSpPr>
+          <p:cNvPr id="396" name="Textplatzhalter 3">
+            <a:extLst>
+              <a:ext uri="{FF2B5EF4-FFF2-40B4-BE49-F238E27FC236}">
+                <a16:creationId xmlns:a16="http://schemas.microsoft.com/office/drawing/2014/main" id="{197FB923-CD22-43D6-9B23-250E0B768933}"/>
+              </a:ext>
+            </a:extLst>
+          </p:cNvPr>
+          <p:cNvSpPr txBox="1">
+            <a:spLocks/>
+          </p:cNvSpPr>
+          <p:nvPr/>
+        </p:nvSpPr>
+        <p:spPr bwMode="auto">
+          <a:xfrm>
+            <a:off x="334439" y="1990725"/>
+            <a:ext cx="11487150" cy="4305300"/>
+          </a:xfrm>
+          <a:prstGeom prst="rect">
+            <a:avLst/>
+          </a:prstGeom>
+          <a:noFill/>
+          <a:ln>
+            <a:noFill/>
+          </a:ln>
+          <a:extLst>
+            <a:ext uri="{909E8E84-426E-40DD-AFC4-6F175D3DCCD1}">
+              <a14:hiddenFill xmlns:a14="http://schemas.microsoft.com/office/drawing/2010/main">
+                <a:solidFill>
+                  <a:srgbClr val="FFFFFF"/>
+                </a:solidFill>
+              </a14:hiddenFill>
+            </a:ext>
+            <a:ext uri="{91240B29-F687-4F45-9708-019B960494DF}">
+              <a14:hiddenLine xmlns:a14="http://schemas.microsoft.com/office/drawing/2010/main" w="9525">
+                <a:solidFill>
+                  <a:srgbClr val="000000"/>
+                </a:solidFill>
+                <a:miter lim="800000"/>
+                <a:headEnd/>
+                <a:tailEnd/>
+              </a14:hiddenLine>
+            </a:ext>
+          </a:extLst>
+        </p:spPr>
+        <p:txBody>
+          <a:bodyPr vert="horz" wrap="square" lIns="91440" tIns="45720" rIns="91440" bIns="45720" numCol="1" anchor="t" anchorCtr="0" compatLnSpc="1">
+            <a:prstTxWarp prst="textNoShape">
+              <a:avLst/>
+            </a:prstTxWarp>
+          </a:bodyPr>
+          <a:lstStyle>
+            <a:lvl1pPr marL="266700" indent="-266700" algn="l" rtl="0" eaLnBrk="0" fontAlgn="base" hangingPunct="0">
+              <a:spcBef>
+                <a:spcPct val="20000"/>
+              </a:spcBef>
+              <a:spcAft>
+                <a:spcPct val="0"/>
+              </a:spcAft>
+              <a:buClr>
+                <a:srgbClr val="80BA24"/>
+              </a:buClr>
+              <a:buSzPct val="106000"/>
+              <a:buFont typeface="Wingdings" panose="05000000000000000000" pitchFamily="2" charset="2"/>
+              <a:buChar char="§"/>
+              <a:defRPr kern="1200" baseline="0">
+                <a:solidFill>
+                  <a:srgbClr val="4A5C66"/>
+                </a:solidFill>
+                <a:latin typeface="Arial" pitchFamily="34" charset="0"/>
+                <a:ea typeface="MS PGothic" panose="020B0600070205080204" pitchFamily="34" charset="-128"/>
+                <a:cs typeface="Arial" pitchFamily="34" charset="0"/>
+              </a:defRPr>
+            </a:lvl1pPr>
+            <a:lvl2pPr marL="542925" indent="-276225" algn="l" rtl="0" eaLnBrk="0" fontAlgn="base" hangingPunct="0">
+              <a:spcBef>
+                <a:spcPct val="20000"/>
+              </a:spcBef>
+              <a:spcAft>
+                <a:spcPct val="0"/>
+              </a:spcAft>
+              <a:buClr>
+                <a:srgbClr val="80BA24"/>
+              </a:buClr>
+              <a:buSzPct val="90000"/>
+              <a:buFont typeface="Wingdings" panose="05000000000000000000" pitchFamily="2" charset="2"/>
+              <a:buChar char="§"/>
+              <a:defRPr kern="1200">
+                <a:solidFill>
+                  <a:srgbClr val="4A5C66"/>
+                </a:solidFill>
+                <a:latin typeface="Arial" pitchFamily="34" charset="0"/>
+                <a:ea typeface="Arial" charset="0"/>
+                <a:cs typeface="Arial" pitchFamily="34" charset="0"/>
+              </a:defRPr>
+            </a:lvl2pPr>
+            <a:lvl3pPr marL="809625" indent="-266700" algn="l" rtl="0" eaLnBrk="0" fontAlgn="base" hangingPunct="0">
+              <a:spcBef>
+                <a:spcPct val="20000"/>
+              </a:spcBef>
+              <a:spcAft>
+                <a:spcPct val="0"/>
+              </a:spcAft>
+              <a:buClr>
+                <a:srgbClr val="80BA24"/>
+              </a:buClr>
+              <a:buSzPct val="80000"/>
+              <a:buFont typeface="Wingdings" panose="05000000000000000000" pitchFamily="2" charset="2"/>
+              <a:buChar char="§"/>
+              <a:defRPr kern="1200">
+                <a:solidFill>
+                  <a:srgbClr val="4A5C66"/>
+                </a:solidFill>
+                <a:latin typeface="Arial" pitchFamily="34" charset="0"/>
+                <a:ea typeface="Arial" charset="0"/>
+                <a:cs typeface="Arial" pitchFamily="34" charset="0"/>
+              </a:defRPr>
+            </a:lvl3pPr>
+            <a:lvl4pPr marL="1076325" indent="-266700" algn="l" rtl="0" eaLnBrk="0" fontAlgn="base" hangingPunct="0">
+              <a:spcBef>
+                <a:spcPct val="20000"/>
+              </a:spcBef>
+              <a:spcAft>
+                <a:spcPct val="0"/>
+              </a:spcAft>
+              <a:buClr>
+                <a:srgbClr val="80BA24"/>
+              </a:buClr>
+              <a:buSzPct val="80000"/>
+              <a:buFont typeface="Wingdings" panose="05000000000000000000" pitchFamily="2" charset="2"/>
+              <a:buChar char="§"/>
+              <a:defRPr kern="1200">
+                <a:solidFill>
+                  <a:srgbClr val="4A5C66"/>
+                </a:solidFill>
+                <a:latin typeface="Arial" pitchFamily="34" charset="0"/>
+                <a:ea typeface="Arial" charset="0"/>
+                <a:cs typeface="Arial" pitchFamily="34" charset="0"/>
+              </a:defRPr>
+            </a:lvl4pPr>
+            <a:lvl5pPr marL="1343025" indent="-266700" algn="l" rtl="0" eaLnBrk="0" fontAlgn="base" hangingPunct="0">
+              <a:spcBef>
+                <a:spcPct val="20000"/>
+              </a:spcBef>
+              <a:spcAft>
+                <a:spcPct val="0"/>
+              </a:spcAft>
+              <a:buClr>
+                <a:srgbClr val="80BA24"/>
+              </a:buClr>
+              <a:buSzPct val="80000"/>
+              <a:buFont typeface="Wingdings" panose="05000000000000000000" pitchFamily="2" charset="2"/>
+              <a:buChar char="§"/>
+              <a:defRPr kern="1200">
+                <a:solidFill>
+                  <a:srgbClr val="4A5C66"/>
+                </a:solidFill>
+                <a:latin typeface="Arial" pitchFamily="34" charset="0"/>
+                <a:ea typeface="Arial" charset="0"/>
+                <a:cs typeface="Arial" pitchFamily="34" charset="0"/>
+              </a:defRPr>
+            </a:lvl5pPr>
+            <a:lvl6pPr marL="2514600" indent="-228600" algn="l" defTabSz="914400" rtl="0" eaLnBrk="1" latinLnBrk="0" hangingPunct="1">
+              <a:spcBef>
+                <a:spcPct val="20000"/>
+              </a:spcBef>
+              <a:buFont typeface="Arial" pitchFamily="34" charset="0"/>
+              <a:buChar char="•"/>
+              <a:defRPr sz="2000" kern="1200">
+                <a:solidFill>
+                  <a:schemeClr val="tx1"/>
+                </a:solidFill>
+                <a:latin typeface="+mn-lt"/>
+                <a:ea typeface="+mn-ea"/>
+                <a:cs typeface="+mn-cs"/>
+              </a:defRPr>
+            </a:lvl6pPr>
+            <a:lvl7pPr marL="2971800" indent="-228600" algn="l" defTabSz="914400" rtl="0" eaLnBrk="1" latinLnBrk="0" hangingPunct="1">
+              <a:spcBef>
+                <a:spcPct val="20000"/>
+              </a:spcBef>
+              <a:buFont typeface="Arial" pitchFamily="34" charset="0"/>
+              <a:buChar char="•"/>
+              <a:defRPr sz="2000" kern="1200">
+                <a:solidFill>
+                  <a:schemeClr val="tx1"/>
+                </a:solidFill>
+                <a:latin typeface="+mn-lt"/>
+                <a:ea typeface="+mn-ea"/>
+                <a:cs typeface="+mn-cs"/>
+              </a:defRPr>
+            </a:lvl7pPr>
+            <a:lvl8pPr marL="3429000" indent="-228600" algn="l" defTabSz="914400" rtl="0" eaLnBrk="1" latinLnBrk="0" hangingPunct="1">
+              <a:spcBef>
+                <a:spcPct val="20000"/>
+              </a:spcBef>
+              <a:buFont typeface="Arial" pitchFamily="34" charset="0"/>
+              <a:buChar char="•"/>
+              <a:defRPr sz="2000" kern="1200">
+                <a:solidFill>
+                  <a:schemeClr val="tx1"/>
+                </a:solidFill>
+                <a:latin typeface="+mn-lt"/>
+                <a:ea typeface="+mn-ea"/>
+                <a:cs typeface="+mn-cs"/>
+              </a:defRPr>
+            </a:lvl8pPr>
+            <a:lvl9pPr marL="3886200" indent="-228600" algn="l" defTabSz="914400" rtl="0" eaLnBrk="1" latinLnBrk="0" hangingPunct="1">
+              <a:spcBef>
+                <a:spcPct val="20000"/>
+              </a:spcBef>
+              <a:buFont typeface="Arial" pitchFamily="34" charset="0"/>
+              <a:buChar char="•"/>
+              <a:defRPr sz="2000" kern="1200">
+                <a:solidFill>
+                  <a:schemeClr val="tx1"/>
+                </a:solidFill>
+                <a:latin typeface="+mn-lt"/>
+                <a:ea typeface="+mn-ea"/>
+                <a:cs typeface="+mn-cs"/>
+              </a:defRPr>
+            </a:lvl9pPr>
+          </a:lstStyle>
+          <a:p>
+            <a:r>
+              <a:rPr lang="de-DE" sz="1800" dirty="0"/>
+              <a:t>Test, wow es klappt</a:t>
+            </a:r>
+          </a:p>
+        </p:txBody>
+      </p:sp>
+      <mc:AlternateContent xmlns:mc="http://schemas.openxmlformats.org/markup-compatibility/2006">
+        <mc:Choice xmlns:a14="http://schemas.microsoft.com/office/drawing/2010/main" Requires="a14">
+          <p:sp>
+            <p:nvSpPr>
+              <p:cNvPr id="3" name="Titel 2">
+                <a:extLst>
+                  <a:ext uri="{FF2B5EF4-FFF2-40B4-BE49-F238E27FC236}">
+                    <a16:creationId xmlns:a16="http://schemas.microsoft.com/office/drawing/2014/main" id="{35997702-CF95-4A86-956F-9AE51732A0BA}"/>
+                  </a:ext>
+                </a:extLst>
+              </p:cNvPr>
+              <p:cNvSpPr>
+                <a:spLocks noGrp="1"/>
+              </p:cNvSpPr>
+              <p:nvPr>
+                <p:ph type="title"/>
+              </p:nvPr>
+            </p:nvSpPr>
+            <p:spPr/>
+            <p:txBody>
+              <a:bodyPr/>
+              <a:lstStyle/>
+              <a:p>
+                <a:r>
+                  <a:rPr lang="de-DE" dirty="0"/>
+                  <a:t>(</a:t>
+                </a:r>
+                <a14:m>
+                  <m:oMath xmlns:m="http://schemas.openxmlformats.org/officeDocument/2006/math">
+                    <m:r>
+                      <a:rPr lang="de-DE" b="1" i="0" smtClean="0">
+                        <a:latin typeface="Cambria Math" panose="02040503050406030204" pitchFamily="18" charset="0"/>
+                      </a:rPr>
+                      <m:t>𝛍</m:t>
+                    </m:r>
+                  </m:oMath>
+                </a14:m>
+                <a:r>
+                  <a:rPr lang="de-DE" dirty="0"/>
+                  <a:t>+</a:t>
+                </a:r>
+                <a14:m>
+                  <m:oMath xmlns:m="http://schemas.openxmlformats.org/officeDocument/2006/math">
+                    <m:r>
+                      <a:rPr lang="de-DE" b="1" i="0" dirty="0" smtClean="0">
+                        <a:latin typeface="Cambria Math" panose="02040503050406030204" pitchFamily="18" charset="0"/>
+                      </a:rPr>
+                      <m:t>𝛔</m:t>
+                    </m:r>
+                  </m:oMath>
+                </a14:m>
+                <a:r>
+                  <a:rPr lang="de-DE" dirty="0"/>
+                  <a:t>)-ES</a:t>
+                </a:r>
+              </a:p>
+            </p:txBody>
+          </p:sp>
+        </mc:Choice>
+        <mc:Fallback>
+          <p:sp>
+            <p:nvSpPr>
+              <p:cNvPr id="3" name="Titel 2">
+                <a:extLst>
+                  <a:ext uri="{FF2B5EF4-FFF2-40B4-BE49-F238E27FC236}">
+                    <a16:creationId xmlns:a16="http://schemas.microsoft.com/office/drawing/2014/main" id="{35997702-CF95-4A86-956F-9AE51732A0BA}"/>
+                  </a:ext>
+                </a:extLst>
+              </p:cNvPr>
+              <p:cNvSpPr>
+                <a:spLocks noGrp="1" noRot="1" noChangeAspect="1" noMove="1" noResize="1" noEditPoints="1" noAdjustHandles="1" noChangeArrowheads="1" noChangeShapeType="1" noTextEdit="1"/>
+              </p:cNvSpPr>
+              <p:nvPr>
+                <p:ph type="title"/>
+              </p:nvPr>
+            </p:nvSpPr>
+            <p:spPr>
+              <a:blipFill>
+                <a:blip r:embed="rId2"/>
+                <a:stretch>
+                  <a:fillRect l="-861" t="-7447" b="-5319"/>
+                </a:stretch>
+              </a:blipFill>
+            </p:spPr>
+            <p:txBody>
+              <a:bodyPr/>
+              <a:lstStyle/>
+              <a:p>
+                <a:r>
+                  <a:rPr lang="de-DE">
+                    <a:noFill/>
+                  </a:rPr>
+                  <a:t> </a:t>
+                </a:r>
+              </a:p>
+            </p:txBody>
+          </p:sp>
+        </mc:Fallback>
+      </mc:AlternateContent>
+      <mc:AlternateContent xmlns:mc="http://schemas.openxmlformats.org/markup-compatibility/2006">
+        <mc:Choice xmlns:a14="http://schemas.microsoft.com/office/drawing/2010/main" Requires="a14">
+          <p:sp>
+            <p:nvSpPr>
+              <p:cNvPr id="4" name="Textplatzhalter 3">
+                <a:extLst>
+                  <a:ext uri="{FF2B5EF4-FFF2-40B4-BE49-F238E27FC236}">
+                    <a16:creationId xmlns:a16="http://schemas.microsoft.com/office/drawing/2014/main" id="{027ACB38-45C8-49B7-B159-284BE2923EA6}"/>
+                  </a:ext>
+                </a:extLst>
+              </p:cNvPr>
+              <p:cNvSpPr>
+                <a:spLocks noGrp="1"/>
+              </p:cNvSpPr>
+              <p:nvPr>
+                <p:ph type="body" sz="quarter" idx="11"/>
+              </p:nvPr>
+            </p:nvSpPr>
+            <p:spPr>
+              <a:xfrm>
+                <a:off x="8313427" y="1991593"/>
+                <a:ext cx="3345179" cy="4305300"/>
+              </a:xfrm>
+            </p:spPr>
+            <p:txBody>
+              <a:bodyPr/>
+              <a:lstStyle/>
+              <a:p>
+                <a:pPr marL="0" indent="0" defTabSz="180000">
+                  <a:buNone/>
+                </a:pPr>
+                <a:r>
+                  <a:rPr lang="de-DE" sz="500" dirty="0">
+                    <a:solidFill>
+                      <a:srgbClr val="0070C0"/>
+                    </a:solidFill>
+                  </a:rPr>
+                  <a:t>algorithm </a:t>
+                </a:r>
+                <a:r>
+                  <a:rPr lang="de-DE" sz="500" dirty="0" err="1">
+                    <a:solidFill>
+                      <a:srgbClr val="0070C0"/>
+                    </a:solidFill>
+                  </a:rPr>
+                  <a:t>baue_population</a:t>
+                </a:r>
+                <a:r>
+                  <a:rPr lang="de-DE" sz="500" dirty="0">
+                    <a:solidFill>
+                      <a:srgbClr val="0070C0"/>
+                    </a:solidFill>
+                  </a:rPr>
+                  <a:t>(</a:t>
+                </a:r>
+                <a14:m>
+                  <m:oMath xmlns:m="http://schemas.openxmlformats.org/officeDocument/2006/math">
+                    <m:r>
+                      <m:rPr>
+                        <m:sty m:val="p"/>
+                      </m:rPr>
+                      <a:rPr lang="de-DE" sz="500" b="0" i="0" dirty="0" smtClean="0">
+                        <a:solidFill>
+                          <a:srgbClr val="0070C0"/>
+                        </a:solidFill>
+                        <a:latin typeface="Cambria Math" panose="02040503050406030204" pitchFamily="18" charset="0"/>
+                      </a:rPr>
+                      <m:t>μ</m:t>
+                    </m:r>
+                  </m:oMath>
+                </a14:m>
+                <a:r>
+                  <a:rPr lang="de-DE" sz="500" dirty="0">
+                    <a:solidFill>
+                      <a:srgbClr val="0070C0"/>
+                    </a:solidFill>
+                  </a:rPr>
+                  <a:t>, n)</a:t>
+                </a:r>
+              </a:p>
+              <a:p>
+                <a:pPr marL="0" indent="0" defTabSz="180000">
+                  <a:buNone/>
+                </a:pPr>
+                <a:r>
+                  <a:rPr lang="de-DE" sz="500" dirty="0"/>
+                  <a:t>	</a:t>
+                </a:r>
+                <a:r>
+                  <a:rPr lang="de-DE" sz="500" dirty="0" err="1"/>
+                  <a:t>population</a:t>
+                </a:r>
+                <a:r>
+                  <a:rPr lang="de-DE" sz="500" dirty="0"/>
+                  <a:t> &lt;- []</a:t>
+                </a:r>
+              </a:p>
+              <a:p>
+                <a:pPr marL="0" indent="0" defTabSz="180000">
+                  <a:buNone/>
+                </a:pPr>
+                <a:r>
+                  <a:rPr lang="de-DE" sz="500" dirty="0"/>
+                  <a:t>	</a:t>
+                </a:r>
+                <a:r>
+                  <a:rPr lang="de-DE" sz="500" dirty="0" err="1"/>
+                  <a:t>for</a:t>
+                </a:r>
+                <a:r>
+                  <a:rPr lang="de-DE" sz="500" dirty="0"/>
+                  <a:t> i &lt;- 1...</a:t>
+                </a:r>
+                <a14:m>
+                  <m:oMath xmlns:m="http://schemas.openxmlformats.org/officeDocument/2006/math">
+                    <m:r>
+                      <m:rPr>
+                        <m:sty m:val="p"/>
+                      </m:rPr>
+                      <a:rPr lang="de-DE" sz="500" b="0" i="0" dirty="0" smtClean="0">
+                        <a:latin typeface="Cambria Math" panose="02040503050406030204" pitchFamily="18" charset="0"/>
+                      </a:rPr>
+                      <m:t>μ</m:t>
+                    </m:r>
+                  </m:oMath>
+                </a14:m>
+                <a:endParaRPr lang="de-DE" sz="500" dirty="0"/>
+              </a:p>
+              <a:p>
+                <a:pPr marL="0" indent="0" defTabSz="180000">
+                  <a:buNone/>
+                </a:pPr>
+                <a:r>
+                  <a:rPr lang="de-DE" sz="500" dirty="0"/>
+                  <a:t>		individuum &lt;- </a:t>
+                </a:r>
+                <a:r>
+                  <a:rPr lang="de-DE" sz="500" dirty="0" err="1"/>
+                  <a:t>baue_individuum</a:t>
+                </a:r>
+                <a:r>
+                  <a:rPr lang="de-DE" sz="500" dirty="0"/>
+                  <a:t>(n)</a:t>
+                </a:r>
+              </a:p>
+              <a:p>
+                <a:pPr marL="0" indent="0" defTabSz="180000">
+                  <a:buNone/>
+                </a:pPr>
+                <a:r>
+                  <a:rPr lang="de-DE" sz="500" dirty="0"/>
+                  <a:t>		</a:t>
+                </a:r>
+                <a:r>
+                  <a:rPr lang="de-DE" sz="500" dirty="0" err="1"/>
+                  <a:t>population</a:t>
+                </a:r>
+                <a:r>
+                  <a:rPr lang="de-DE" sz="500" dirty="0"/>
+                  <a:t> &lt;- </a:t>
+                </a:r>
+                <a:r>
+                  <a:rPr lang="de-DE" sz="500" dirty="0" err="1"/>
+                  <a:t>population</a:t>
+                </a:r>
+                <a:r>
+                  <a:rPr lang="de-DE" sz="500" dirty="0"/>
+                  <a:t> + individuum</a:t>
+                </a:r>
+              </a:p>
+              <a:p>
+                <a:pPr marL="0" indent="0" defTabSz="180000">
+                  <a:buNone/>
+                </a:pPr>
+                <a:r>
+                  <a:rPr lang="de-DE" sz="500" dirty="0"/>
+                  <a:t>	</a:t>
+                </a:r>
+                <a:r>
+                  <a:rPr lang="de-DE" sz="500" dirty="0" err="1"/>
+                  <a:t>return</a:t>
+                </a:r>
+                <a:r>
+                  <a:rPr lang="de-DE" sz="500" dirty="0"/>
+                  <a:t> </a:t>
+                </a:r>
+                <a:r>
+                  <a:rPr lang="de-DE" sz="500" dirty="0" err="1"/>
+                  <a:t>population</a:t>
+                </a:r>
+                <a:endParaRPr lang="de-DE" sz="500" dirty="0"/>
+              </a:p>
+              <a:p>
+                <a:pPr marL="0" indent="0" defTabSz="180000">
+                  <a:buNone/>
+                </a:pPr>
+                <a:r>
+                  <a:rPr lang="de-DE" sz="500" dirty="0"/>
+                  <a:t>	</a:t>
+                </a:r>
+              </a:p>
+              <a:p>
+                <a:pPr marL="0" indent="0" defTabSz="180000">
+                  <a:buNone/>
+                </a:pPr>
+                <a:r>
+                  <a:rPr lang="de-DE" sz="500" dirty="0">
+                    <a:solidFill>
+                      <a:srgbClr val="0070C0"/>
+                    </a:solidFill>
+                  </a:rPr>
+                  <a:t>algorithm </a:t>
+                </a:r>
+                <a:r>
+                  <a:rPr lang="de-DE" sz="500" dirty="0" err="1">
+                    <a:solidFill>
+                      <a:srgbClr val="0070C0"/>
+                    </a:solidFill>
+                  </a:rPr>
+                  <a:t>elternSelektion</a:t>
+                </a:r>
+                <a:r>
+                  <a:rPr lang="de-DE" sz="500" dirty="0">
+                    <a:solidFill>
+                      <a:srgbClr val="0070C0"/>
+                    </a:solidFill>
+                  </a:rPr>
+                  <a:t>(</a:t>
+                </a:r>
+                <a:r>
+                  <a:rPr lang="de-DE" sz="500" dirty="0" err="1">
+                    <a:solidFill>
+                      <a:srgbClr val="0070C0"/>
+                    </a:solidFill>
+                  </a:rPr>
+                  <a:t>population</a:t>
+                </a:r>
+                <a:r>
+                  <a:rPr lang="de-DE" sz="500" dirty="0">
+                    <a:solidFill>
+                      <a:srgbClr val="0070C0"/>
+                    </a:solidFill>
+                  </a:rPr>
+                  <a:t>[1,...,</a:t>
+                </a:r>
+                <a14:m>
+                  <m:oMath xmlns:m="http://schemas.openxmlformats.org/officeDocument/2006/math">
+                    <m:r>
+                      <m:rPr>
+                        <m:sty m:val="p"/>
+                      </m:rPr>
+                      <a:rPr lang="de-DE" sz="500" b="0" i="0" dirty="0" smtClean="0">
+                        <a:solidFill>
+                          <a:srgbClr val="0070C0"/>
+                        </a:solidFill>
+                        <a:latin typeface="Cambria Math" panose="02040503050406030204" pitchFamily="18" charset="0"/>
+                      </a:rPr>
+                      <m:t>μ</m:t>
+                    </m:r>
+                  </m:oMath>
+                </a14:m>
+                <a:r>
+                  <a:rPr lang="de-DE" sz="500" dirty="0">
+                    <a:solidFill>
+                      <a:srgbClr val="0070C0"/>
+                    </a:solidFill>
+                  </a:rPr>
+                  <a:t>], </a:t>
+                </a:r>
+                <a14:m>
+                  <m:oMath xmlns:m="http://schemas.openxmlformats.org/officeDocument/2006/math">
+                    <m:r>
+                      <a:rPr lang="de-DE" sz="500" i="1">
+                        <a:latin typeface="Cambria Math" panose="02040503050406030204" pitchFamily="18" charset="0"/>
+                      </a:rPr>
+                      <m:t>𝜆</m:t>
+                    </m:r>
+                  </m:oMath>
+                </a14:m>
+                <a:r>
+                  <a:rPr lang="de-DE" sz="500" dirty="0">
+                    <a:solidFill>
+                      <a:srgbClr val="0070C0"/>
+                    </a:solidFill>
+                  </a:rPr>
+                  <a:t>)</a:t>
+                </a:r>
+              </a:p>
+              <a:p>
+                <a:pPr marL="0" indent="0" defTabSz="180000">
+                  <a:buNone/>
+                </a:pPr>
+                <a:r>
+                  <a:rPr lang="de-DE" sz="500" dirty="0"/>
+                  <a:t>	individuen &lt;- []</a:t>
+                </a:r>
+              </a:p>
+              <a:p>
+                <a:pPr marL="0" indent="0" defTabSz="180000">
+                  <a:buNone/>
+                </a:pPr>
+                <a:r>
+                  <a:rPr lang="de-DE" sz="500" dirty="0"/>
+                  <a:t>	</a:t>
+                </a:r>
+                <a:r>
+                  <a:rPr lang="de-DE" sz="500" dirty="0" err="1"/>
+                  <a:t>for</a:t>
+                </a:r>
+                <a:r>
+                  <a:rPr lang="de-DE" sz="500" dirty="0"/>
+                  <a:t> _ &lt;- 1…</a:t>
+                </a:r>
+                <a14:m>
+                  <m:oMath xmlns:m="http://schemas.openxmlformats.org/officeDocument/2006/math">
+                    <m:r>
+                      <a:rPr lang="de-DE" sz="500" b="0" i="1" smtClean="0">
+                        <a:latin typeface="Cambria Math" panose="02040503050406030204" pitchFamily="18" charset="0"/>
+                      </a:rPr>
+                      <m:t>𝜆</m:t>
+                    </m:r>
+                  </m:oMath>
+                </a14:m>
+                <a:endParaRPr lang="de-DE" sz="500" dirty="0"/>
+              </a:p>
+              <a:p>
+                <a:pPr marL="0" indent="0" defTabSz="180000">
+                  <a:buNone/>
+                </a:pPr>
+                <a:r>
+                  <a:rPr lang="de-DE" sz="500" dirty="0"/>
+                  <a:t>		</a:t>
+                </a:r>
+                <a:r>
+                  <a:rPr lang="de-DE" sz="500" dirty="0" err="1"/>
+                  <a:t>idx</a:t>
+                </a:r>
+                <a:r>
+                  <a:rPr lang="de-DE" sz="500" dirty="0"/>
+                  <a:t> &lt;- zufälliges </a:t>
+                </a:r>
+                <a14:m>
+                  <m:oMath xmlns:m="http://schemas.openxmlformats.org/officeDocument/2006/math">
+                    <m:r>
+                      <m:rPr>
+                        <m:sty m:val="p"/>
+                      </m:rPr>
+                      <a:rPr lang="de-DE" sz="500" b="0" i="0" dirty="0" smtClean="0">
+                        <a:latin typeface="Cambria Math" panose="02040503050406030204" pitchFamily="18" charset="0"/>
+                      </a:rPr>
+                      <m:t>x</m:t>
+                    </m:r>
+                    <m:r>
+                      <a:rPr lang="de-DE" sz="500" b="0" i="1" dirty="0" smtClean="0">
+                        <a:latin typeface="Cambria Math" panose="02040503050406030204" pitchFamily="18" charset="0"/>
+                      </a:rPr>
+                      <m:t>∈{</m:t>
+                    </m:r>
+                    <m:r>
+                      <a:rPr lang="de-DE" sz="500" b="0" i="0" dirty="0" smtClean="0">
+                        <a:latin typeface="Cambria Math" panose="02040503050406030204" pitchFamily="18" charset="0"/>
+                      </a:rPr>
+                      <m:t>1,…,</m:t>
+                    </m:r>
+                    <m:r>
+                      <m:rPr>
+                        <m:sty m:val="p"/>
+                      </m:rPr>
+                      <a:rPr lang="de-DE" sz="500" b="0" i="0" dirty="0" smtClean="0">
+                        <a:latin typeface="Cambria Math" panose="02040503050406030204" pitchFamily="18" charset="0"/>
+                      </a:rPr>
+                      <m:t>μ</m:t>
+                    </m:r>
+                    <m:r>
+                      <a:rPr lang="de-DE" sz="500" b="0" i="0" dirty="0" smtClean="0">
+                        <a:latin typeface="Cambria Math" panose="02040503050406030204" pitchFamily="18" charset="0"/>
+                      </a:rPr>
+                      <m:t>}</m:t>
+                    </m:r>
+                  </m:oMath>
+                </a14:m>
+                <a:endParaRPr lang="de-DE" sz="500" dirty="0"/>
+              </a:p>
+              <a:p>
+                <a:pPr marL="0" indent="0" defTabSz="180000">
+                  <a:buNone/>
+                </a:pPr>
+                <a:r>
+                  <a:rPr lang="de-DE" sz="500" dirty="0"/>
+                  <a:t>		individuum &lt;- </a:t>
+                </a:r>
+                <a:r>
+                  <a:rPr lang="de-DE" sz="500" dirty="0" err="1"/>
+                  <a:t>population</a:t>
+                </a:r>
+                <a:r>
+                  <a:rPr lang="de-DE" sz="500" dirty="0"/>
+                  <a:t>[</a:t>
+                </a:r>
+                <a:r>
+                  <a:rPr lang="de-DE" sz="500" dirty="0" err="1"/>
+                  <a:t>idx</a:t>
+                </a:r>
+                <a:r>
+                  <a:rPr lang="de-DE" sz="500" dirty="0"/>
+                  <a:t>]</a:t>
+                </a:r>
+              </a:p>
+              <a:p>
+                <a:pPr marL="0" indent="0" defTabSz="180000">
+                  <a:buNone/>
+                </a:pPr>
+                <a:r>
+                  <a:rPr lang="de-DE" sz="500" dirty="0"/>
+                  <a:t>	</a:t>
+                </a:r>
+                <a:r>
+                  <a:rPr lang="de-DE" sz="500" dirty="0" err="1"/>
+                  <a:t>return</a:t>
+                </a:r>
+                <a:r>
+                  <a:rPr lang="de-DE" sz="500" dirty="0"/>
+                  <a:t> individuen</a:t>
+                </a:r>
+              </a:p>
+              <a:p>
+                <a:pPr marL="0" indent="0" defTabSz="180000">
+                  <a:buNone/>
+                </a:pPr>
+                <a:r>
+                  <a:rPr lang="de-DE" sz="500" dirty="0"/>
+                  <a:t>	</a:t>
+                </a:r>
+              </a:p>
+              <a:p>
+                <a:pPr marL="0" indent="0" defTabSz="180000">
+                  <a:buNone/>
+                </a:pPr>
+                <a:endParaRPr lang="de-DE" sz="500" dirty="0"/>
+              </a:p>
+              <a:p>
+                <a:pPr marL="0" indent="0" defTabSz="180000">
+                  <a:buNone/>
+                </a:pPr>
+                <a:r>
+                  <a:rPr lang="de-DE" sz="500" dirty="0">
+                    <a:solidFill>
+                      <a:srgbClr val="0070C0"/>
+                    </a:solidFill>
+                  </a:rPr>
+                  <a:t>algorithm duplikation(individuen[1...</a:t>
+                </a:r>
+                <a14:m>
+                  <m:oMath xmlns:m="http://schemas.openxmlformats.org/officeDocument/2006/math">
+                    <m:r>
+                      <m:rPr>
+                        <m:sty m:val="p"/>
+                      </m:rPr>
+                      <a:rPr lang="de-DE" sz="500" b="0" i="0" dirty="0" smtClean="0">
+                        <a:solidFill>
+                          <a:srgbClr val="0070C0"/>
+                        </a:solidFill>
+                        <a:latin typeface="Cambria Math" panose="02040503050406030204" pitchFamily="18" charset="0"/>
+                      </a:rPr>
+                      <m:t>μ</m:t>
+                    </m:r>
+                  </m:oMath>
+                </a14:m>
+                <a:r>
+                  <a:rPr lang="de-DE" sz="500" dirty="0">
+                    <a:solidFill>
+                      <a:srgbClr val="0070C0"/>
+                    </a:solidFill>
+                  </a:rPr>
+                  <a:t>], n)</a:t>
+                </a:r>
+              </a:p>
+              <a:p>
+                <a:pPr marL="0" indent="0" defTabSz="180000">
+                  <a:buNone/>
+                </a:pPr>
+                <a:r>
+                  <a:rPr lang="de-DE" sz="500" dirty="0"/>
+                  <a:t>	klone &lt;- []</a:t>
+                </a:r>
+              </a:p>
+              <a:p>
+                <a:pPr marL="0" indent="0" defTabSz="180000">
+                  <a:buNone/>
+                </a:pPr>
+                <a:r>
+                  <a:rPr lang="de-DE" sz="500" dirty="0"/>
+                  <a:t>	</a:t>
+                </a:r>
+                <a:r>
+                  <a:rPr lang="de-DE" sz="500" dirty="0" err="1"/>
+                  <a:t>for</a:t>
+                </a:r>
+                <a:r>
+                  <a:rPr lang="de-DE" sz="500" dirty="0"/>
+                  <a:t> i &lt;- 1...</a:t>
+                </a:r>
+                <a14:m>
+                  <m:oMath xmlns:m="http://schemas.openxmlformats.org/officeDocument/2006/math">
+                    <m:r>
+                      <m:rPr>
+                        <m:sty m:val="p"/>
+                      </m:rPr>
+                      <a:rPr lang="de-DE" sz="500" b="0" i="0" dirty="0" smtClean="0">
+                        <a:latin typeface="Cambria Math" panose="02040503050406030204" pitchFamily="18" charset="0"/>
+                      </a:rPr>
+                      <m:t>μ</m:t>
+                    </m:r>
+                  </m:oMath>
+                </a14:m>
+                <a:endParaRPr lang="de-DE" sz="500" dirty="0"/>
+              </a:p>
+              <a:p>
+                <a:pPr marL="0" indent="0" defTabSz="180000">
+                  <a:buNone/>
+                </a:pPr>
+                <a:r>
+                  <a:rPr lang="de-DE" sz="500" dirty="0"/>
+                  <a:t>		</a:t>
+                </a:r>
+                <a:r>
+                  <a:rPr lang="de-DE" sz="500" dirty="0" err="1"/>
+                  <a:t>klon</a:t>
+                </a:r>
+                <a:r>
+                  <a:rPr lang="de-DE" sz="500" dirty="0"/>
+                  <a:t> &lt;- []</a:t>
+                </a:r>
+              </a:p>
+              <a:p>
+                <a:pPr marL="0" indent="0" defTabSz="180000">
+                  <a:buNone/>
+                </a:pPr>
+                <a:r>
+                  <a:rPr lang="de-DE" sz="500" dirty="0"/>
+                  <a:t>		</a:t>
+                </a:r>
+                <a:r>
+                  <a:rPr lang="de-DE" sz="500" dirty="0" err="1"/>
+                  <a:t>for</a:t>
+                </a:r>
+                <a:r>
+                  <a:rPr lang="de-DE" sz="500" dirty="0"/>
+                  <a:t> j &lt;- 1...n</a:t>
+                </a:r>
+              </a:p>
+              <a:p>
+                <a:pPr marL="0" indent="0" defTabSz="180000">
+                  <a:buNone/>
+                </a:pPr>
+                <a:r>
+                  <a:rPr lang="de-DE" sz="500" dirty="0"/>
+                  <a:t>			</a:t>
+                </a:r>
+                <a:r>
+                  <a:rPr lang="de-DE" sz="500" dirty="0" err="1"/>
+                  <a:t>klon</a:t>
+                </a:r>
+                <a:r>
+                  <a:rPr lang="de-DE" sz="500" dirty="0"/>
+                  <a:t> &lt;- </a:t>
+                </a:r>
+                <a:r>
+                  <a:rPr lang="de-DE" sz="500" dirty="0" err="1"/>
+                  <a:t>klon</a:t>
+                </a:r>
+                <a:r>
+                  <a:rPr lang="de-DE" sz="500" dirty="0"/>
+                  <a:t> + individuen[i][j]</a:t>
+                </a:r>
+              </a:p>
+              <a:p>
+                <a:pPr marL="0" indent="0" defTabSz="180000">
+                  <a:buNone/>
+                </a:pPr>
+                <a:r>
+                  <a:rPr lang="de-DE" sz="500" dirty="0"/>
+                  <a:t>		klone &lt;- klone + </a:t>
+                </a:r>
+                <a:r>
+                  <a:rPr lang="de-DE" sz="500" dirty="0" err="1"/>
+                  <a:t>klon</a:t>
+                </a:r>
+                <a:endParaRPr lang="de-DE" sz="500" dirty="0"/>
+              </a:p>
+              <a:p>
+                <a:pPr marL="0" indent="0" defTabSz="180000">
+                  <a:buNone/>
+                </a:pPr>
+                <a:r>
+                  <a:rPr lang="de-DE" sz="500" dirty="0"/>
+                  <a:t>	</a:t>
+                </a:r>
+                <a:r>
+                  <a:rPr lang="de-DE" sz="500" dirty="0" err="1"/>
+                  <a:t>return</a:t>
+                </a:r>
+                <a:r>
+                  <a:rPr lang="de-DE" sz="500" dirty="0"/>
+                  <a:t> </a:t>
+                </a:r>
+                <a:r>
+                  <a:rPr lang="de-DE" sz="500" dirty="0" err="1"/>
+                  <a:t>klon</a:t>
+                </a:r>
+                <a:endParaRPr lang="de-DE" sz="500" dirty="0"/>
+              </a:p>
+              <a:p>
+                <a:pPr marL="0" indent="0" defTabSz="180000">
+                  <a:buNone/>
+                </a:pPr>
+                <a:r>
+                  <a:rPr lang="de-DE" sz="500" dirty="0"/>
+                  <a:t>	</a:t>
+                </a:r>
+              </a:p>
+              <a:p>
+                <a:pPr marL="0" indent="0" defTabSz="180000">
+                  <a:buNone/>
+                </a:pPr>
+                <a:r>
+                  <a:rPr lang="de-DE" sz="500" dirty="0">
+                    <a:solidFill>
+                      <a:srgbClr val="0070C0"/>
+                    </a:solidFill>
+                  </a:rPr>
+                  <a:t>algorithm </a:t>
+                </a:r>
+                <a:r>
+                  <a:rPr lang="de-DE" sz="500" dirty="0" err="1">
+                    <a:solidFill>
+                      <a:srgbClr val="0070C0"/>
+                    </a:solidFill>
+                  </a:rPr>
+                  <a:t>bestenSelektion</a:t>
+                </a:r>
+                <a:r>
+                  <a:rPr lang="de-DE" sz="500" dirty="0">
+                    <a:solidFill>
+                      <a:srgbClr val="0070C0"/>
+                    </a:solidFill>
+                  </a:rPr>
+                  <a:t>(</a:t>
+                </a:r>
+                <a:r>
+                  <a:rPr lang="de-DE" sz="500" dirty="0" err="1">
+                    <a:solidFill>
+                      <a:srgbClr val="0070C0"/>
+                    </a:solidFill>
+                  </a:rPr>
+                  <a:t>population</a:t>
+                </a:r>
+                <a:r>
+                  <a:rPr lang="de-DE" sz="500" dirty="0">
+                    <a:solidFill>
+                      <a:srgbClr val="0070C0"/>
+                    </a:solidFill>
+                  </a:rPr>
+                  <a:t>[1,...,</a:t>
+                </a:r>
+                <a14:m>
+                  <m:oMath xmlns:m="http://schemas.openxmlformats.org/officeDocument/2006/math">
+                    <m:r>
+                      <m:rPr>
+                        <m:sty m:val="p"/>
+                      </m:rPr>
+                      <a:rPr lang="de-DE" sz="500" b="0" i="0" dirty="0" smtClean="0">
+                        <a:solidFill>
+                          <a:srgbClr val="0070C0"/>
+                        </a:solidFill>
+                        <a:latin typeface="Cambria Math" panose="02040503050406030204" pitchFamily="18" charset="0"/>
+                      </a:rPr>
+                      <m:t>μ</m:t>
+                    </m:r>
+                  </m:oMath>
+                </a14:m>
+                <a:r>
+                  <a:rPr lang="de-DE" sz="500" dirty="0">
+                    <a:solidFill>
+                      <a:srgbClr val="0070C0"/>
+                    </a:solidFill>
+                  </a:rPr>
+                  <a:t>])</a:t>
+                </a:r>
+              </a:p>
+              <a:p>
+                <a:pPr marL="0" indent="0" defTabSz="180000">
+                  <a:buNone/>
+                </a:pPr>
+                <a:r>
+                  <a:rPr lang="de-DE" sz="500" dirty="0"/>
+                  <a:t>	</a:t>
+                </a:r>
+                <a:r>
+                  <a:rPr lang="de-DE" sz="500" dirty="0" err="1"/>
+                  <a:t>beste_loesung</a:t>
+                </a:r>
+                <a:r>
+                  <a:rPr lang="de-DE" sz="500" dirty="0"/>
+                  <a:t> &lt;- []</a:t>
+                </a:r>
+              </a:p>
+              <a:p>
+                <a:pPr marL="0" indent="0" defTabSz="180000">
+                  <a:buNone/>
+                </a:pPr>
+                <a:r>
+                  <a:rPr lang="de-DE" sz="500" dirty="0"/>
+                  <a:t>	</a:t>
+                </a:r>
+                <a:r>
+                  <a:rPr lang="de-DE" sz="500" dirty="0" err="1"/>
+                  <a:t>for</a:t>
+                </a:r>
+                <a:r>
+                  <a:rPr lang="de-DE" sz="500" dirty="0"/>
+                  <a:t> i &lt;- 1...</a:t>
+                </a:r>
+                <a14:m>
+                  <m:oMath xmlns:m="http://schemas.openxmlformats.org/officeDocument/2006/math">
+                    <m:r>
+                      <m:rPr>
+                        <m:sty m:val="p"/>
+                      </m:rPr>
+                      <a:rPr lang="de-DE" sz="500" b="0" i="0" dirty="0" smtClean="0">
+                        <a:latin typeface="Cambria Math" panose="02040503050406030204" pitchFamily="18" charset="0"/>
+                      </a:rPr>
+                      <m:t>μ</m:t>
+                    </m:r>
+                  </m:oMath>
+                </a14:m>
+                <a:endParaRPr lang="de-DE" sz="500" dirty="0"/>
+              </a:p>
+              <a:p>
+                <a:pPr marL="0" indent="0" defTabSz="180000">
+                  <a:buNone/>
+                </a:pPr>
+                <a:r>
+                  <a:rPr lang="de-DE" sz="500" dirty="0"/>
+                  <a:t>		individuum &lt;- </a:t>
+                </a:r>
+                <a:r>
+                  <a:rPr lang="de-DE" sz="500" dirty="0" err="1"/>
+                  <a:t>population</a:t>
+                </a:r>
+                <a:r>
+                  <a:rPr lang="de-DE" sz="500" dirty="0"/>
+                  <a:t>[i]</a:t>
+                </a:r>
+              </a:p>
+              <a:p>
+                <a:pPr marL="0" indent="0" defTabSz="180000">
+                  <a:buNone/>
+                </a:pPr>
+                <a:r>
+                  <a:rPr lang="de-DE" sz="500" dirty="0"/>
+                  <a:t>		</a:t>
+                </a:r>
+                <a:r>
+                  <a:rPr lang="de-DE" sz="500" dirty="0" err="1"/>
+                  <a:t>if</a:t>
+                </a:r>
+                <a:r>
+                  <a:rPr lang="de-DE" sz="500" dirty="0"/>
+                  <a:t> </a:t>
+                </a:r>
+                <a:r>
+                  <a:rPr lang="de-DE" sz="500" dirty="0" err="1"/>
+                  <a:t>fitness</a:t>
+                </a:r>
+                <a:r>
+                  <a:rPr lang="de-DE" sz="500" dirty="0"/>
+                  <a:t>(individuum) &gt; </a:t>
+                </a:r>
+                <a:r>
+                  <a:rPr lang="de-DE" sz="500" dirty="0" err="1"/>
+                  <a:t>fitness</a:t>
+                </a:r>
+                <a:r>
+                  <a:rPr lang="de-DE" sz="500" dirty="0"/>
+                  <a:t>(</a:t>
+                </a:r>
+                <a:r>
+                  <a:rPr lang="de-DE" sz="500" dirty="0" err="1"/>
+                  <a:t>beste_loesung</a:t>
+                </a:r>
+                <a:r>
+                  <a:rPr lang="de-DE" sz="500" dirty="0"/>
+                  <a:t>)</a:t>
+                </a:r>
+              </a:p>
+              <a:p>
+                <a:pPr marL="0" indent="0" defTabSz="180000">
+                  <a:buNone/>
+                </a:pPr>
+                <a:r>
+                  <a:rPr lang="de-DE" sz="500" dirty="0"/>
+                  <a:t>			</a:t>
+                </a:r>
+                <a:r>
+                  <a:rPr lang="de-DE" sz="500" dirty="0" err="1"/>
+                  <a:t>beste_loesung</a:t>
+                </a:r>
+                <a:r>
+                  <a:rPr lang="de-DE" sz="500" dirty="0"/>
+                  <a:t> &lt;- individuum</a:t>
+                </a:r>
+              </a:p>
+              <a:p>
+                <a:pPr marL="0" indent="0" defTabSz="180000">
+                  <a:buNone/>
+                </a:pPr>
+                <a:r>
+                  <a:rPr lang="de-DE" sz="500" dirty="0"/>
+                  <a:t>	</a:t>
+                </a:r>
+                <a:r>
+                  <a:rPr lang="de-DE" sz="500" dirty="0" err="1"/>
+                  <a:t>return</a:t>
+                </a:r>
+                <a:r>
+                  <a:rPr lang="de-DE" sz="500" dirty="0"/>
+                  <a:t> </a:t>
+                </a:r>
+                <a:r>
+                  <a:rPr lang="de-DE" sz="500" dirty="0" err="1"/>
+                  <a:t>beste_loesung</a:t>
+                </a:r>
+                <a:r>
+                  <a:rPr lang="de-DE" sz="500" dirty="0"/>
+                  <a:t>	</a:t>
+                </a:r>
+              </a:p>
+              <a:p>
+                <a:pPr marL="0" indent="0" defTabSz="180000">
+                  <a:buNone/>
+                </a:pPr>
+                <a:endParaRPr lang="de-DE" sz="500" dirty="0"/>
+              </a:p>
+              <a:p>
+                <a:pPr marL="0" indent="0" defTabSz="180000">
+                  <a:buNone/>
+                </a:pPr>
+                <a:r>
+                  <a:rPr lang="de-DE" sz="500" dirty="0">
+                    <a:solidFill>
+                      <a:srgbClr val="00B050"/>
+                    </a:solidFill>
+                  </a:rPr>
+                  <a:t>algorithm (</a:t>
+                </a:r>
+                <a14:m>
+                  <m:oMath xmlns:m="http://schemas.openxmlformats.org/officeDocument/2006/math">
+                    <m:r>
+                      <a:rPr lang="de-DE" sz="500" b="0" i="1" smtClean="0">
+                        <a:solidFill>
+                          <a:srgbClr val="00B050"/>
+                        </a:solidFill>
+                        <a:latin typeface="Cambria Math" panose="02040503050406030204" pitchFamily="18" charset="0"/>
+                      </a:rPr>
+                      <m:t>𝜇</m:t>
+                    </m:r>
+                  </m:oMath>
+                </a14:m>
+                <a:r>
+                  <a:rPr lang="de-DE" sz="500" dirty="0">
+                    <a:solidFill>
+                      <a:srgbClr val="00B050"/>
+                    </a:solidFill>
+                  </a:rPr>
+                  <a:t>+</a:t>
+                </a:r>
+                <a14:m>
+                  <m:oMath xmlns:m="http://schemas.openxmlformats.org/officeDocument/2006/math">
+                    <m:r>
+                      <a:rPr lang="de-DE" sz="500" i="1">
+                        <a:solidFill>
+                          <a:srgbClr val="00B050"/>
+                        </a:solidFill>
+                        <a:latin typeface="Cambria Math" panose="02040503050406030204" pitchFamily="18" charset="0"/>
+                      </a:rPr>
+                      <m:t>𝜆</m:t>
+                    </m:r>
+                  </m:oMath>
+                </a14:m>
+                <a:r>
+                  <a:rPr lang="de-DE" sz="500" dirty="0">
+                    <a:solidFill>
+                      <a:srgbClr val="00B050"/>
+                    </a:solidFill>
+                  </a:rPr>
+                  <a:t>)-ES()</a:t>
+                </a:r>
+              </a:p>
+              <a:p>
+                <a:pPr marL="0" indent="0" defTabSz="180000">
+                  <a:buNone/>
+                </a:pPr>
+                <a:r>
+                  <a:rPr lang="de-DE" sz="500" dirty="0"/>
+                  <a:t>	</a:t>
+                </a:r>
+                <a:r>
+                  <a:rPr lang="de-DE" sz="500" dirty="0" err="1"/>
+                  <a:t>iterationsLimit</a:t>
+                </a:r>
+                <a:r>
+                  <a:rPr lang="de-DE" sz="500" dirty="0"/>
+                  <a:t> &lt;- </a:t>
+                </a:r>
+                <a14:m>
+                  <m:oMath xmlns:m="http://schemas.openxmlformats.org/officeDocument/2006/math">
+                    <m:r>
+                      <a:rPr lang="de-DE" sz="500" b="0" i="1" smtClean="0">
+                        <a:latin typeface="Cambria Math" panose="02040503050406030204" pitchFamily="18" charset="0"/>
+                      </a:rPr>
+                      <m:t>𝑥</m:t>
+                    </m:r>
+                    <m:r>
+                      <a:rPr lang="de-DE" sz="500" b="0" i="1" smtClean="0">
+                        <a:latin typeface="Cambria Math" panose="02040503050406030204" pitchFamily="18" charset="0"/>
+                      </a:rPr>
+                      <m:t>∈</m:t>
+                    </m:r>
+                    <m:r>
+                      <a:rPr lang="de-DE" sz="500" dirty="0" smtClean="0">
+                        <a:latin typeface="Cambria Math" panose="02040503050406030204" pitchFamily="18" charset="0"/>
+                      </a:rPr>
+                      <m:t>ℕ</m:t>
+                    </m:r>
+                  </m:oMath>
+                </a14:m>
+                <a:endParaRPr lang="de-DE" sz="500" dirty="0"/>
+              </a:p>
+              <a:p>
+                <a:pPr marL="0" indent="0" defTabSz="180000">
+                  <a:buNone/>
+                </a:pPr>
+                <a:r>
+                  <a:rPr lang="de-DE" sz="500" dirty="0"/>
+                  <a:t>	</a:t>
+                </a:r>
+                <a:r>
+                  <a:rPr lang="de-DE" sz="500" dirty="0" err="1"/>
+                  <a:t>generationszaehler</a:t>
+                </a:r>
+                <a:r>
+                  <a:rPr lang="de-DE" sz="500" dirty="0"/>
+                  <a:t> &lt;- 0</a:t>
+                </a:r>
+              </a:p>
+              <a:p>
+                <a:pPr marL="0" indent="0" defTabSz="180000">
+                  <a:buNone/>
+                </a:pPr>
+                <a:r>
+                  <a:rPr lang="de-DE" sz="500" dirty="0"/>
+                  <a:t>	</a:t>
+                </a:r>
+                <a:r>
+                  <a:rPr lang="de-DE" sz="500" dirty="0" err="1"/>
+                  <a:t>anzahl_eltern</a:t>
+                </a:r>
+                <a:r>
+                  <a:rPr lang="de-DE" sz="500" dirty="0"/>
+                  <a:t> &lt;- </a:t>
+                </a:r>
+                <a14:m>
+                  <m:oMath xmlns:m="http://schemas.openxmlformats.org/officeDocument/2006/math">
+                    <m:r>
+                      <a:rPr lang="de-DE" sz="500" b="0" i="1" smtClean="0">
+                        <a:latin typeface="Cambria Math" panose="02040503050406030204" pitchFamily="18" charset="0"/>
+                      </a:rPr>
+                      <m:t>𝜇</m:t>
+                    </m:r>
+                    <m:r>
+                      <a:rPr lang="de-DE" sz="500" b="0" i="1" smtClean="0">
+                        <a:latin typeface="Cambria Math" panose="02040503050406030204" pitchFamily="18" charset="0"/>
+                      </a:rPr>
+                      <m:t>≥1</m:t>
+                    </m:r>
+                  </m:oMath>
+                </a14:m>
+                <a:endParaRPr lang="de-DE" sz="500" dirty="0"/>
+              </a:p>
+              <a:p>
+                <a:pPr marL="0" indent="0" defTabSz="180000">
+                  <a:buNone/>
+                </a:pPr>
+                <a:r>
+                  <a:rPr lang="de-DE" sz="500" dirty="0"/>
+                  <a:t>	</a:t>
+                </a:r>
+                <a:r>
+                  <a:rPr lang="de-DE" sz="500" dirty="0" err="1"/>
+                  <a:t>anzahl_kinder</a:t>
+                </a:r>
+                <a:r>
+                  <a:rPr lang="de-DE" sz="500" dirty="0"/>
+                  <a:t> &lt;- </a:t>
+                </a:r>
+                <a14:m>
+                  <m:oMath xmlns:m="http://schemas.openxmlformats.org/officeDocument/2006/math">
+                    <m:r>
+                      <a:rPr lang="de-DE" sz="500" b="0" i="1" smtClean="0">
+                        <a:latin typeface="Cambria Math" panose="02040503050406030204" pitchFamily="18" charset="0"/>
+                      </a:rPr>
+                      <m:t>𝜆</m:t>
+                    </m:r>
+                    <m:r>
+                      <a:rPr lang="de-DE" sz="500" b="0" i="1" smtClean="0">
+                        <a:latin typeface="Cambria Math" panose="02040503050406030204" pitchFamily="18" charset="0"/>
+                      </a:rPr>
+                      <m:t>≥</m:t>
+                    </m:r>
+                  </m:oMath>
+                </a14:m>
+                <a:r>
+                  <a:rPr lang="de-DE" sz="500" dirty="0"/>
+                  <a:t> </a:t>
+                </a:r>
+                <a:r>
+                  <a:rPr lang="de-DE" sz="500" dirty="0" err="1"/>
+                  <a:t>anzahl_eltern</a:t>
+                </a:r>
+                <a:endParaRPr lang="de-DE" sz="500" dirty="0"/>
+              </a:p>
+              <a:p>
+                <a:pPr marL="0" indent="0" defTabSz="180000">
+                  <a:buNone/>
+                </a:pPr>
+                <a:r>
+                  <a:rPr lang="de-DE" sz="500" dirty="0"/>
+                  <a:t>	</a:t>
+                </a:r>
+                <a:r>
+                  <a:rPr lang="de-DE" sz="500" dirty="0" err="1"/>
+                  <a:t>wunschqualitaet</a:t>
+                </a:r>
+                <a:r>
+                  <a:rPr lang="de-DE" sz="500" dirty="0"/>
+                  <a:t> &lt;- </a:t>
+                </a:r>
+                <a14:m>
+                  <m:oMath xmlns:m="http://schemas.openxmlformats.org/officeDocument/2006/math">
+                    <m:r>
+                      <a:rPr lang="de-DE" sz="500" b="0" i="1" smtClean="0">
+                        <a:latin typeface="Cambria Math" panose="02040503050406030204" pitchFamily="18" charset="0"/>
+                      </a:rPr>
+                      <m:t>𝑦</m:t>
+                    </m:r>
+                    <m:r>
+                      <a:rPr lang="de-DE" sz="500" b="0" i="1" smtClean="0">
+                        <a:latin typeface="Cambria Math" panose="02040503050406030204" pitchFamily="18" charset="0"/>
+                      </a:rPr>
+                      <m:t>∈</m:t>
+                    </m:r>
+                    <m:r>
+                      <a:rPr lang="de-DE" sz="500" dirty="0" smtClean="0">
+                        <a:latin typeface="Cambria Math" panose="02040503050406030204" pitchFamily="18" charset="0"/>
+                      </a:rPr>
+                      <m:t>ℝ</m:t>
+                    </m:r>
+                  </m:oMath>
+                </a14:m>
+                <a:endParaRPr lang="de-DE" sz="500" dirty="0"/>
+              </a:p>
+              <a:p>
+                <a:pPr marL="0" indent="0" defTabSz="180000">
+                  <a:buNone/>
+                </a:pPr>
+                <a:r>
+                  <a:rPr lang="de-DE" sz="500" dirty="0"/>
+                  <a:t>	</a:t>
+                </a:r>
+                <a:r>
+                  <a:rPr lang="de-DE" sz="500" dirty="0" err="1"/>
+                  <a:t>individuengroesse</a:t>
+                </a:r>
+                <a:r>
+                  <a:rPr lang="de-DE" sz="500" dirty="0"/>
+                  <a:t> &lt;-</a:t>
+                </a:r>
+                <a14:m>
+                  <m:oMath xmlns:m="http://schemas.openxmlformats.org/officeDocument/2006/math">
+                    <m:r>
+                      <a:rPr lang="de-DE" sz="500" b="0" i="0" smtClean="0">
+                        <a:latin typeface="Cambria Math" panose="02040503050406030204" pitchFamily="18" charset="0"/>
+                      </a:rPr>
+                      <m:t> </m:t>
+                    </m:r>
+                    <m:r>
+                      <a:rPr lang="de-DE" sz="500" b="0" i="1" smtClean="0">
+                        <a:latin typeface="Cambria Math" panose="02040503050406030204" pitchFamily="18" charset="0"/>
+                      </a:rPr>
+                      <m:t>𝑛</m:t>
+                    </m:r>
+                    <m:r>
+                      <a:rPr lang="de-DE" sz="500" i="1">
+                        <a:latin typeface="Cambria Math" panose="02040503050406030204" pitchFamily="18" charset="0"/>
+                      </a:rPr>
+                      <m:t>∈</m:t>
+                    </m:r>
+                    <m:r>
+                      <a:rPr lang="de-DE" sz="500" dirty="0">
+                        <a:latin typeface="Cambria Math" panose="02040503050406030204" pitchFamily="18" charset="0"/>
+                      </a:rPr>
+                      <m:t>ℕ</m:t>
+                    </m:r>
+                  </m:oMath>
+                </a14:m>
+                <a:endParaRPr lang="de-DE" sz="500" dirty="0"/>
+              </a:p>
+              <a:p>
+                <a:pPr marL="0" indent="0" defTabSz="180000">
+                  <a:buNone/>
+                </a:pPr>
+                <a:r>
+                  <a:rPr lang="de-DE" sz="500" dirty="0"/>
+                  <a:t>	</a:t>
+                </a:r>
+                <a:r>
+                  <a:rPr lang="de-DE" sz="500" dirty="0" err="1"/>
+                  <a:t>population</a:t>
+                </a:r>
+                <a:r>
+                  <a:rPr lang="de-DE" sz="500" dirty="0"/>
+                  <a:t> &lt;- </a:t>
+                </a:r>
+                <a:r>
+                  <a:rPr lang="de-DE" sz="500" dirty="0" err="1"/>
+                  <a:t>baue_population</a:t>
+                </a:r>
+                <a:r>
+                  <a:rPr lang="de-DE" sz="500" dirty="0"/>
+                  <a:t>(</a:t>
+                </a:r>
+                <a14:m>
+                  <m:oMath xmlns:m="http://schemas.openxmlformats.org/officeDocument/2006/math">
+                    <m:r>
+                      <a:rPr lang="de-DE" sz="500" b="0" i="1" smtClean="0">
+                        <a:latin typeface="Cambria Math" panose="02040503050406030204" pitchFamily="18" charset="0"/>
+                      </a:rPr>
+                      <m:t>𝜇</m:t>
+                    </m:r>
+                  </m:oMath>
+                </a14:m>
+                <a:r>
+                  <a:rPr lang="de-DE" sz="500" dirty="0"/>
+                  <a:t>, </a:t>
+                </a:r>
+                <a:r>
+                  <a:rPr lang="de-DE" sz="500" dirty="0" err="1"/>
+                  <a:t>individuengroesse</a:t>
+                </a:r>
+                <a:r>
+                  <a:rPr lang="de-DE" sz="500" dirty="0"/>
+                  <a:t>)</a:t>
+                </a:r>
+                <a:br>
+                  <a:rPr lang="de-DE" sz="500" dirty="0"/>
+                </a:br>
+                <a:r>
+                  <a:rPr lang="de-DE" sz="500" dirty="0"/>
+                  <a:t>	</a:t>
+                </a:r>
+                <a:r>
+                  <a:rPr lang="de-DE" sz="500" dirty="0" err="1"/>
+                  <a:t>while</a:t>
+                </a:r>
+                <a:r>
+                  <a:rPr lang="de-DE" sz="500" dirty="0"/>
+                  <a:t> </a:t>
+                </a:r>
+                <a:r>
+                  <a:rPr lang="de-DE" sz="500" dirty="0" err="1"/>
+                  <a:t>qualitaet</a:t>
+                </a:r>
+                <a:r>
+                  <a:rPr lang="de-DE" sz="500" dirty="0"/>
+                  <a:t>(individuum) &lt; </a:t>
+                </a:r>
+                <a:r>
+                  <a:rPr lang="de-DE" sz="500" dirty="0" err="1"/>
+                  <a:t>wunschqualitaet</a:t>
+                </a:r>
+                <a:r>
+                  <a:rPr lang="de-DE" sz="500" dirty="0"/>
+                  <a:t> and </a:t>
+                </a:r>
+                <a:r>
+                  <a:rPr lang="de-DE" sz="500" dirty="0" err="1"/>
+                  <a:t>generationszaehler</a:t>
+                </a:r>
+                <a:r>
+                  <a:rPr lang="de-DE" sz="500" dirty="0"/>
+                  <a:t> &lt; </a:t>
+                </a:r>
+                <a:r>
+                  <a:rPr lang="de-DE" sz="500" dirty="0" err="1"/>
+                  <a:t>iterationslimit</a:t>
+                </a:r>
+                <a:endParaRPr lang="de-DE" sz="500" dirty="0"/>
+              </a:p>
+              <a:p>
+                <a:pPr marL="0" indent="0" defTabSz="180000">
+                  <a:buNone/>
+                </a:pPr>
+                <a:r>
+                  <a:rPr lang="de-DE" sz="500" dirty="0"/>
+                  <a:t>		</a:t>
+                </a:r>
+                <a:r>
+                  <a:rPr lang="de-DE" sz="500" dirty="0" err="1"/>
+                  <a:t>generationszaehler</a:t>
+                </a:r>
+                <a:r>
+                  <a:rPr lang="de-DE" sz="500" dirty="0"/>
+                  <a:t> &lt;- </a:t>
+                </a:r>
+                <a:r>
+                  <a:rPr lang="de-DE" sz="500" dirty="0" err="1"/>
+                  <a:t>generationszaehler</a:t>
+                </a:r>
+                <a:r>
+                  <a:rPr lang="de-DE" sz="500" dirty="0"/>
+                  <a:t> + 1</a:t>
+                </a:r>
+              </a:p>
+              <a:p>
+                <a:pPr marL="0" indent="0" defTabSz="180000">
+                  <a:buNone/>
+                </a:pPr>
+                <a:r>
+                  <a:rPr lang="de-DE" sz="500" dirty="0"/>
+                  <a:t>		</a:t>
+                </a:r>
+                <a:r>
+                  <a:rPr lang="de-DE" sz="500" dirty="0" err="1">
+                    <a:solidFill>
+                      <a:srgbClr val="0070C0"/>
+                    </a:solidFill>
+                  </a:rPr>
+                  <a:t>eltern</a:t>
+                </a:r>
+                <a:r>
+                  <a:rPr lang="de-DE" sz="500" dirty="0">
+                    <a:solidFill>
+                      <a:srgbClr val="0070C0"/>
+                    </a:solidFill>
+                  </a:rPr>
+                  <a:t> &lt;- </a:t>
+                </a:r>
+                <a:r>
+                  <a:rPr lang="de-DE" sz="500" dirty="0" err="1">
+                    <a:solidFill>
+                      <a:srgbClr val="0070C0"/>
+                    </a:solidFill>
+                  </a:rPr>
+                  <a:t>elternSelektion</a:t>
+                </a:r>
+                <a:r>
+                  <a:rPr lang="de-DE" sz="500" dirty="0">
+                    <a:solidFill>
+                      <a:srgbClr val="0070C0"/>
+                    </a:solidFill>
+                  </a:rPr>
+                  <a:t>(</a:t>
+                </a:r>
+                <a:r>
+                  <a:rPr lang="de-DE" sz="500" dirty="0" err="1">
+                    <a:solidFill>
+                      <a:srgbClr val="0070C0"/>
+                    </a:solidFill>
+                  </a:rPr>
+                  <a:t>population</a:t>
+                </a:r>
+                <a:r>
+                  <a:rPr lang="de-DE" sz="500" dirty="0">
+                    <a:solidFill>
+                      <a:srgbClr val="0070C0"/>
+                    </a:solidFill>
+                  </a:rPr>
+                  <a:t>, </a:t>
+                </a:r>
+                <a:r>
+                  <a:rPr lang="de-DE" sz="500" dirty="0" err="1">
+                    <a:solidFill>
+                      <a:srgbClr val="0070C0"/>
+                    </a:solidFill>
+                  </a:rPr>
+                  <a:t>anzahl_kinder</a:t>
+                </a:r>
+                <a:r>
+                  <a:rPr lang="de-DE" sz="500" dirty="0">
+                    <a:solidFill>
+                      <a:srgbClr val="0070C0"/>
+                    </a:solidFill>
+                  </a:rPr>
+                  <a:t>)</a:t>
+                </a:r>
+              </a:p>
+              <a:p>
+                <a:pPr marL="0" indent="0" defTabSz="180000">
+                  <a:buNone/>
+                </a:pPr>
+                <a:r>
+                  <a:rPr lang="de-DE" sz="500" dirty="0">
+                    <a:solidFill>
+                      <a:srgbClr val="0070C0"/>
+                    </a:solidFill>
+                  </a:rPr>
+                  <a:t>		</a:t>
+                </a:r>
+                <a:r>
+                  <a:rPr lang="de-DE" sz="500" dirty="0" err="1">
+                    <a:solidFill>
+                      <a:srgbClr val="0070C0"/>
+                    </a:solidFill>
+                  </a:rPr>
+                  <a:t>kinder</a:t>
+                </a:r>
+                <a:r>
+                  <a:rPr lang="de-DE" sz="500" dirty="0">
+                    <a:solidFill>
+                      <a:srgbClr val="0070C0"/>
+                    </a:solidFill>
+                  </a:rPr>
+                  <a:t> &lt;- duplikation(</a:t>
+                </a:r>
+                <a:r>
+                  <a:rPr lang="de-DE" sz="500" dirty="0" err="1">
+                    <a:solidFill>
+                      <a:srgbClr val="0070C0"/>
+                    </a:solidFill>
+                  </a:rPr>
+                  <a:t>eltern</a:t>
+                </a:r>
+                <a:r>
+                  <a:rPr lang="de-DE" sz="500" dirty="0">
+                    <a:solidFill>
+                      <a:srgbClr val="0070C0"/>
+                    </a:solidFill>
+                  </a:rPr>
+                  <a:t>, </a:t>
+                </a:r>
+                <a:r>
+                  <a:rPr lang="de-DE" sz="500" dirty="0" err="1">
+                    <a:solidFill>
+                      <a:srgbClr val="0070C0"/>
+                    </a:solidFill>
+                  </a:rPr>
+                  <a:t>individuengroesse</a:t>
+                </a:r>
+                <a:r>
+                  <a:rPr lang="de-DE" sz="500" dirty="0">
+                    <a:solidFill>
+                      <a:srgbClr val="0070C0"/>
+                    </a:solidFill>
+                  </a:rPr>
+                  <a:t>)</a:t>
+                </a:r>
+              </a:p>
+              <a:p>
+                <a:pPr marL="0" indent="0" defTabSz="180000">
+                  <a:buNone/>
+                </a:pPr>
+                <a:r>
+                  <a:rPr lang="de-DE" sz="500" dirty="0"/>
+                  <a:t>		</a:t>
+                </a:r>
+                <a:r>
+                  <a:rPr lang="de-DE" sz="500" dirty="0" err="1"/>
+                  <a:t>kinder</a:t>
+                </a:r>
+                <a:r>
+                  <a:rPr lang="de-DE" sz="500" dirty="0"/>
+                  <a:t> &lt;- </a:t>
+                </a:r>
+                <a:r>
+                  <a:rPr lang="de-DE" sz="500" dirty="0" err="1"/>
+                  <a:t>mutation</a:t>
+                </a:r>
+                <a:r>
+                  <a:rPr lang="de-DE" sz="500" dirty="0"/>
+                  <a:t>(</a:t>
+                </a:r>
+                <a:r>
+                  <a:rPr lang="de-DE" sz="500" dirty="0" err="1"/>
+                  <a:t>kinder</a:t>
+                </a:r>
+                <a:r>
+                  <a:rPr lang="de-DE" sz="500" dirty="0"/>
+                  <a:t>)</a:t>
+                </a:r>
+              </a:p>
+              <a:p>
+                <a:pPr marL="0" indent="0" defTabSz="180000">
+                  <a:buNone/>
+                </a:pPr>
+                <a:r>
+                  <a:rPr lang="de-DE" sz="500" dirty="0"/>
+                  <a:t>		</a:t>
+                </a:r>
+                <a:r>
+                  <a:rPr lang="de-DE" sz="500" dirty="0">
+                    <a:solidFill>
+                      <a:srgbClr val="0070C0"/>
+                    </a:solidFill>
+                  </a:rPr>
+                  <a:t>population &lt;- </a:t>
+                </a:r>
+                <a:r>
+                  <a:rPr lang="de-DE" sz="500" dirty="0" err="1">
+                    <a:solidFill>
+                      <a:srgbClr val="0070C0"/>
+                    </a:solidFill>
+                  </a:rPr>
+                  <a:t>selektion</a:t>
+                </a:r>
+                <a:r>
+                  <a:rPr lang="de-DE" sz="500" dirty="0">
+                    <a:solidFill>
+                      <a:srgbClr val="0070C0"/>
+                    </a:solidFill>
+                  </a:rPr>
+                  <a:t>(</a:t>
+                </a:r>
+                <a:r>
+                  <a:rPr lang="de-DE" sz="500" dirty="0" err="1">
+                    <a:solidFill>
+                      <a:srgbClr val="0070C0"/>
+                    </a:solidFill>
+                  </a:rPr>
+                  <a:t>eltern</a:t>
+                </a:r>
+                <a:r>
+                  <a:rPr lang="de-DE" sz="500" dirty="0">
+                    <a:solidFill>
+                      <a:srgbClr val="0070C0"/>
+                    </a:solidFill>
+                  </a:rPr>
+                  <a:t> + </a:t>
+                </a:r>
+                <a:r>
+                  <a:rPr lang="de-DE" sz="500" dirty="0" err="1">
+                    <a:solidFill>
+                      <a:srgbClr val="0070C0"/>
+                    </a:solidFill>
+                  </a:rPr>
+                  <a:t>kinder</a:t>
+                </a:r>
+                <a:r>
+                  <a:rPr lang="de-DE" sz="500" dirty="0">
+                    <a:solidFill>
+                      <a:srgbClr val="0070C0"/>
+                    </a:solidFill>
+                  </a:rPr>
+                  <a:t>, </a:t>
+                </a:r>
+                <a14:m>
+                  <m:oMath xmlns:m="http://schemas.openxmlformats.org/officeDocument/2006/math">
+                    <m:r>
+                      <a:rPr lang="de-DE" sz="500" b="0" i="1" smtClean="0">
+                        <a:solidFill>
+                          <a:srgbClr val="0070C0"/>
+                        </a:solidFill>
+                        <a:latin typeface="Cambria Math" panose="02040503050406030204" pitchFamily="18" charset="0"/>
+                      </a:rPr>
+                      <m:t>𝜇</m:t>
+                    </m:r>
+                  </m:oMath>
+                </a14:m>
+                <a:r>
+                  <a:rPr lang="de-DE" sz="500" dirty="0">
+                    <a:solidFill>
+                      <a:srgbClr val="0070C0"/>
+                    </a:solidFill>
+                  </a:rPr>
+                  <a:t>, </a:t>
+                </a:r>
+                <a:r>
+                  <a:rPr lang="de-DE" sz="500" dirty="0" err="1">
+                    <a:solidFill>
+                      <a:srgbClr val="0070C0"/>
+                    </a:solidFill>
+                  </a:rPr>
+                  <a:t>qualitaet</a:t>
+                </a:r>
+                <a:r>
+                  <a:rPr lang="de-DE" sz="500" dirty="0">
+                    <a:solidFill>
+                      <a:srgbClr val="0070C0"/>
+                    </a:solidFill>
+                  </a:rPr>
+                  <a:t>)</a:t>
+                </a:r>
+              </a:p>
+              <a:p>
+                <a:pPr marL="0" indent="0" defTabSz="180000">
+                  <a:buNone/>
+                </a:pPr>
+                <a:r>
+                  <a:rPr lang="de-DE" sz="500" dirty="0"/>
+                  <a:t>	</a:t>
+                </a:r>
+                <a:r>
+                  <a:rPr lang="de-DE" sz="500" dirty="0" err="1"/>
+                  <a:t>loesung</a:t>
+                </a:r>
+                <a:r>
+                  <a:rPr lang="de-DE" sz="500" dirty="0"/>
+                  <a:t> &lt;- </a:t>
+                </a:r>
+                <a:r>
+                  <a:rPr lang="de-DE" sz="500" dirty="0" err="1"/>
+                  <a:t>bestenSelektion</a:t>
+                </a:r>
+                <a:r>
+                  <a:rPr lang="de-DE" sz="500" dirty="0"/>
+                  <a:t>(</a:t>
+                </a:r>
+                <a:r>
+                  <a:rPr lang="de-DE" sz="500" dirty="0" err="1"/>
+                  <a:t>population</a:t>
+                </a:r>
+                <a:r>
+                  <a:rPr lang="de-DE" sz="500" dirty="0"/>
+                  <a:t>)</a:t>
+                </a:r>
+              </a:p>
+              <a:p>
+                <a:pPr marL="0" indent="0" defTabSz="180000">
+                  <a:buNone/>
+                </a:pPr>
+                <a:endParaRPr lang="de-DE" sz="500" dirty="0"/>
+              </a:p>
+            </p:txBody>
+          </p:sp>
+        </mc:Choice>
+        <mc:Fallback>
+          <p:sp>
+            <p:nvSpPr>
+              <p:cNvPr id="4" name="Textplatzhalter 3">
+                <a:extLst>
+                  <a:ext uri="{FF2B5EF4-FFF2-40B4-BE49-F238E27FC236}">
+                    <a16:creationId xmlns:a16="http://schemas.microsoft.com/office/drawing/2014/main" id="{027ACB38-45C8-49B7-B159-284BE2923EA6}"/>
+                  </a:ext>
+                </a:extLst>
+              </p:cNvPr>
+              <p:cNvSpPr>
+                <a:spLocks noGrp="1" noRot="1" noChangeAspect="1" noMove="1" noResize="1" noEditPoints="1" noAdjustHandles="1" noChangeArrowheads="1" noChangeShapeType="1" noTextEdit="1"/>
+              </p:cNvSpPr>
+              <p:nvPr>
+                <p:ph type="body" sz="quarter" idx="11"/>
+              </p:nvPr>
+            </p:nvSpPr>
+            <p:spPr>
+              <a:xfrm>
+                <a:off x="8313427" y="1991593"/>
+                <a:ext cx="3345179" cy="4305300"/>
+              </a:xfrm>
+              <a:blipFill>
+                <a:blip r:embed="rId3"/>
+                <a:stretch>
+                  <a:fillRect b="-1133"/>
+                </a:stretch>
+              </a:blipFill>
+            </p:spPr>
+            <p:txBody>
+              <a:bodyPr/>
+              <a:lstStyle/>
+              <a:p>
+                <a:r>
+                  <a:rPr lang="de-DE">
+                    <a:noFill/>
+                  </a:rPr>
+                  <a:t> </a:t>
+                </a:r>
+              </a:p>
+            </p:txBody>
+          </p:sp>
+        </mc:Fallback>
+      </mc:AlternateContent>
+    </p:spTree>
+    <p:extLst>
+      <p:ext uri="{BB962C8B-B14F-4D97-AF65-F5344CB8AC3E}">
+        <p14:creationId xmlns:p14="http://schemas.microsoft.com/office/powerpoint/2010/main" val="1008918896"/>
+      </p:ext>
+    </p:extLst>
+  </p:cSld>
+  <p:clrMapOvr>
+    <a:masterClrMapping/>
+  </p:clrMapOvr>
+</p:sld>
+</file>
+
+<file path=ppt/slides/slide6.xml><?xml version="1.0" encoding="utf-8"?>
+<p:sld xmlns:a="http://schemas.openxmlformats.org/drawingml/2006/main" xmlns:r="http://schemas.openxmlformats.org/officeDocument/2006/relationships" xmlns:p="http://schemas.openxmlformats.org/presentationml/2006/main">
+  <p:cSld>
+    <p:spTree>
+      <p:nvGrpSpPr>
+        <p:cNvPr id="1" name=""/>
+        <p:cNvGrpSpPr/>
+        <p:nvPr/>
+      </p:nvGrpSpPr>
+      <p:grpSpPr>
+        <a:xfrm>
+          <a:off x="0" y="0"/>
+          <a:ext cx="0" cy="0"/>
+          <a:chOff x="0" y="0"/>
+          <a:chExt cx="0" cy="0"/>
+        </a:xfrm>
+      </p:grpSpPr>
+      <p:sp>
+        <p:nvSpPr>
+          <p:cNvPr id="396" name="Textplatzhalter 3">
+            <a:extLst>
+              <a:ext uri="{FF2B5EF4-FFF2-40B4-BE49-F238E27FC236}">
+                <a16:creationId xmlns:a16="http://schemas.microsoft.com/office/drawing/2014/main" id="{197FB923-CD22-43D6-9B23-250E0B768933}"/>
+              </a:ext>
+            </a:extLst>
+          </p:cNvPr>
+          <p:cNvSpPr txBox="1">
+            <a:spLocks/>
+          </p:cNvSpPr>
+          <p:nvPr/>
+        </p:nvSpPr>
+        <p:spPr bwMode="auto">
+          <a:xfrm>
+            <a:off x="334439" y="1990725"/>
+            <a:ext cx="11487150" cy="4305300"/>
+          </a:xfrm>
+          <a:prstGeom prst="rect">
+            <a:avLst/>
+          </a:prstGeom>
+          <a:noFill/>
+          <a:ln>
+            <a:noFill/>
+          </a:ln>
+          <a:extLst>
+            <a:ext uri="{909E8E84-426E-40DD-AFC4-6F175D3DCCD1}">
+              <a14:hiddenFill xmlns:a14="http://schemas.microsoft.com/office/drawing/2010/main">
+                <a:solidFill>
+                  <a:srgbClr val="FFFFFF"/>
+                </a:solidFill>
+              </a14:hiddenFill>
+            </a:ext>
+            <a:ext uri="{91240B29-F687-4F45-9708-019B960494DF}">
+              <a14:hiddenLine xmlns:a14="http://schemas.microsoft.com/office/drawing/2010/main" w="9525">
+                <a:solidFill>
+                  <a:srgbClr val="000000"/>
+                </a:solidFill>
+                <a:miter lim="800000"/>
+                <a:headEnd/>
+                <a:tailEnd/>
+              </a14:hiddenLine>
+            </a:ext>
+          </a:extLst>
+        </p:spPr>
+        <p:txBody>
+          <a:bodyPr vert="horz" wrap="square" lIns="91440" tIns="45720" rIns="91440" bIns="45720" numCol="1" anchor="t" anchorCtr="0" compatLnSpc="1">
+            <a:prstTxWarp prst="textNoShape">
+              <a:avLst/>
+            </a:prstTxWarp>
+          </a:bodyPr>
+          <a:lstStyle>
+            <a:lvl1pPr marL="266700" indent="-266700" algn="l" rtl="0" eaLnBrk="0" fontAlgn="base" hangingPunct="0">
+              <a:spcBef>
+                <a:spcPct val="20000"/>
+              </a:spcBef>
+              <a:spcAft>
+                <a:spcPct val="0"/>
+              </a:spcAft>
+              <a:buClr>
+                <a:srgbClr val="80BA24"/>
+              </a:buClr>
+              <a:buSzPct val="106000"/>
+              <a:buFont typeface="Wingdings" panose="05000000000000000000" pitchFamily="2" charset="2"/>
+              <a:buChar char="§"/>
+              <a:defRPr kern="1200" baseline="0">
+                <a:solidFill>
+                  <a:srgbClr val="4A5C66"/>
+                </a:solidFill>
+                <a:latin typeface="Arial" pitchFamily="34" charset="0"/>
+                <a:ea typeface="MS PGothic" panose="020B0600070205080204" pitchFamily="34" charset="-128"/>
+                <a:cs typeface="Arial" pitchFamily="34" charset="0"/>
+              </a:defRPr>
+            </a:lvl1pPr>
+            <a:lvl2pPr marL="542925" indent="-276225" algn="l" rtl="0" eaLnBrk="0" fontAlgn="base" hangingPunct="0">
+              <a:spcBef>
+                <a:spcPct val="20000"/>
+              </a:spcBef>
+              <a:spcAft>
+                <a:spcPct val="0"/>
+              </a:spcAft>
+              <a:buClr>
+                <a:srgbClr val="80BA24"/>
+              </a:buClr>
+              <a:buSzPct val="90000"/>
+              <a:buFont typeface="Wingdings" panose="05000000000000000000" pitchFamily="2" charset="2"/>
+              <a:buChar char="§"/>
+              <a:defRPr kern="1200">
+                <a:solidFill>
+                  <a:srgbClr val="4A5C66"/>
+                </a:solidFill>
+                <a:latin typeface="Arial" pitchFamily="34" charset="0"/>
+                <a:ea typeface="Arial" charset="0"/>
+                <a:cs typeface="Arial" pitchFamily="34" charset="0"/>
+              </a:defRPr>
+            </a:lvl2pPr>
+            <a:lvl3pPr marL="809625" indent="-266700" algn="l" rtl="0" eaLnBrk="0" fontAlgn="base" hangingPunct="0">
+              <a:spcBef>
+                <a:spcPct val="20000"/>
+              </a:spcBef>
+              <a:spcAft>
+                <a:spcPct val="0"/>
+              </a:spcAft>
+              <a:buClr>
+                <a:srgbClr val="80BA24"/>
+              </a:buClr>
+              <a:buSzPct val="80000"/>
+              <a:buFont typeface="Wingdings" panose="05000000000000000000" pitchFamily="2" charset="2"/>
+              <a:buChar char="§"/>
+              <a:defRPr kern="1200">
+                <a:solidFill>
+                  <a:srgbClr val="4A5C66"/>
+                </a:solidFill>
+                <a:latin typeface="Arial" pitchFamily="34" charset="0"/>
+                <a:ea typeface="Arial" charset="0"/>
+                <a:cs typeface="Arial" pitchFamily="34" charset="0"/>
+              </a:defRPr>
+            </a:lvl3pPr>
+            <a:lvl4pPr marL="1076325" indent="-266700" algn="l" rtl="0" eaLnBrk="0" fontAlgn="base" hangingPunct="0">
+              <a:spcBef>
+                <a:spcPct val="20000"/>
+              </a:spcBef>
+              <a:spcAft>
+                <a:spcPct val="0"/>
+              </a:spcAft>
+              <a:buClr>
+                <a:srgbClr val="80BA24"/>
+              </a:buClr>
+              <a:buSzPct val="80000"/>
+              <a:buFont typeface="Wingdings" panose="05000000000000000000" pitchFamily="2" charset="2"/>
+              <a:buChar char="§"/>
+              <a:defRPr kern="1200">
+                <a:solidFill>
+                  <a:srgbClr val="4A5C66"/>
+                </a:solidFill>
+                <a:latin typeface="Arial" pitchFamily="34" charset="0"/>
+                <a:ea typeface="Arial" charset="0"/>
+                <a:cs typeface="Arial" pitchFamily="34" charset="0"/>
+              </a:defRPr>
+            </a:lvl4pPr>
+            <a:lvl5pPr marL="1343025" indent="-266700" algn="l" rtl="0" eaLnBrk="0" fontAlgn="base" hangingPunct="0">
+              <a:spcBef>
+                <a:spcPct val="20000"/>
+              </a:spcBef>
+              <a:spcAft>
+                <a:spcPct val="0"/>
+              </a:spcAft>
+              <a:buClr>
+                <a:srgbClr val="80BA24"/>
+              </a:buClr>
+              <a:buSzPct val="80000"/>
+              <a:buFont typeface="Wingdings" panose="05000000000000000000" pitchFamily="2" charset="2"/>
+              <a:buChar char="§"/>
+              <a:defRPr kern="1200">
+                <a:solidFill>
+                  <a:srgbClr val="4A5C66"/>
+                </a:solidFill>
+                <a:latin typeface="Arial" pitchFamily="34" charset="0"/>
+                <a:ea typeface="Arial" charset="0"/>
+                <a:cs typeface="Arial" pitchFamily="34" charset="0"/>
+              </a:defRPr>
+            </a:lvl5pPr>
+            <a:lvl6pPr marL="2514600" indent="-228600" algn="l" defTabSz="914400" rtl="0" eaLnBrk="1" latinLnBrk="0" hangingPunct="1">
+              <a:spcBef>
+                <a:spcPct val="20000"/>
+              </a:spcBef>
+              <a:buFont typeface="Arial" pitchFamily="34" charset="0"/>
+              <a:buChar char="•"/>
+              <a:defRPr sz="2000" kern="1200">
+                <a:solidFill>
+                  <a:schemeClr val="tx1"/>
+                </a:solidFill>
+                <a:latin typeface="+mn-lt"/>
+                <a:ea typeface="+mn-ea"/>
+                <a:cs typeface="+mn-cs"/>
+              </a:defRPr>
+            </a:lvl6pPr>
+            <a:lvl7pPr marL="2971800" indent="-228600" algn="l" defTabSz="914400" rtl="0" eaLnBrk="1" latinLnBrk="0" hangingPunct="1">
+              <a:spcBef>
+                <a:spcPct val="20000"/>
+              </a:spcBef>
+              <a:buFont typeface="Arial" pitchFamily="34" charset="0"/>
+              <a:buChar char="•"/>
+              <a:defRPr sz="2000" kern="1200">
+                <a:solidFill>
+                  <a:schemeClr val="tx1"/>
+                </a:solidFill>
+                <a:latin typeface="+mn-lt"/>
+                <a:ea typeface="+mn-ea"/>
+                <a:cs typeface="+mn-cs"/>
+              </a:defRPr>
+            </a:lvl7pPr>
+            <a:lvl8pPr marL="3429000" indent="-228600" algn="l" defTabSz="914400" rtl="0" eaLnBrk="1" latinLnBrk="0" hangingPunct="1">
+              <a:spcBef>
+                <a:spcPct val="20000"/>
+              </a:spcBef>
+              <a:buFont typeface="Arial" pitchFamily="34" charset="0"/>
+              <a:buChar char="•"/>
+              <a:defRPr sz="2000" kern="1200">
+                <a:solidFill>
+                  <a:schemeClr val="tx1"/>
+                </a:solidFill>
+                <a:latin typeface="+mn-lt"/>
+                <a:ea typeface="+mn-ea"/>
+                <a:cs typeface="+mn-cs"/>
+              </a:defRPr>
+            </a:lvl8pPr>
+            <a:lvl9pPr marL="3886200" indent="-228600" algn="l" defTabSz="914400" rtl="0" eaLnBrk="1" latinLnBrk="0" hangingPunct="1">
+              <a:spcBef>
+                <a:spcPct val="20000"/>
+              </a:spcBef>
+              <a:buFont typeface="Arial" pitchFamily="34" charset="0"/>
+              <a:buChar char="•"/>
+              <a:defRPr sz="2000" kern="1200">
+                <a:solidFill>
+                  <a:schemeClr val="tx1"/>
+                </a:solidFill>
+                <a:latin typeface="+mn-lt"/>
+                <a:ea typeface="+mn-ea"/>
+                <a:cs typeface="+mn-cs"/>
+              </a:defRPr>
+            </a:lvl9pPr>
+          </a:lstStyle>
+          <a:p>
+            <a:r>
+              <a:rPr lang="de-DE" sz="1800" dirty="0"/>
+              <a:t>Test, wow es klappt</a:t>
+            </a:r>
+          </a:p>
+        </p:txBody>
+      </p:sp>
+      <mc:AlternateContent xmlns:mc="http://schemas.openxmlformats.org/markup-compatibility/2006">
+        <mc:Choice xmlns:a14="http://schemas.microsoft.com/office/drawing/2010/main" Requires="a14">
+          <p:sp>
+            <p:nvSpPr>
+              <p:cNvPr id="3" name="Titel 2">
+                <a:extLst>
+                  <a:ext uri="{FF2B5EF4-FFF2-40B4-BE49-F238E27FC236}">
+                    <a16:creationId xmlns:a16="http://schemas.microsoft.com/office/drawing/2014/main" id="{35997702-CF95-4A86-956F-9AE51732A0BA}"/>
+                  </a:ext>
+                </a:extLst>
+              </p:cNvPr>
+              <p:cNvSpPr>
+                <a:spLocks noGrp="1"/>
+              </p:cNvSpPr>
+              <p:nvPr>
+                <p:ph type="title"/>
+              </p:nvPr>
+            </p:nvSpPr>
+            <p:spPr/>
+            <p:txBody>
+              <a:bodyPr/>
+              <a:lstStyle/>
+              <a:p>
+                <a:r>
+                  <a:rPr lang="de-DE" dirty="0"/>
+                  <a:t>(</a:t>
+                </a:r>
+                <a14:m>
+                  <m:oMath xmlns:m="http://schemas.openxmlformats.org/officeDocument/2006/math">
+                    <m:r>
+                      <a:rPr lang="de-DE" b="1" i="0" smtClean="0">
+                        <a:latin typeface="Cambria Math" panose="02040503050406030204" pitchFamily="18" charset="0"/>
+                      </a:rPr>
+                      <m:t>𝛍</m:t>
+                    </m:r>
+                    <m:r>
+                      <a:rPr lang="de-DE" b="1" i="0" smtClean="0">
+                        <a:latin typeface="Cambria Math" panose="02040503050406030204" pitchFamily="18" charset="0"/>
+                      </a:rPr>
+                      <m:t>,</m:t>
+                    </m:r>
+                    <m:r>
+                      <a:rPr lang="de-DE" b="1" i="0" dirty="0" smtClean="0">
+                        <a:latin typeface="Cambria Math" panose="02040503050406030204" pitchFamily="18" charset="0"/>
+                      </a:rPr>
+                      <m:t>𝛔</m:t>
+                    </m:r>
+                  </m:oMath>
+                </a14:m>
+                <a:r>
+                  <a:rPr lang="de-DE" dirty="0"/>
+                  <a:t>)-ES</a:t>
+                </a:r>
+              </a:p>
+            </p:txBody>
+          </p:sp>
+        </mc:Choice>
+        <mc:Fallback>
+          <p:sp>
+            <p:nvSpPr>
+              <p:cNvPr id="3" name="Titel 2">
+                <a:extLst>
+                  <a:ext uri="{FF2B5EF4-FFF2-40B4-BE49-F238E27FC236}">
+                    <a16:creationId xmlns:a16="http://schemas.microsoft.com/office/drawing/2014/main" id="{35997702-CF95-4A86-956F-9AE51732A0BA}"/>
+                  </a:ext>
+                </a:extLst>
+              </p:cNvPr>
+              <p:cNvSpPr>
+                <a:spLocks noGrp="1" noRot="1" noChangeAspect="1" noMove="1" noResize="1" noEditPoints="1" noAdjustHandles="1" noChangeArrowheads="1" noChangeShapeType="1" noTextEdit="1"/>
+              </p:cNvSpPr>
+              <p:nvPr>
+                <p:ph type="title"/>
+              </p:nvPr>
+            </p:nvSpPr>
+            <p:spPr>
+              <a:blipFill>
+                <a:blip r:embed="rId2"/>
+                <a:stretch>
+                  <a:fillRect l="-861" t="-7447" b="-5319"/>
+                </a:stretch>
+              </a:blipFill>
+            </p:spPr>
+            <p:txBody>
+              <a:bodyPr/>
+              <a:lstStyle/>
+              <a:p>
+                <a:r>
+                  <a:rPr lang="de-DE">
+                    <a:noFill/>
+                  </a:rPr>
+                  <a:t> </a:t>
+                </a:r>
+              </a:p>
+            </p:txBody>
+          </p:sp>
+        </mc:Fallback>
+      </mc:AlternateContent>
+      <mc:AlternateContent xmlns:mc="http://schemas.openxmlformats.org/markup-compatibility/2006">
+        <mc:Choice xmlns:a14="http://schemas.microsoft.com/office/drawing/2010/main" Requires="a14">
+          <p:sp>
+            <p:nvSpPr>
+              <p:cNvPr id="4" name="Textplatzhalter 3">
+                <a:extLst>
+                  <a:ext uri="{FF2B5EF4-FFF2-40B4-BE49-F238E27FC236}">
+                    <a16:creationId xmlns:a16="http://schemas.microsoft.com/office/drawing/2014/main" id="{027ACB38-45C8-49B7-B159-284BE2923EA6}"/>
+                  </a:ext>
+                </a:extLst>
+              </p:cNvPr>
+              <p:cNvSpPr>
+                <a:spLocks noGrp="1"/>
+              </p:cNvSpPr>
+              <p:nvPr>
+                <p:ph type="body" sz="quarter" idx="11"/>
+              </p:nvPr>
+            </p:nvSpPr>
+            <p:spPr>
+              <a:xfrm>
+                <a:off x="6973078" y="1991593"/>
+                <a:ext cx="4685528" cy="4305300"/>
+              </a:xfrm>
+            </p:spPr>
+            <p:txBody>
+              <a:bodyPr/>
+              <a:lstStyle/>
+              <a:p>
+                <a:pPr marL="0" indent="0" defTabSz="180000">
+                  <a:buNone/>
+                </a:pPr>
+                <a:r>
+                  <a:rPr lang="de-DE" sz="900" dirty="0">
+                    <a:solidFill>
+                      <a:srgbClr val="00B050"/>
+                    </a:solidFill>
+                  </a:rPr>
+                  <a:t>algorithm (</a:t>
+                </a:r>
+                <a14:m>
+                  <m:oMath xmlns:m="http://schemas.openxmlformats.org/officeDocument/2006/math">
+                    <m:r>
+                      <a:rPr lang="de-DE" sz="900" b="0" i="1" smtClean="0">
+                        <a:solidFill>
+                          <a:srgbClr val="00B050"/>
+                        </a:solidFill>
+                        <a:latin typeface="Cambria Math" panose="02040503050406030204" pitchFamily="18" charset="0"/>
+                      </a:rPr>
+                      <m:t>𝜇</m:t>
+                    </m:r>
+                    <m:r>
+                      <a:rPr lang="de-DE" sz="900" b="0" i="0" smtClean="0">
+                        <a:solidFill>
+                          <a:srgbClr val="00B050"/>
+                        </a:solidFill>
+                        <a:latin typeface="Cambria Math" panose="02040503050406030204" pitchFamily="18" charset="0"/>
+                      </a:rPr>
+                      <m:t>,</m:t>
+                    </m:r>
+                    <m:r>
+                      <a:rPr lang="de-DE" sz="900" i="1">
+                        <a:solidFill>
+                          <a:srgbClr val="00B050"/>
+                        </a:solidFill>
+                        <a:latin typeface="Cambria Math" panose="02040503050406030204" pitchFamily="18" charset="0"/>
+                      </a:rPr>
+                      <m:t>𝜆</m:t>
+                    </m:r>
+                  </m:oMath>
+                </a14:m>
+                <a:r>
+                  <a:rPr lang="de-DE" sz="900" dirty="0">
+                    <a:solidFill>
+                      <a:srgbClr val="00B050"/>
+                    </a:solidFill>
+                  </a:rPr>
+                  <a:t>)-ES()</a:t>
+                </a:r>
+              </a:p>
+              <a:p>
+                <a:pPr marL="0" indent="0" defTabSz="180000">
+                  <a:buNone/>
+                </a:pPr>
+                <a:r>
+                  <a:rPr lang="de-DE" sz="900" dirty="0"/>
+                  <a:t>	</a:t>
+                </a:r>
+                <a:r>
+                  <a:rPr lang="de-DE" sz="900" dirty="0">
+                    <a:solidFill>
+                      <a:srgbClr val="4A5C66"/>
+                    </a:solidFill>
+                  </a:rPr>
+                  <a:t>iterationsLimit &lt;- </a:t>
+                </a:r>
+                <a14:m>
+                  <m:oMath xmlns:m="http://schemas.openxmlformats.org/officeDocument/2006/math">
+                    <m:r>
+                      <a:rPr lang="de-DE" sz="900" b="0" i="1" smtClean="0">
+                        <a:solidFill>
+                          <a:srgbClr val="4A5C66"/>
+                        </a:solidFill>
+                        <a:latin typeface="Cambria Math" panose="02040503050406030204" pitchFamily="18" charset="0"/>
+                      </a:rPr>
+                      <m:t>𝑥</m:t>
+                    </m:r>
+                    <m:r>
+                      <a:rPr lang="de-DE" sz="900" b="0" i="1" smtClean="0">
+                        <a:solidFill>
+                          <a:srgbClr val="4A5C66"/>
+                        </a:solidFill>
+                        <a:latin typeface="Cambria Math" panose="02040503050406030204" pitchFamily="18" charset="0"/>
+                      </a:rPr>
+                      <m:t>∈</m:t>
+                    </m:r>
+                    <m:r>
+                      <a:rPr lang="de-DE" sz="900" dirty="0" smtClean="0">
+                        <a:solidFill>
+                          <a:srgbClr val="4A5C66"/>
+                        </a:solidFill>
+                        <a:latin typeface="Cambria Math" panose="02040503050406030204" pitchFamily="18" charset="0"/>
+                      </a:rPr>
+                      <m:t>ℕ</m:t>
+                    </m:r>
+                  </m:oMath>
+                </a14:m>
+                <a:endParaRPr lang="de-DE" sz="900" dirty="0">
+                  <a:solidFill>
+                    <a:srgbClr val="4A5C66"/>
+                  </a:solidFill>
+                </a:endParaRPr>
+              </a:p>
+              <a:p>
+                <a:pPr marL="0" indent="0" defTabSz="180000">
+                  <a:buNone/>
+                </a:pPr>
+                <a:r>
+                  <a:rPr lang="de-DE" sz="900" dirty="0">
+                    <a:solidFill>
+                      <a:srgbClr val="4A5C66"/>
+                    </a:solidFill>
+                  </a:rPr>
+                  <a:t>	</a:t>
+                </a:r>
+                <a:r>
+                  <a:rPr lang="de-DE" sz="900" dirty="0" err="1">
+                    <a:solidFill>
+                      <a:srgbClr val="4A5C66"/>
+                    </a:solidFill>
+                  </a:rPr>
+                  <a:t>generationszaehler</a:t>
+                </a:r>
+                <a:r>
+                  <a:rPr lang="de-DE" sz="900" dirty="0">
+                    <a:solidFill>
+                      <a:srgbClr val="4A5C66"/>
+                    </a:solidFill>
+                  </a:rPr>
+                  <a:t> &lt;- 0</a:t>
+                </a:r>
+              </a:p>
+              <a:p>
+                <a:pPr marL="0" indent="0" defTabSz="180000">
+                  <a:buNone/>
+                </a:pPr>
+                <a:r>
+                  <a:rPr lang="de-DE" sz="900" dirty="0">
+                    <a:solidFill>
+                      <a:srgbClr val="4A5C66"/>
+                    </a:solidFill>
+                  </a:rPr>
+                  <a:t>	</a:t>
+                </a:r>
+                <a:r>
+                  <a:rPr lang="de-DE" sz="900" dirty="0" err="1">
+                    <a:solidFill>
+                      <a:srgbClr val="4A5C66"/>
+                    </a:solidFill>
+                  </a:rPr>
+                  <a:t>anzahl_eltern</a:t>
+                </a:r>
+                <a:r>
+                  <a:rPr lang="de-DE" sz="900" dirty="0">
+                    <a:solidFill>
+                      <a:srgbClr val="4A5C66"/>
+                    </a:solidFill>
+                  </a:rPr>
+                  <a:t> &lt;- </a:t>
+                </a:r>
+                <a14:m>
+                  <m:oMath xmlns:m="http://schemas.openxmlformats.org/officeDocument/2006/math">
+                    <m:r>
+                      <a:rPr lang="de-DE" sz="900" b="0" i="1" smtClean="0">
+                        <a:solidFill>
+                          <a:srgbClr val="4A5C66"/>
+                        </a:solidFill>
+                        <a:latin typeface="Cambria Math" panose="02040503050406030204" pitchFamily="18" charset="0"/>
+                      </a:rPr>
+                      <m:t>𝜇</m:t>
+                    </m:r>
+                    <m:r>
+                      <a:rPr lang="de-DE" sz="900" b="0" i="1" smtClean="0">
+                        <a:solidFill>
+                          <a:srgbClr val="4A5C66"/>
+                        </a:solidFill>
+                        <a:latin typeface="Cambria Math" panose="02040503050406030204" pitchFamily="18" charset="0"/>
+                      </a:rPr>
+                      <m:t>≥1</m:t>
+                    </m:r>
+                  </m:oMath>
+                </a14:m>
+                <a:endParaRPr lang="de-DE" sz="900" dirty="0">
+                  <a:solidFill>
+                    <a:srgbClr val="4A5C66"/>
+                  </a:solidFill>
+                </a:endParaRPr>
+              </a:p>
+              <a:p>
+                <a:pPr marL="0" indent="0" defTabSz="180000">
+                  <a:buNone/>
+                </a:pPr>
+                <a:r>
+                  <a:rPr lang="de-DE" sz="900" dirty="0">
+                    <a:solidFill>
+                      <a:srgbClr val="4A5C66"/>
+                    </a:solidFill>
+                  </a:rPr>
+                  <a:t>	</a:t>
+                </a:r>
+                <a:r>
+                  <a:rPr lang="de-DE" sz="900" dirty="0" err="1">
+                    <a:solidFill>
+                      <a:srgbClr val="4A5C66"/>
+                    </a:solidFill>
+                  </a:rPr>
+                  <a:t>anzahl_kinder</a:t>
+                </a:r>
+                <a:r>
+                  <a:rPr lang="de-DE" sz="900" dirty="0">
+                    <a:solidFill>
+                      <a:srgbClr val="4A5C66"/>
+                    </a:solidFill>
+                  </a:rPr>
+                  <a:t> &lt;- </a:t>
+                </a:r>
+                <a14:m>
+                  <m:oMath xmlns:m="http://schemas.openxmlformats.org/officeDocument/2006/math">
+                    <m:r>
+                      <a:rPr lang="de-DE" sz="900" b="0" i="1" smtClean="0">
+                        <a:solidFill>
+                          <a:srgbClr val="4A5C66"/>
+                        </a:solidFill>
+                        <a:latin typeface="Cambria Math" panose="02040503050406030204" pitchFamily="18" charset="0"/>
+                      </a:rPr>
+                      <m:t>𝜆</m:t>
+                    </m:r>
+                    <m:r>
+                      <a:rPr lang="de-DE" sz="900" b="0" i="1" smtClean="0">
+                        <a:solidFill>
+                          <a:srgbClr val="4A5C66"/>
+                        </a:solidFill>
+                        <a:latin typeface="Cambria Math" panose="02040503050406030204" pitchFamily="18" charset="0"/>
+                      </a:rPr>
+                      <m:t>≥</m:t>
+                    </m:r>
+                  </m:oMath>
+                </a14:m>
+                <a:r>
+                  <a:rPr lang="de-DE" sz="900" dirty="0">
+                    <a:solidFill>
+                      <a:srgbClr val="4A5C66"/>
+                    </a:solidFill>
+                  </a:rPr>
+                  <a:t> </a:t>
+                </a:r>
+                <a:r>
+                  <a:rPr lang="de-DE" sz="900" dirty="0" err="1">
+                    <a:solidFill>
+                      <a:srgbClr val="4A5C66"/>
+                    </a:solidFill>
+                  </a:rPr>
+                  <a:t>anzahl_eltern</a:t>
+                </a:r>
+                <a:endParaRPr lang="de-DE" sz="900" dirty="0">
+                  <a:solidFill>
+                    <a:srgbClr val="4A5C66"/>
+                  </a:solidFill>
+                </a:endParaRPr>
+              </a:p>
+              <a:p>
+                <a:pPr marL="0" indent="0" defTabSz="180000">
+                  <a:buNone/>
+                </a:pPr>
+                <a:r>
+                  <a:rPr lang="de-DE" sz="900" dirty="0">
+                    <a:solidFill>
+                      <a:srgbClr val="4A5C66"/>
+                    </a:solidFill>
+                  </a:rPr>
+                  <a:t>	</a:t>
+                </a:r>
+                <a:r>
+                  <a:rPr lang="de-DE" sz="900" dirty="0" err="1">
+                    <a:solidFill>
+                      <a:srgbClr val="4A5C66"/>
+                    </a:solidFill>
+                  </a:rPr>
+                  <a:t>wunschqualitaet</a:t>
+                </a:r>
+                <a:r>
+                  <a:rPr lang="de-DE" sz="900" dirty="0">
+                    <a:solidFill>
+                      <a:srgbClr val="4A5C66"/>
+                    </a:solidFill>
+                  </a:rPr>
+                  <a:t> &lt;- </a:t>
+                </a:r>
+                <a14:m>
+                  <m:oMath xmlns:m="http://schemas.openxmlformats.org/officeDocument/2006/math">
+                    <m:r>
+                      <a:rPr lang="de-DE" sz="900" b="0" i="1" smtClean="0">
+                        <a:solidFill>
+                          <a:srgbClr val="4A5C66"/>
+                        </a:solidFill>
+                        <a:latin typeface="Cambria Math" panose="02040503050406030204" pitchFamily="18" charset="0"/>
+                      </a:rPr>
+                      <m:t>𝑦</m:t>
+                    </m:r>
+                    <m:r>
+                      <a:rPr lang="de-DE" sz="900" b="0" i="1" smtClean="0">
+                        <a:solidFill>
+                          <a:srgbClr val="4A5C66"/>
+                        </a:solidFill>
+                        <a:latin typeface="Cambria Math" panose="02040503050406030204" pitchFamily="18" charset="0"/>
+                      </a:rPr>
+                      <m:t>∈</m:t>
+                    </m:r>
+                    <m:r>
+                      <a:rPr lang="de-DE" sz="900" dirty="0" smtClean="0">
+                        <a:solidFill>
+                          <a:srgbClr val="4A5C66"/>
+                        </a:solidFill>
+                        <a:latin typeface="Cambria Math" panose="02040503050406030204" pitchFamily="18" charset="0"/>
+                      </a:rPr>
+                      <m:t>ℝ</m:t>
+                    </m:r>
+                  </m:oMath>
+                </a14:m>
+                <a:endParaRPr lang="de-DE" sz="900" dirty="0">
+                  <a:solidFill>
+                    <a:srgbClr val="4A5C66"/>
+                  </a:solidFill>
+                </a:endParaRPr>
+              </a:p>
+              <a:p>
+                <a:pPr marL="0" indent="0" defTabSz="180000">
+                  <a:buNone/>
+                </a:pPr>
+                <a:r>
+                  <a:rPr lang="de-DE" sz="900" dirty="0">
+                    <a:solidFill>
+                      <a:srgbClr val="4A5C66"/>
+                    </a:solidFill>
+                  </a:rPr>
+                  <a:t>	</a:t>
+                </a:r>
+                <a:r>
+                  <a:rPr lang="de-DE" sz="900" dirty="0" err="1">
+                    <a:solidFill>
+                      <a:srgbClr val="4A5C66"/>
+                    </a:solidFill>
+                  </a:rPr>
+                  <a:t>individuengroesse</a:t>
+                </a:r>
+                <a:r>
+                  <a:rPr lang="de-DE" sz="900" dirty="0">
+                    <a:solidFill>
+                      <a:srgbClr val="4A5C66"/>
+                    </a:solidFill>
+                  </a:rPr>
+                  <a:t> &lt;-</a:t>
+                </a:r>
+                <a14:m>
+                  <m:oMath xmlns:m="http://schemas.openxmlformats.org/officeDocument/2006/math">
+                    <m:r>
+                      <a:rPr lang="de-DE" sz="900" b="0" i="0" smtClean="0">
+                        <a:solidFill>
+                          <a:srgbClr val="4A5C66"/>
+                        </a:solidFill>
+                        <a:latin typeface="Cambria Math" panose="02040503050406030204" pitchFamily="18" charset="0"/>
+                      </a:rPr>
+                      <m:t> </m:t>
+                    </m:r>
+                    <m:r>
+                      <a:rPr lang="de-DE" sz="900" b="0" i="1" smtClean="0">
+                        <a:solidFill>
+                          <a:srgbClr val="4A5C66"/>
+                        </a:solidFill>
+                        <a:latin typeface="Cambria Math" panose="02040503050406030204" pitchFamily="18" charset="0"/>
+                      </a:rPr>
+                      <m:t>𝑛</m:t>
+                    </m:r>
+                    <m:r>
+                      <a:rPr lang="de-DE" sz="900" i="1">
+                        <a:solidFill>
+                          <a:srgbClr val="4A5C66"/>
+                        </a:solidFill>
+                        <a:latin typeface="Cambria Math" panose="02040503050406030204" pitchFamily="18" charset="0"/>
+                      </a:rPr>
+                      <m:t>∈</m:t>
+                    </m:r>
+                    <m:r>
+                      <a:rPr lang="de-DE" sz="900" dirty="0">
+                        <a:solidFill>
+                          <a:srgbClr val="4A5C66"/>
+                        </a:solidFill>
+                        <a:latin typeface="Cambria Math" panose="02040503050406030204" pitchFamily="18" charset="0"/>
+                      </a:rPr>
+                      <m:t>ℕ</m:t>
+                    </m:r>
+                  </m:oMath>
+                </a14:m>
+                <a:endParaRPr lang="de-DE" sz="900" dirty="0">
+                  <a:solidFill>
+                    <a:srgbClr val="4A5C66"/>
+                  </a:solidFill>
+                </a:endParaRPr>
+              </a:p>
+              <a:p>
+                <a:pPr marL="0" indent="0" defTabSz="180000">
+                  <a:buNone/>
+                </a:pPr>
+                <a:r>
+                  <a:rPr lang="de-DE" sz="900" dirty="0">
+                    <a:solidFill>
+                      <a:srgbClr val="4A5C66"/>
+                    </a:solidFill>
+                  </a:rPr>
+                  <a:t>	</a:t>
+                </a:r>
+                <a:r>
+                  <a:rPr lang="de-DE" sz="900" dirty="0" err="1">
+                    <a:solidFill>
+                      <a:srgbClr val="4A5C66"/>
+                    </a:solidFill>
+                  </a:rPr>
+                  <a:t>population</a:t>
+                </a:r>
+                <a:r>
+                  <a:rPr lang="de-DE" sz="900" dirty="0">
+                    <a:solidFill>
+                      <a:srgbClr val="4A5C66"/>
+                    </a:solidFill>
+                  </a:rPr>
+                  <a:t> &lt;- </a:t>
+                </a:r>
+                <a:r>
+                  <a:rPr lang="de-DE" sz="900" dirty="0" err="1">
+                    <a:solidFill>
+                      <a:srgbClr val="4A5C66"/>
+                    </a:solidFill>
+                  </a:rPr>
+                  <a:t>baue_population</a:t>
+                </a:r>
+                <a:r>
+                  <a:rPr lang="de-DE" sz="900" dirty="0">
+                    <a:solidFill>
+                      <a:srgbClr val="4A5C66"/>
+                    </a:solidFill>
+                  </a:rPr>
+                  <a:t>(</a:t>
+                </a:r>
+                <a14:m>
+                  <m:oMath xmlns:m="http://schemas.openxmlformats.org/officeDocument/2006/math">
+                    <m:r>
+                      <a:rPr lang="de-DE" sz="900" b="0" i="1" smtClean="0">
+                        <a:solidFill>
+                          <a:srgbClr val="4A5C66"/>
+                        </a:solidFill>
+                        <a:latin typeface="Cambria Math" panose="02040503050406030204" pitchFamily="18" charset="0"/>
+                      </a:rPr>
+                      <m:t>𝜇</m:t>
+                    </m:r>
+                  </m:oMath>
+                </a14:m>
+                <a:r>
+                  <a:rPr lang="de-DE" sz="900" dirty="0">
+                    <a:solidFill>
+                      <a:srgbClr val="4A5C66"/>
+                    </a:solidFill>
+                  </a:rPr>
+                  <a:t>, </a:t>
+                </a:r>
+                <a:r>
+                  <a:rPr lang="de-DE" sz="900" dirty="0" err="1">
+                    <a:solidFill>
+                      <a:srgbClr val="4A5C66"/>
+                    </a:solidFill>
+                  </a:rPr>
+                  <a:t>individuengroesse</a:t>
+                </a:r>
+                <a:r>
+                  <a:rPr lang="de-DE" sz="900" dirty="0">
+                    <a:solidFill>
+                      <a:srgbClr val="4A5C66"/>
+                    </a:solidFill>
+                  </a:rPr>
+                  <a:t>)</a:t>
+                </a:r>
+                <a:br>
+                  <a:rPr lang="de-DE" sz="900" dirty="0">
+                    <a:solidFill>
+                      <a:srgbClr val="4A5C66"/>
+                    </a:solidFill>
+                  </a:rPr>
+                </a:br>
+                <a:r>
+                  <a:rPr lang="de-DE" sz="900" dirty="0">
+                    <a:solidFill>
+                      <a:srgbClr val="4A5C66"/>
+                    </a:solidFill>
+                  </a:rPr>
+                  <a:t>	</a:t>
+                </a:r>
+                <a:r>
+                  <a:rPr lang="de-DE" sz="900" dirty="0" err="1">
+                    <a:solidFill>
+                      <a:srgbClr val="4A5C66"/>
+                    </a:solidFill>
+                  </a:rPr>
+                  <a:t>while</a:t>
+                </a:r>
+                <a:r>
+                  <a:rPr lang="de-DE" sz="900" dirty="0">
+                    <a:solidFill>
+                      <a:srgbClr val="4A5C66"/>
+                    </a:solidFill>
+                  </a:rPr>
+                  <a:t> </a:t>
+                </a:r>
+                <a:r>
+                  <a:rPr lang="de-DE" sz="900" dirty="0" err="1">
+                    <a:solidFill>
+                      <a:srgbClr val="4A5C66"/>
+                    </a:solidFill>
+                  </a:rPr>
+                  <a:t>qualitaet</a:t>
+                </a:r>
+                <a:r>
+                  <a:rPr lang="de-DE" sz="900" dirty="0">
+                    <a:solidFill>
+                      <a:srgbClr val="4A5C66"/>
+                    </a:solidFill>
+                  </a:rPr>
+                  <a:t>(individuum) &lt; </a:t>
+                </a:r>
+                <a:r>
+                  <a:rPr lang="de-DE" sz="900" dirty="0" err="1">
+                    <a:solidFill>
+                      <a:srgbClr val="4A5C66"/>
+                    </a:solidFill>
+                  </a:rPr>
+                  <a:t>wunschqualitaet</a:t>
+                </a:r>
+                <a:r>
+                  <a:rPr lang="de-DE" sz="900" dirty="0">
+                    <a:solidFill>
+                      <a:srgbClr val="4A5C66"/>
+                    </a:solidFill>
+                  </a:rPr>
+                  <a:t> and </a:t>
+                </a:r>
+                <a:r>
+                  <a:rPr lang="de-DE" sz="900" dirty="0" err="1">
+                    <a:solidFill>
+                      <a:srgbClr val="4A5C66"/>
+                    </a:solidFill>
+                  </a:rPr>
+                  <a:t>generationszaehler</a:t>
+                </a:r>
+                <a:r>
+                  <a:rPr lang="de-DE" sz="900" dirty="0">
+                    <a:solidFill>
+                      <a:srgbClr val="4A5C66"/>
+                    </a:solidFill>
+                  </a:rPr>
+                  <a:t> &lt; </a:t>
+                </a:r>
+                <a:r>
+                  <a:rPr lang="de-DE" sz="900" dirty="0" err="1">
+                    <a:solidFill>
+                      <a:srgbClr val="4A5C66"/>
+                    </a:solidFill>
+                  </a:rPr>
+                  <a:t>iterationslimit</a:t>
+                </a:r>
+                <a:endParaRPr lang="de-DE" sz="900" dirty="0">
+                  <a:solidFill>
+                    <a:srgbClr val="4A5C66"/>
+                  </a:solidFill>
+                </a:endParaRPr>
+              </a:p>
+              <a:p>
+                <a:pPr marL="0" indent="0" defTabSz="180000">
+                  <a:buNone/>
+                </a:pPr>
+                <a:r>
+                  <a:rPr lang="de-DE" sz="900" dirty="0">
+                    <a:solidFill>
+                      <a:srgbClr val="4A5C66"/>
+                    </a:solidFill>
+                  </a:rPr>
+                  <a:t>		</a:t>
+                </a:r>
+                <a:r>
+                  <a:rPr lang="de-DE" sz="900" dirty="0" err="1">
+                    <a:solidFill>
+                      <a:srgbClr val="4A5C66"/>
+                    </a:solidFill>
+                  </a:rPr>
+                  <a:t>generationszaehler</a:t>
+                </a:r>
+                <a:r>
+                  <a:rPr lang="de-DE" sz="900" dirty="0">
+                    <a:solidFill>
+                      <a:srgbClr val="4A5C66"/>
+                    </a:solidFill>
+                  </a:rPr>
+                  <a:t> &lt;- </a:t>
+                </a:r>
+                <a:r>
+                  <a:rPr lang="de-DE" sz="900" dirty="0" err="1">
+                    <a:solidFill>
+                      <a:srgbClr val="4A5C66"/>
+                    </a:solidFill>
+                  </a:rPr>
+                  <a:t>generationszaehler</a:t>
+                </a:r>
+                <a:r>
+                  <a:rPr lang="de-DE" sz="900" dirty="0">
+                    <a:solidFill>
+                      <a:srgbClr val="4A5C66"/>
+                    </a:solidFill>
+                  </a:rPr>
+                  <a:t> + 1</a:t>
+                </a:r>
+              </a:p>
+              <a:p>
+                <a:pPr marL="0" indent="0" defTabSz="180000">
+                  <a:buNone/>
+                </a:pPr>
+                <a:r>
+                  <a:rPr lang="de-DE" sz="900" dirty="0">
+                    <a:solidFill>
+                      <a:srgbClr val="4A5C66"/>
+                    </a:solidFill>
+                  </a:rPr>
+                  <a:t>		</a:t>
+                </a:r>
+                <a:r>
+                  <a:rPr lang="de-DE" sz="900" dirty="0" err="1">
+                    <a:solidFill>
+                      <a:srgbClr val="4A5C66"/>
+                    </a:solidFill>
+                  </a:rPr>
+                  <a:t>eltern</a:t>
+                </a:r>
+                <a:r>
+                  <a:rPr lang="de-DE" sz="900" dirty="0">
+                    <a:solidFill>
+                      <a:srgbClr val="4A5C66"/>
+                    </a:solidFill>
+                  </a:rPr>
+                  <a:t> &lt;- </a:t>
+                </a:r>
+                <a:r>
+                  <a:rPr lang="de-DE" sz="900" dirty="0" err="1">
+                    <a:solidFill>
+                      <a:srgbClr val="4A5C66"/>
+                    </a:solidFill>
+                  </a:rPr>
+                  <a:t>elternSelektion</a:t>
+                </a:r>
+                <a:r>
+                  <a:rPr lang="de-DE" sz="900" dirty="0">
+                    <a:solidFill>
+                      <a:srgbClr val="4A5C66"/>
+                    </a:solidFill>
+                  </a:rPr>
+                  <a:t>(</a:t>
+                </a:r>
+                <a:r>
+                  <a:rPr lang="de-DE" sz="900" dirty="0" err="1">
+                    <a:solidFill>
+                      <a:srgbClr val="4A5C66"/>
+                    </a:solidFill>
+                  </a:rPr>
+                  <a:t>population</a:t>
+                </a:r>
+                <a:r>
+                  <a:rPr lang="de-DE" sz="900" dirty="0">
+                    <a:solidFill>
+                      <a:srgbClr val="4A5C66"/>
+                    </a:solidFill>
+                  </a:rPr>
+                  <a:t>, </a:t>
+                </a:r>
+                <a:r>
+                  <a:rPr lang="de-DE" sz="900" dirty="0" err="1">
+                    <a:solidFill>
+                      <a:srgbClr val="4A5C66"/>
+                    </a:solidFill>
+                  </a:rPr>
+                  <a:t>anzahl_kinder</a:t>
+                </a:r>
+                <a:r>
+                  <a:rPr lang="de-DE" sz="900" dirty="0">
+                    <a:solidFill>
+                      <a:srgbClr val="4A5C66"/>
+                    </a:solidFill>
+                  </a:rPr>
+                  <a:t>)</a:t>
+                </a:r>
+              </a:p>
+              <a:p>
+                <a:pPr marL="0" indent="0" defTabSz="180000">
+                  <a:buNone/>
+                </a:pPr>
+                <a:r>
+                  <a:rPr lang="de-DE" sz="900" dirty="0">
+                    <a:solidFill>
+                      <a:srgbClr val="4A5C66"/>
+                    </a:solidFill>
+                  </a:rPr>
+                  <a:t>		</a:t>
+                </a:r>
+                <a:r>
+                  <a:rPr lang="de-DE" sz="900" dirty="0" err="1">
+                    <a:solidFill>
+                      <a:srgbClr val="4A5C66"/>
+                    </a:solidFill>
+                  </a:rPr>
+                  <a:t>kinder</a:t>
+                </a:r>
+                <a:r>
+                  <a:rPr lang="de-DE" sz="900" dirty="0">
+                    <a:solidFill>
+                      <a:srgbClr val="4A5C66"/>
+                    </a:solidFill>
+                  </a:rPr>
+                  <a:t> &lt;- duplikation(</a:t>
+                </a:r>
+                <a:r>
+                  <a:rPr lang="de-DE" sz="900" dirty="0" err="1">
+                    <a:solidFill>
+                      <a:srgbClr val="4A5C66"/>
+                    </a:solidFill>
+                  </a:rPr>
+                  <a:t>eltern</a:t>
+                </a:r>
+                <a:r>
+                  <a:rPr lang="de-DE" sz="900" dirty="0">
+                    <a:solidFill>
+                      <a:srgbClr val="4A5C66"/>
+                    </a:solidFill>
+                  </a:rPr>
+                  <a:t>, </a:t>
+                </a:r>
+                <a:r>
+                  <a:rPr lang="de-DE" sz="900" dirty="0" err="1">
+                    <a:solidFill>
+                      <a:srgbClr val="4A5C66"/>
+                    </a:solidFill>
+                  </a:rPr>
+                  <a:t>individuengroesse</a:t>
+                </a:r>
+                <a:r>
+                  <a:rPr lang="de-DE" sz="900" dirty="0">
+                    <a:solidFill>
+                      <a:srgbClr val="4A5C66"/>
+                    </a:solidFill>
+                  </a:rPr>
+                  <a:t>)</a:t>
+                </a:r>
+              </a:p>
+              <a:p>
+                <a:pPr marL="0" indent="0" defTabSz="180000">
+                  <a:buNone/>
+                </a:pPr>
+                <a:r>
+                  <a:rPr lang="de-DE" sz="900" dirty="0">
+                    <a:solidFill>
+                      <a:srgbClr val="4A5C66"/>
+                    </a:solidFill>
+                  </a:rPr>
+                  <a:t>		</a:t>
+                </a:r>
+                <a:r>
+                  <a:rPr lang="de-DE" sz="900" dirty="0" err="1">
+                    <a:solidFill>
+                      <a:srgbClr val="4A5C66"/>
+                    </a:solidFill>
+                  </a:rPr>
+                  <a:t>kinder</a:t>
+                </a:r>
+                <a:r>
+                  <a:rPr lang="de-DE" sz="900" dirty="0">
+                    <a:solidFill>
+                      <a:srgbClr val="4A5C66"/>
+                    </a:solidFill>
+                  </a:rPr>
+                  <a:t> &lt;- </a:t>
+                </a:r>
+                <a:r>
+                  <a:rPr lang="de-DE" sz="900" dirty="0" err="1">
+                    <a:solidFill>
+                      <a:srgbClr val="4A5C66"/>
+                    </a:solidFill>
+                  </a:rPr>
+                  <a:t>mutation</a:t>
+                </a:r>
+                <a:r>
+                  <a:rPr lang="de-DE" sz="900" dirty="0">
+                    <a:solidFill>
+                      <a:srgbClr val="4A5C66"/>
+                    </a:solidFill>
+                  </a:rPr>
+                  <a:t>(</a:t>
+                </a:r>
+                <a:r>
+                  <a:rPr lang="de-DE" sz="900" dirty="0" err="1">
+                    <a:solidFill>
+                      <a:srgbClr val="4A5C66"/>
+                    </a:solidFill>
+                  </a:rPr>
+                  <a:t>kinder</a:t>
+                </a:r>
+                <a:r>
+                  <a:rPr lang="de-DE" sz="900" dirty="0">
+                    <a:solidFill>
+                      <a:srgbClr val="4A5C66"/>
+                    </a:solidFill>
+                  </a:rPr>
+                  <a:t>)</a:t>
+                </a:r>
+              </a:p>
+              <a:p>
+                <a:pPr marL="0" indent="0" defTabSz="180000">
+                  <a:buNone/>
+                </a:pPr>
+                <a:r>
+                  <a:rPr lang="de-DE" sz="900" dirty="0">
+                    <a:solidFill>
+                      <a:srgbClr val="4A5C66"/>
+                    </a:solidFill>
+                  </a:rPr>
+                  <a:t>		</a:t>
+                </a:r>
+                <a:r>
+                  <a:rPr lang="de-DE" sz="900" dirty="0">
+                    <a:solidFill>
+                      <a:srgbClr val="0070C0"/>
+                    </a:solidFill>
+                  </a:rPr>
+                  <a:t>population &lt;- </a:t>
+                </a:r>
+                <a:r>
+                  <a:rPr lang="de-DE" sz="900" dirty="0" err="1">
+                    <a:solidFill>
+                      <a:srgbClr val="0070C0"/>
+                    </a:solidFill>
+                  </a:rPr>
+                  <a:t>selektion</a:t>
+                </a:r>
+                <a:r>
+                  <a:rPr lang="de-DE" sz="900" dirty="0">
+                    <a:solidFill>
+                      <a:srgbClr val="0070C0"/>
+                    </a:solidFill>
+                  </a:rPr>
+                  <a:t>(</a:t>
+                </a:r>
+                <a:r>
+                  <a:rPr lang="de-DE" sz="900" dirty="0" err="1">
+                    <a:solidFill>
+                      <a:srgbClr val="0070C0"/>
+                    </a:solidFill>
+                  </a:rPr>
+                  <a:t>kinder</a:t>
+                </a:r>
+                <a:r>
+                  <a:rPr lang="de-DE" sz="900" dirty="0">
+                    <a:solidFill>
+                      <a:srgbClr val="0070C0"/>
+                    </a:solidFill>
+                  </a:rPr>
+                  <a:t>, </a:t>
+                </a:r>
+                <a14:m>
+                  <m:oMath xmlns:m="http://schemas.openxmlformats.org/officeDocument/2006/math">
+                    <m:r>
+                      <a:rPr lang="de-DE" sz="900" b="0" i="1" smtClean="0">
+                        <a:solidFill>
+                          <a:srgbClr val="0070C0"/>
+                        </a:solidFill>
+                        <a:latin typeface="Cambria Math" panose="02040503050406030204" pitchFamily="18" charset="0"/>
+                      </a:rPr>
+                      <m:t>𝜇</m:t>
+                    </m:r>
+                  </m:oMath>
+                </a14:m>
+                <a:r>
+                  <a:rPr lang="de-DE" sz="900" dirty="0">
+                    <a:solidFill>
+                      <a:srgbClr val="0070C0"/>
+                    </a:solidFill>
+                  </a:rPr>
+                  <a:t>, </a:t>
+                </a:r>
+                <a:r>
+                  <a:rPr lang="de-DE" sz="900" dirty="0" err="1">
+                    <a:solidFill>
+                      <a:srgbClr val="0070C0"/>
+                    </a:solidFill>
+                  </a:rPr>
+                  <a:t>qualitaet</a:t>
+                </a:r>
+                <a:r>
+                  <a:rPr lang="de-DE" sz="900" dirty="0">
+                    <a:solidFill>
+                      <a:srgbClr val="0070C0"/>
+                    </a:solidFill>
+                  </a:rPr>
+                  <a:t>)</a:t>
+                </a:r>
+              </a:p>
+              <a:p>
+                <a:pPr marL="0" indent="0" defTabSz="180000">
+                  <a:buNone/>
+                </a:pPr>
+                <a:r>
+                  <a:rPr lang="de-DE" sz="900" dirty="0">
+                    <a:solidFill>
+                      <a:srgbClr val="4A5C66"/>
+                    </a:solidFill>
+                  </a:rPr>
+                  <a:t>	</a:t>
+                </a:r>
+                <a:r>
+                  <a:rPr lang="de-DE" sz="900" dirty="0" err="1">
+                    <a:solidFill>
+                      <a:srgbClr val="4A5C66"/>
+                    </a:solidFill>
+                  </a:rPr>
+                  <a:t>loesung</a:t>
+                </a:r>
+                <a:r>
+                  <a:rPr lang="de-DE" sz="900" dirty="0">
+                    <a:solidFill>
+                      <a:srgbClr val="4A5C66"/>
+                    </a:solidFill>
+                  </a:rPr>
+                  <a:t> &lt;- </a:t>
+                </a:r>
+                <a:r>
+                  <a:rPr lang="de-DE" sz="900" dirty="0" err="1">
+                    <a:solidFill>
+                      <a:srgbClr val="4A5C66"/>
+                    </a:solidFill>
+                  </a:rPr>
+                  <a:t>bestenSelektion</a:t>
+                </a:r>
+                <a:r>
+                  <a:rPr lang="de-DE" sz="900" dirty="0">
+                    <a:solidFill>
+                      <a:srgbClr val="4A5C66"/>
+                    </a:solidFill>
+                  </a:rPr>
+                  <a:t>(</a:t>
+                </a:r>
+                <a:r>
+                  <a:rPr lang="de-DE" sz="900" dirty="0" err="1">
+                    <a:solidFill>
+                      <a:srgbClr val="4A5C66"/>
+                    </a:solidFill>
+                  </a:rPr>
+                  <a:t>population</a:t>
+                </a:r>
+                <a:r>
+                  <a:rPr lang="de-DE" sz="900" dirty="0">
+                    <a:solidFill>
+                      <a:srgbClr val="4A5C66"/>
+                    </a:solidFill>
+                  </a:rPr>
+                  <a:t>)</a:t>
+                </a:r>
+              </a:p>
+              <a:p>
+                <a:pPr marL="0" indent="0" defTabSz="180000">
+                  <a:buNone/>
+                </a:pPr>
+                <a:endParaRPr lang="de-DE" sz="500" dirty="0"/>
+              </a:p>
+            </p:txBody>
+          </p:sp>
+        </mc:Choice>
+        <mc:Fallback>
+          <p:sp>
+            <p:nvSpPr>
+              <p:cNvPr id="4" name="Textplatzhalter 3">
+                <a:extLst>
+                  <a:ext uri="{FF2B5EF4-FFF2-40B4-BE49-F238E27FC236}">
+                    <a16:creationId xmlns:a16="http://schemas.microsoft.com/office/drawing/2014/main" id="{027ACB38-45C8-49B7-B159-284BE2923EA6}"/>
+                  </a:ext>
+                </a:extLst>
+              </p:cNvPr>
+              <p:cNvSpPr>
+                <a:spLocks noGrp="1" noRot="1" noChangeAspect="1" noMove="1" noResize="1" noEditPoints="1" noAdjustHandles="1" noChangeArrowheads="1" noChangeShapeType="1" noTextEdit="1"/>
+              </p:cNvSpPr>
+              <p:nvPr>
+                <p:ph type="body" sz="quarter" idx="11"/>
+              </p:nvPr>
+            </p:nvSpPr>
+            <p:spPr>
+              <a:xfrm>
+                <a:off x="6973078" y="1991593"/>
+                <a:ext cx="4685528" cy="4305300"/>
+              </a:xfrm>
+              <a:blipFill>
+                <a:blip r:embed="rId3"/>
+                <a:stretch>
+                  <a:fillRect/>
+                </a:stretch>
+              </a:blipFill>
+            </p:spPr>
+            <p:txBody>
+              <a:bodyPr/>
+              <a:lstStyle/>
+              <a:p>
+                <a:r>
+                  <a:rPr lang="de-DE">
+                    <a:noFill/>
+                  </a:rPr>
+                  <a:t> </a:t>
+                </a:r>
+              </a:p>
+            </p:txBody>
+          </p:sp>
+        </mc:Fallback>
+      </mc:AlternateContent>
+    </p:spTree>
+    <p:extLst>
+      <p:ext uri="{BB962C8B-B14F-4D97-AF65-F5344CB8AC3E}">
+        <p14:creationId xmlns:p14="http://schemas.microsoft.com/office/powerpoint/2010/main" val="1412051417"/>
+      </p:ext>
+    </p:extLst>
+  </p:cSld>
+  <p:clrMapOvr>
+    <a:masterClrMapping/>
+  </p:clrMapOvr>
+</p:sld>
+</file>
+
+<file path=ppt/slides/slide7.xml><?xml version="1.0" encoding="utf-8"?>
+<p:sld xmlns:a="http://schemas.openxmlformats.org/drawingml/2006/main" xmlns:r="http://schemas.openxmlformats.org/officeDocument/2006/relationships" xmlns:p="http://schemas.openxmlformats.org/presentationml/2006/main">
+  <p:cSld>
+    <p:spTree>
+      <p:nvGrpSpPr>
+        <p:cNvPr id="1" name=""/>
+        <p:cNvGrpSpPr/>
+        <p:nvPr/>
+      </p:nvGrpSpPr>
+      <p:grpSpPr>
+        <a:xfrm>
+          <a:off x="0" y="0"/>
+          <a:ext cx="0" cy="0"/>
+          <a:chOff x="0" y="0"/>
+          <a:chExt cx="0" cy="0"/>
+        </a:xfrm>
+      </p:grpSpPr>
+      <mc:AlternateContent xmlns:mc="http://schemas.openxmlformats.org/markup-compatibility/2006">
+        <mc:Choice xmlns:a14="http://schemas.microsoft.com/office/drawing/2010/main" Requires="a14">
+          <p:sp>
+            <p:nvSpPr>
+              <p:cNvPr id="396" name="Textplatzhalter 3">
+                <a:extLst>
+                  <a:ext uri="{FF2B5EF4-FFF2-40B4-BE49-F238E27FC236}">
+                    <a16:creationId xmlns:a16="http://schemas.microsoft.com/office/drawing/2014/main" id="{197FB923-CD22-43D6-9B23-250E0B768933}"/>
+                  </a:ext>
+                </a:extLst>
+              </p:cNvPr>
+              <p:cNvSpPr txBox="1">
+                <a:spLocks/>
+              </p:cNvSpPr>
+              <p:nvPr/>
+            </p:nvSpPr>
+            <p:spPr bwMode="auto">
+              <a:xfrm>
+                <a:off x="334439" y="1990725"/>
+                <a:ext cx="11487150" cy="4305300"/>
+              </a:xfrm>
+              <a:prstGeom prst="rect">
+                <a:avLst/>
+              </a:prstGeom>
+              <a:noFill/>
+              <a:ln>
+                <a:noFill/>
+              </a:ln>
+              <a:extLst>
+                <a:ext uri="{909E8E84-426E-40DD-AFC4-6F175D3DCCD1}">
+                  <a14:hiddenFill>
+                    <a:solidFill>
+                      <a:srgbClr val="FFFFFF"/>
+                    </a:solidFill>
+                  </a14:hiddenFill>
+                </a:ext>
+                <a:ext uri="{91240B29-F687-4F45-9708-019B960494DF}">
+                  <a14:hiddenLine w="9525">
+                    <a:solidFill>
+                      <a:srgbClr val="000000"/>
+                    </a:solidFill>
+                    <a:miter lim="800000"/>
+                    <a:headEnd/>
+                    <a:tailEnd/>
+                  </a14:hiddenLine>
+                </a:ext>
+              </a:extLst>
+            </p:spPr>
+            <p:txBody>
+              <a:bodyPr vert="horz" wrap="square" lIns="91440" tIns="45720" rIns="91440" bIns="45720" numCol="1" anchor="t" anchorCtr="0" compatLnSpc="1">
+                <a:prstTxWarp prst="textNoShape">
+                  <a:avLst/>
+                </a:prstTxWarp>
+              </a:bodyPr>
+              <a:lstStyle>
+                <a:lvl1pPr marL="266700" indent="-266700" algn="l" rtl="0" eaLnBrk="0" fontAlgn="base" hangingPunct="0">
+                  <a:spcBef>
+                    <a:spcPct val="20000"/>
+                  </a:spcBef>
+                  <a:spcAft>
+                    <a:spcPct val="0"/>
+                  </a:spcAft>
+                  <a:buClr>
+                    <a:srgbClr val="80BA24"/>
+                  </a:buClr>
+                  <a:buSzPct val="106000"/>
+                  <a:buFont typeface="Wingdings" panose="05000000000000000000" pitchFamily="2" charset="2"/>
+                  <a:buChar char="§"/>
+                  <a:defRPr kern="1200" baseline="0">
+                    <a:solidFill>
+                      <a:srgbClr val="4A5C66"/>
+                    </a:solidFill>
+                    <a:latin typeface="Arial" pitchFamily="34" charset="0"/>
+                    <a:ea typeface="MS PGothic" panose="020B0600070205080204" pitchFamily="34" charset="-128"/>
+                    <a:cs typeface="Arial" pitchFamily="34" charset="0"/>
+                  </a:defRPr>
+                </a:lvl1pPr>
+                <a:lvl2pPr marL="542925" indent="-276225" algn="l" rtl="0" eaLnBrk="0" fontAlgn="base" hangingPunct="0">
+                  <a:spcBef>
+                    <a:spcPct val="20000"/>
+                  </a:spcBef>
+                  <a:spcAft>
+                    <a:spcPct val="0"/>
+                  </a:spcAft>
+                  <a:buClr>
+                    <a:srgbClr val="80BA24"/>
+                  </a:buClr>
+                  <a:buSzPct val="90000"/>
+                  <a:buFont typeface="Wingdings" panose="05000000000000000000" pitchFamily="2" charset="2"/>
+                  <a:buChar char="§"/>
+                  <a:defRPr kern="1200">
+                    <a:solidFill>
+                      <a:srgbClr val="4A5C66"/>
+                    </a:solidFill>
+                    <a:latin typeface="Arial" pitchFamily="34" charset="0"/>
+                    <a:ea typeface="Arial" charset="0"/>
+                    <a:cs typeface="Arial" pitchFamily="34" charset="0"/>
+                  </a:defRPr>
+                </a:lvl2pPr>
+                <a:lvl3pPr marL="809625" indent="-266700" algn="l" rtl="0" eaLnBrk="0" fontAlgn="base" hangingPunct="0">
+                  <a:spcBef>
+                    <a:spcPct val="20000"/>
+                  </a:spcBef>
+                  <a:spcAft>
+                    <a:spcPct val="0"/>
+                  </a:spcAft>
+                  <a:buClr>
+                    <a:srgbClr val="80BA24"/>
+                  </a:buClr>
+                  <a:buSzPct val="80000"/>
+                  <a:buFont typeface="Wingdings" panose="05000000000000000000" pitchFamily="2" charset="2"/>
+                  <a:buChar char="§"/>
+                  <a:defRPr kern="1200">
+                    <a:solidFill>
+                      <a:srgbClr val="4A5C66"/>
+                    </a:solidFill>
+                    <a:latin typeface="Arial" pitchFamily="34" charset="0"/>
+                    <a:ea typeface="Arial" charset="0"/>
+                    <a:cs typeface="Arial" pitchFamily="34" charset="0"/>
+                  </a:defRPr>
+                </a:lvl3pPr>
+                <a:lvl4pPr marL="1076325" indent="-266700" algn="l" rtl="0" eaLnBrk="0" fontAlgn="base" hangingPunct="0">
+                  <a:spcBef>
+                    <a:spcPct val="20000"/>
+                  </a:spcBef>
+                  <a:spcAft>
+                    <a:spcPct val="0"/>
+                  </a:spcAft>
+                  <a:buClr>
+                    <a:srgbClr val="80BA24"/>
+                  </a:buClr>
+                  <a:buSzPct val="80000"/>
+                  <a:buFont typeface="Wingdings" panose="05000000000000000000" pitchFamily="2" charset="2"/>
+                  <a:buChar char="§"/>
+                  <a:defRPr kern="1200">
+                    <a:solidFill>
+                      <a:srgbClr val="4A5C66"/>
+                    </a:solidFill>
+                    <a:latin typeface="Arial" pitchFamily="34" charset="0"/>
+                    <a:ea typeface="Arial" charset="0"/>
+                    <a:cs typeface="Arial" pitchFamily="34" charset="0"/>
+                  </a:defRPr>
+                </a:lvl4pPr>
+                <a:lvl5pPr marL="1343025" indent="-266700" algn="l" rtl="0" eaLnBrk="0" fontAlgn="base" hangingPunct="0">
+                  <a:spcBef>
+                    <a:spcPct val="20000"/>
+                  </a:spcBef>
+                  <a:spcAft>
+                    <a:spcPct val="0"/>
+                  </a:spcAft>
+                  <a:buClr>
+                    <a:srgbClr val="80BA24"/>
+                  </a:buClr>
+                  <a:buSzPct val="80000"/>
+                  <a:buFont typeface="Wingdings" panose="05000000000000000000" pitchFamily="2" charset="2"/>
+                  <a:buChar char="§"/>
+                  <a:defRPr kern="1200">
+                    <a:solidFill>
+                      <a:srgbClr val="4A5C66"/>
+                    </a:solidFill>
+                    <a:latin typeface="Arial" pitchFamily="34" charset="0"/>
+                    <a:ea typeface="Arial" charset="0"/>
+                    <a:cs typeface="Arial" pitchFamily="34" charset="0"/>
+                  </a:defRPr>
+                </a:lvl5pPr>
+                <a:lvl6pPr marL="2514600" indent="-228600" algn="l" defTabSz="914400" rtl="0" eaLnBrk="1" latinLnBrk="0" hangingPunct="1">
+                  <a:spcBef>
+                    <a:spcPct val="20000"/>
+                  </a:spcBef>
+                  <a:buFont typeface="Arial" pitchFamily="34" charset="0"/>
+                  <a:buChar char="•"/>
+                  <a:defRPr sz="2000" kern="1200">
+                    <a:solidFill>
+                      <a:schemeClr val="tx1"/>
+                    </a:solidFill>
+                    <a:latin typeface="+mn-lt"/>
+                    <a:ea typeface="+mn-ea"/>
+                    <a:cs typeface="+mn-cs"/>
+                  </a:defRPr>
+                </a:lvl6pPr>
+                <a:lvl7pPr marL="2971800" indent="-228600" algn="l" defTabSz="914400" rtl="0" eaLnBrk="1" latinLnBrk="0" hangingPunct="1">
+                  <a:spcBef>
+                    <a:spcPct val="20000"/>
+                  </a:spcBef>
+                  <a:buFont typeface="Arial" pitchFamily="34" charset="0"/>
+                  <a:buChar char="•"/>
+                  <a:defRPr sz="2000" kern="1200">
+                    <a:solidFill>
+                      <a:schemeClr val="tx1"/>
+                    </a:solidFill>
+                    <a:latin typeface="+mn-lt"/>
+                    <a:ea typeface="+mn-ea"/>
+                    <a:cs typeface="+mn-cs"/>
+                  </a:defRPr>
+                </a:lvl7pPr>
+                <a:lvl8pPr marL="3429000" indent="-228600" algn="l" defTabSz="914400" rtl="0" eaLnBrk="1" latinLnBrk="0" hangingPunct="1">
+                  <a:spcBef>
+                    <a:spcPct val="20000"/>
+                  </a:spcBef>
+                  <a:buFont typeface="Arial" pitchFamily="34" charset="0"/>
+                  <a:buChar char="•"/>
+                  <a:defRPr sz="2000" kern="1200">
+                    <a:solidFill>
+                      <a:schemeClr val="tx1"/>
+                    </a:solidFill>
+                    <a:latin typeface="+mn-lt"/>
+                    <a:ea typeface="+mn-ea"/>
+                    <a:cs typeface="+mn-cs"/>
+                  </a:defRPr>
+                </a:lvl8pPr>
+                <a:lvl9pPr marL="3886200" indent="-228600" algn="l" defTabSz="914400" rtl="0" eaLnBrk="1" latinLnBrk="0" hangingPunct="1">
+                  <a:spcBef>
+                    <a:spcPct val="20000"/>
+                  </a:spcBef>
+                  <a:buFont typeface="Arial" pitchFamily="34" charset="0"/>
+                  <a:buChar char="•"/>
+                  <a:defRPr sz="2000" kern="1200">
+                    <a:solidFill>
+                      <a:schemeClr val="tx1"/>
+                    </a:solidFill>
+                    <a:latin typeface="+mn-lt"/>
+                    <a:ea typeface="+mn-ea"/>
+                    <a:cs typeface="+mn-cs"/>
+                  </a:defRPr>
+                </a:lvl9pPr>
+              </a:lstStyle>
+              <a:p>
+                <a:r>
+                  <a:rPr lang="de-DE" sz="1800" dirty="0"/>
+                  <a:t>Test, wow es klappt</a:t>
+                </a:r>
+              </a:p>
+              <a:p>
+                <a14:m>
+                  <m:oMath xmlns:m="http://schemas.openxmlformats.org/officeDocument/2006/math">
+                    <m:r>
+                      <a:rPr lang="de-DE" sz="1800" i="1" dirty="0" smtClean="0">
+                        <a:latin typeface="Cambria Math" panose="02040503050406030204" pitchFamily="18" charset="0"/>
+                      </a:rPr>
+                      <m:t>𝑝</m:t>
+                    </m:r>
+                    <m:r>
+                      <a:rPr lang="de-DE" sz="1800" i="1" dirty="0" smtClean="0">
+                        <a:latin typeface="Cambria Math" panose="02040503050406030204" pitchFamily="18" charset="0"/>
+                      </a:rPr>
+                      <m:t>=2</m:t>
+                    </m:r>
+                  </m:oMath>
+                </a14:m>
+                <a:endParaRPr lang="de-DE" sz="1800" dirty="0"/>
+              </a:p>
+            </p:txBody>
+          </p:sp>
+        </mc:Choice>
+        <mc:Fallback>
+          <p:sp>
+            <p:nvSpPr>
+              <p:cNvPr id="396" name="Textplatzhalter 3">
+                <a:extLst>
+                  <a:ext uri="{FF2B5EF4-FFF2-40B4-BE49-F238E27FC236}">
+                    <a16:creationId xmlns:a16="http://schemas.microsoft.com/office/drawing/2014/main" id="{197FB923-CD22-43D6-9B23-250E0B768933}"/>
+                  </a:ext>
+                </a:extLst>
+              </p:cNvPr>
+              <p:cNvSpPr txBox="1">
+                <a:spLocks noRot="1" noChangeAspect="1" noMove="1" noResize="1" noEditPoints="1" noAdjustHandles="1" noChangeArrowheads="1" noChangeShapeType="1" noTextEdit="1"/>
+              </p:cNvSpPr>
+              <p:nvPr/>
+            </p:nvSpPr>
+            <p:spPr bwMode="auto">
+              <a:xfrm>
+                <a:off x="334439" y="1990725"/>
+                <a:ext cx="11487150" cy="4305300"/>
+              </a:xfrm>
+              <a:prstGeom prst="rect">
+                <a:avLst/>
+              </a:prstGeom>
+              <a:blipFill>
+                <a:blip r:embed="rId2"/>
+                <a:stretch>
+                  <a:fillRect l="-425" t="-850"/>
+                </a:stretch>
+              </a:blipFill>
+              <a:ln>
+                <a:noFill/>
+              </a:ln>
+              <a:extLst>
+                <a:ext uri="{909E8E84-426E-40DD-AFC4-6F175D3DCCD1}">
+                  <a14:hiddenFill xmlns:a14="http://schemas.microsoft.com/office/drawing/2010/main">
+                    <a:solidFill>
+                      <a:srgbClr val="FFFFFF"/>
+                    </a:solidFill>
+                  </a14:hiddenFill>
+                </a:ext>
+                <a:ext uri="{91240B29-F687-4F45-9708-019B960494DF}">
+                  <a14:hiddenLine xmlns:a14="http://schemas.microsoft.com/office/drawing/2010/main" w="9525">
+                    <a:solidFill>
+                      <a:srgbClr val="000000"/>
+                    </a:solidFill>
+                    <a:miter lim="800000"/>
+                    <a:headEnd/>
+                    <a:tailEnd/>
+                  </a14:hiddenLine>
+                </a:ext>
+              </a:extLst>
+            </p:spPr>
+            <p:txBody>
+              <a:bodyPr/>
+              <a:lstStyle/>
+              <a:p>
+                <a:r>
+                  <a:rPr lang="de-DE">
+                    <a:noFill/>
+                  </a:rPr>
+                  <a:t> </a:t>
+                </a:r>
+              </a:p>
+            </p:txBody>
+          </p:sp>
+        </mc:Fallback>
+      </mc:AlternateContent>
+      <mc:AlternateContent xmlns:mc="http://schemas.openxmlformats.org/markup-compatibility/2006">
+        <mc:Choice xmlns:a14="http://schemas.microsoft.com/office/drawing/2010/main" Requires="a14">
+          <p:sp>
+            <p:nvSpPr>
+              <p:cNvPr id="3" name="Titel 2">
+                <a:extLst>
+                  <a:ext uri="{FF2B5EF4-FFF2-40B4-BE49-F238E27FC236}">
+                    <a16:creationId xmlns:a16="http://schemas.microsoft.com/office/drawing/2014/main" id="{35997702-CF95-4A86-956F-9AE51732A0BA}"/>
+                  </a:ext>
+                </a:extLst>
+              </p:cNvPr>
+              <p:cNvSpPr>
+                <a:spLocks noGrp="1"/>
+              </p:cNvSpPr>
+              <p:nvPr>
+                <p:ph type="title"/>
+              </p:nvPr>
+            </p:nvSpPr>
+            <p:spPr/>
+            <p:txBody>
+              <a:bodyPr/>
+              <a:lstStyle/>
+              <a:p>
+                <a:r>
+                  <a:rPr lang="de-DE" dirty="0"/>
+                  <a:t>(</a:t>
+                </a:r>
+                <a14:m>
+                  <m:oMath xmlns:m="http://schemas.openxmlformats.org/officeDocument/2006/math">
+                    <m:r>
+                      <a:rPr lang="de-DE" b="1" i="0" smtClean="0">
+                        <a:latin typeface="Cambria Math" panose="02040503050406030204" pitchFamily="18" charset="0"/>
+                      </a:rPr>
+                      <m:t>𝛍</m:t>
+                    </m:r>
+                    <m:r>
+                      <a:rPr lang="de-DE">
+                        <a:latin typeface="Cambria Math" panose="02040503050406030204" pitchFamily="18" charset="0"/>
+                      </a:rPr>
+                      <m:t>/</m:t>
+                    </m:r>
+                    <m:r>
+                      <a:rPr lang="de-DE">
+                        <a:latin typeface="Cambria Math" panose="02040503050406030204" pitchFamily="18" charset="0"/>
+                      </a:rPr>
+                      <m:t>𝐩</m:t>
+                    </m:r>
+                    <m:r>
+                      <a:rPr lang="de-DE">
+                        <a:latin typeface="Cambria Math" panose="02040503050406030204" pitchFamily="18" charset="0"/>
+                      </a:rPr>
+                      <m:t> # </m:t>
+                    </m:r>
+                    <m:r>
+                      <a:rPr lang="de-DE" b="1" i="0" dirty="0" smtClean="0">
+                        <a:latin typeface="Cambria Math" panose="02040503050406030204" pitchFamily="18" charset="0"/>
+                      </a:rPr>
+                      <m:t>𝛔</m:t>
+                    </m:r>
+                  </m:oMath>
+                </a14:m>
+                <a:r>
+                  <a:rPr lang="de-DE" dirty="0"/>
+                  <a:t>)-ES</a:t>
+                </a:r>
+              </a:p>
+            </p:txBody>
+          </p:sp>
+        </mc:Choice>
+        <mc:Fallback>
+          <p:sp>
+            <p:nvSpPr>
+              <p:cNvPr id="3" name="Titel 2">
+                <a:extLst>
+                  <a:ext uri="{FF2B5EF4-FFF2-40B4-BE49-F238E27FC236}">
+                    <a16:creationId xmlns:a16="http://schemas.microsoft.com/office/drawing/2014/main" id="{35997702-CF95-4A86-956F-9AE51732A0BA}"/>
+                  </a:ext>
+                </a:extLst>
+              </p:cNvPr>
+              <p:cNvSpPr>
+                <a:spLocks noGrp="1" noRot="1" noChangeAspect="1" noMove="1" noResize="1" noEditPoints="1" noAdjustHandles="1" noChangeArrowheads="1" noChangeShapeType="1" noTextEdit="1"/>
+              </p:cNvSpPr>
+              <p:nvPr>
+                <p:ph type="title"/>
+              </p:nvPr>
+            </p:nvSpPr>
+            <p:spPr>
+              <a:blipFill>
+                <a:blip r:embed="rId3"/>
+                <a:stretch>
+                  <a:fillRect l="-861" t="-7447" b="-5319"/>
+                </a:stretch>
+              </a:blipFill>
+            </p:spPr>
+            <p:txBody>
+              <a:bodyPr/>
+              <a:lstStyle/>
+              <a:p>
+                <a:r>
+                  <a:rPr lang="de-DE">
+                    <a:noFill/>
+                  </a:rPr>
+                  <a:t> </a:t>
+                </a:r>
+              </a:p>
+            </p:txBody>
+          </p:sp>
+        </mc:Fallback>
+      </mc:AlternateContent>
+      <mc:AlternateContent xmlns:mc="http://schemas.openxmlformats.org/markup-compatibility/2006">
+        <mc:Choice xmlns:a14="http://schemas.microsoft.com/office/drawing/2010/main" Requires="a14">
+          <p:sp>
+            <p:nvSpPr>
+              <p:cNvPr id="4" name="Textplatzhalter 3">
+                <a:extLst>
+                  <a:ext uri="{FF2B5EF4-FFF2-40B4-BE49-F238E27FC236}">
+                    <a16:creationId xmlns:a16="http://schemas.microsoft.com/office/drawing/2014/main" id="{027ACB38-45C8-49B7-B159-284BE2923EA6}"/>
+                  </a:ext>
+                </a:extLst>
+              </p:cNvPr>
+              <p:cNvSpPr>
+                <a:spLocks noGrp="1"/>
+              </p:cNvSpPr>
+              <p:nvPr>
+                <p:ph type="body" sz="quarter" idx="11"/>
+              </p:nvPr>
+            </p:nvSpPr>
+            <p:spPr>
+              <a:xfrm>
+                <a:off x="6973078" y="1991593"/>
+                <a:ext cx="4685528" cy="4305300"/>
+              </a:xfrm>
+            </p:spPr>
+            <p:txBody>
+              <a:bodyPr/>
+              <a:lstStyle/>
+              <a:p>
+                <a:pPr marL="0" indent="0" defTabSz="180000">
+                  <a:buNone/>
+                </a:pPr>
+                <a:r>
+                  <a:rPr lang="de-DE" sz="600" dirty="0">
+                    <a:solidFill>
+                      <a:srgbClr val="0070C0"/>
+                    </a:solidFill>
+                  </a:rPr>
+                  <a:t>algorithm </a:t>
+                </a:r>
+                <a:r>
+                  <a:rPr lang="de-DE" sz="600" dirty="0" err="1">
+                    <a:solidFill>
+                      <a:srgbClr val="0070C0"/>
+                    </a:solidFill>
+                  </a:rPr>
+                  <a:t>gruppenSelektion</a:t>
+                </a:r>
+                <a:r>
+                  <a:rPr lang="de-DE" sz="600" dirty="0">
+                    <a:solidFill>
+                      <a:srgbClr val="0070C0"/>
+                    </a:solidFill>
+                  </a:rPr>
+                  <a:t>(</a:t>
+                </a:r>
+                <a:r>
+                  <a:rPr lang="de-DE" sz="600" dirty="0" err="1">
+                    <a:solidFill>
+                      <a:srgbClr val="0070C0"/>
+                    </a:solidFill>
+                  </a:rPr>
+                  <a:t>population</a:t>
+                </a:r>
+                <a:r>
+                  <a:rPr lang="de-DE" sz="600" dirty="0">
+                    <a:solidFill>
+                      <a:srgbClr val="0070C0"/>
+                    </a:solidFill>
+                  </a:rPr>
+                  <a:t>[1...</a:t>
+                </a:r>
+                <a14:m>
+                  <m:oMath xmlns:m="http://schemas.openxmlformats.org/officeDocument/2006/math">
+                    <m:r>
+                      <a:rPr lang="de-DE" sz="600" b="0" i="1" smtClean="0">
+                        <a:solidFill>
+                          <a:srgbClr val="0070C0"/>
+                        </a:solidFill>
+                        <a:latin typeface="Cambria Math" panose="02040503050406030204" pitchFamily="18" charset="0"/>
+                      </a:rPr>
+                      <m:t>𝜇</m:t>
+                    </m:r>
+                  </m:oMath>
+                </a14:m>
+                <a:r>
+                  <a:rPr lang="de-DE" sz="600" dirty="0">
+                    <a:solidFill>
+                      <a:srgbClr val="0070C0"/>
+                    </a:solidFill>
+                  </a:rPr>
+                  <a:t>], </a:t>
+                </a:r>
+                <a14:m>
+                  <m:oMath xmlns:m="http://schemas.openxmlformats.org/officeDocument/2006/math">
+                    <m:r>
+                      <a:rPr lang="de-DE" sz="600" i="1">
+                        <a:solidFill>
+                          <a:srgbClr val="0070C0"/>
+                        </a:solidFill>
+                        <a:latin typeface="Cambria Math" panose="02040503050406030204" pitchFamily="18" charset="0"/>
+                      </a:rPr>
+                      <m:t>𝜆</m:t>
+                    </m:r>
+                  </m:oMath>
+                </a14:m>
+                <a:r>
+                  <a:rPr lang="de-DE" sz="600" dirty="0">
+                    <a:solidFill>
+                      <a:srgbClr val="0070C0"/>
+                    </a:solidFill>
+                  </a:rPr>
+                  <a:t>, p)</a:t>
+                </a:r>
+              </a:p>
+              <a:p>
+                <a:pPr marL="0" indent="0" defTabSz="180000">
+                  <a:buNone/>
+                </a:pPr>
+                <a:r>
+                  <a:rPr lang="de-DE" sz="600" dirty="0"/>
+                  <a:t>	gruppen &lt;- []</a:t>
+                </a:r>
+              </a:p>
+              <a:p>
+                <a:pPr marL="0" indent="0" defTabSz="180000">
+                  <a:buNone/>
+                </a:pPr>
+                <a:r>
+                  <a:rPr lang="de-DE" sz="600" dirty="0"/>
+                  <a:t>	</a:t>
+                </a:r>
+                <a:r>
+                  <a:rPr lang="de-DE" sz="600" dirty="0" err="1"/>
+                  <a:t>for</a:t>
+                </a:r>
+                <a:r>
+                  <a:rPr lang="de-DE" sz="600" dirty="0"/>
+                  <a:t> i &lt;- 1...</a:t>
+                </a:r>
+                <a:r>
+                  <a:rPr lang="de-DE" sz="600" dirty="0">
+                    <a:solidFill>
+                      <a:srgbClr val="0070C0"/>
+                    </a:solidFill>
+                  </a:rPr>
+                  <a:t> </a:t>
+                </a:r>
+                <a14:m>
+                  <m:oMath xmlns:m="http://schemas.openxmlformats.org/officeDocument/2006/math">
+                    <m:r>
+                      <a:rPr lang="de-DE" sz="600" i="1" smtClean="0">
+                        <a:solidFill>
+                          <a:srgbClr val="4A5C66"/>
+                        </a:solidFill>
+                        <a:latin typeface="Cambria Math" panose="02040503050406030204" pitchFamily="18" charset="0"/>
+                      </a:rPr>
+                      <m:t>𝜆</m:t>
+                    </m:r>
+                  </m:oMath>
+                </a14:m>
+                <a:endParaRPr lang="de-DE" sz="600" dirty="0"/>
+              </a:p>
+              <a:p>
+                <a:pPr marL="0" indent="0" defTabSz="180000">
+                  <a:buNone/>
+                </a:pPr>
+                <a:r>
+                  <a:rPr lang="de-DE" sz="600" dirty="0"/>
+                  <a:t>		gruppe &lt;- []</a:t>
+                </a:r>
+              </a:p>
+              <a:p>
+                <a:pPr marL="0" indent="0" defTabSz="180000">
+                  <a:buNone/>
+                </a:pPr>
+                <a:r>
+                  <a:rPr lang="de-DE" sz="600" dirty="0"/>
+                  <a:t>		</a:t>
+                </a:r>
+                <a:r>
+                  <a:rPr lang="de-DE" sz="600" dirty="0" err="1"/>
+                  <a:t>for</a:t>
+                </a:r>
+                <a:r>
+                  <a:rPr lang="de-DE" sz="600" dirty="0"/>
+                  <a:t> j &lt;- 1...p</a:t>
+                </a:r>
+              </a:p>
+              <a:p>
+                <a:pPr marL="0" indent="0" defTabSz="180000">
+                  <a:buNone/>
+                </a:pPr>
+                <a:r>
+                  <a:rPr lang="de-DE" sz="600" dirty="0"/>
+                  <a:t>			</a:t>
+                </a:r>
+                <a:r>
+                  <a:rPr lang="de-DE" sz="600" dirty="0" err="1"/>
+                  <a:t>idx</a:t>
+                </a:r>
+                <a:r>
+                  <a:rPr lang="de-DE" sz="600" dirty="0"/>
+                  <a:t> &lt;- zufälliges </a:t>
+                </a:r>
+                <a14:m>
+                  <m:oMath xmlns:m="http://schemas.openxmlformats.org/officeDocument/2006/math">
+                    <m:r>
+                      <m:rPr>
+                        <m:sty m:val="p"/>
+                      </m:rPr>
+                      <a:rPr lang="de-DE" sz="600" b="0" i="0" dirty="0" smtClean="0">
+                        <a:latin typeface="Cambria Math" panose="02040503050406030204" pitchFamily="18" charset="0"/>
+                      </a:rPr>
+                      <m:t>x</m:t>
+                    </m:r>
+                    <m:r>
+                      <a:rPr lang="de-DE" sz="600" b="0" i="1" dirty="0" smtClean="0">
+                        <a:latin typeface="Cambria Math" panose="02040503050406030204" pitchFamily="18" charset="0"/>
+                      </a:rPr>
+                      <m:t>∈{</m:t>
+                    </m:r>
+                    <m:r>
+                      <a:rPr lang="de-DE" sz="600" b="0" i="0" dirty="0" smtClean="0">
+                        <a:latin typeface="Cambria Math" panose="02040503050406030204" pitchFamily="18" charset="0"/>
+                      </a:rPr>
+                      <m:t>1,…,</m:t>
+                    </m:r>
+                    <m:r>
+                      <a:rPr lang="de-DE" sz="600" i="1">
+                        <a:latin typeface="Cambria Math" panose="02040503050406030204" pitchFamily="18" charset="0"/>
+                      </a:rPr>
+                      <m:t>𝜇</m:t>
+                    </m:r>
+                    <m:r>
+                      <a:rPr lang="de-DE" sz="600" b="0" i="0" dirty="0" smtClean="0">
+                        <a:latin typeface="Cambria Math" panose="02040503050406030204" pitchFamily="18" charset="0"/>
+                      </a:rPr>
+                      <m:t>}</m:t>
+                    </m:r>
+                  </m:oMath>
+                </a14:m>
+                <a:endParaRPr lang="de-DE" sz="600" dirty="0"/>
+              </a:p>
+              <a:p>
+                <a:pPr marL="0" indent="0" defTabSz="180000">
+                  <a:buNone/>
+                </a:pPr>
+                <a:r>
+                  <a:rPr lang="de-DE" sz="600" dirty="0"/>
+                  <a:t>			individuum &lt;- </a:t>
+                </a:r>
+                <a:r>
+                  <a:rPr lang="de-DE" sz="600" dirty="0" err="1"/>
+                  <a:t>population</a:t>
+                </a:r>
+                <a:r>
+                  <a:rPr lang="de-DE" sz="600" dirty="0"/>
+                  <a:t>[</a:t>
+                </a:r>
+                <a:r>
+                  <a:rPr lang="de-DE" sz="600" dirty="0" err="1"/>
+                  <a:t>idx</a:t>
+                </a:r>
+                <a:r>
+                  <a:rPr lang="de-DE" sz="600" dirty="0"/>
+                  <a:t>]</a:t>
+                </a:r>
+              </a:p>
+              <a:p>
+                <a:pPr marL="0" indent="0" defTabSz="180000">
+                  <a:buNone/>
+                </a:pPr>
+                <a:r>
+                  <a:rPr lang="de-DE" sz="600" dirty="0"/>
+                  <a:t>			gruppe &lt;- gruppe + individuum</a:t>
+                </a:r>
+              </a:p>
+              <a:p>
+                <a:pPr marL="0" indent="0" defTabSz="180000">
+                  <a:buNone/>
+                </a:pPr>
+                <a:r>
+                  <a:rPr lang="de-DE" sz="600" dirty="0"/>
+                  <a:t>		gruppen &lt;- gruppen + gruppe</a:t>
+                </a:r>
+              </a:p>
+              <a:p>
+                <a:pPr marL="0" indent="0" defTabSz="180000">
+                  <a:buNone/>
+                </a:pPr>
+                <a:r>
+                  <a:rPr lang="de-DE" sz="600" dirty="0"/>
+                  <a:t>	</a:t>
+                </a:r>
+                <a:r>
+                  <a:rPr lang="de-DE" sz="600" dirty="0" err="1"/>
+                  <a:t>return</a:t>
+                </a:r>
+                <a:r>
+                  <a:rPr lang="de-DE" sz="600" dirty="0"/>
+                  <a:t> gruppen</a:t>
+                </a:r>
+              </a:p>
+              <a:p>
+                <a:pPr marL="0" indent="0" defTabSz="180000">
+                  <a:buNone/>
+                </a:pPr>
+                <a:endParaRPr lang="de-DE" sz="600" dirty="0"/>
+              </a:p>
+              <a:p>
+                <a:pPr marL="0" indent="0" defTabSz="180000">
+                  <a:buNone/>
+                </a:pPr>
+                <a:r>
+                  <a:rPr lang="de-DE" sz="600" dirty="0" err="1">
+                    <a:solidFill>
+                      <a:srgbClr val="0070C0"/>
+                    </a:solidFill>
+                  </a:rPr>
+                  <a:t>algorithm</a:t>
+                </a:r>
+                <a:r>
+                  <a:rPr lang="de-DE" sz="600" dirty="0">
+                    <a:solidFill>
+                      <a:srgbClr val="0070C0"/>
+                    </a:solidFill>
+                  </a:rPr>
+                  <a:t> </a:t>
+                </a:r>
+                <a:r>
+                  <a:rPr lang="de-DE" sz="600" dirty="0" err="1">
+                    <a:solidFill>
+                      <a:srgbClr val="0070C0"/>
+                    </a:solidFill>
+                  </a:rPr>
+                  <a:t>rekombination</a:t>
+                </a:r>
+                <a:r>
+                  <a:rPr lang="de-DE" sz="600" dirty="0">
+                    <a:solidFill>
+                      <a:srgbClr val="0070C0"/>
+                    </a:solidFill>
+                  </a:rPr>
+                  <a:t>(gruppen[1,...,</a:t>
+                </a:r>
+                <a14:m>
+                  <m:oMath xmlns:m="http://schemas.openxmlformats.org/officeDocument/2006/math">
+                    <m:r>
+                      <a:rPr lang="de-DE" sz="600" b="0" i="1" smtClean="0">
+                        <a:solidFill>
+                          <a:srgbClr val="0070C0"/>
+                        </a:solidFill>
+                        <a:latin typeface="Cambria Math" panose="02040503050406030204" pitchFamily="18" charset="0"/>
+                      </a:rPr>
+                      <m:t>𝜆</m:t>
+                    </m:r>
+                  </m:oMath>
+                </a14:m>
+                <a:r>
+                  <a:rPr lang="de-DE" sz="600" dirty="0">
+                    <a:solidFill>
+                      <a:srgbClr val="0070C0"/>
+                    </a:solidFill>
+                  </a:rPr>
+                  <a:t>], p, n)</a:t>
+                </a:r>
+              </a:p>
+              <a:p>
+                <a:pPr marL="0" indent="0" defTabSz="180000">
+                  <a:buNone/>
+                </a:pPr>
+                <a:r>
+                  <a:rPr lang="de-DE" sz="600" dirty="0"/>
+                  <a:t>	individuen &lt;- []</a:t>
+                </a:r>
+              </a:p>
+              <a:p>
+                <a:pPr marL="0" indent="0" defTabSz="180000">
+                  <a:buNone/>
+                </a:pPr>
+                <a:r>
+                  <a:rPr lang="de-DE" sz="600" dirty="0"/>
+                  <a:t>	</a:t>
+                </a:r>
+                <a:r>
+                  <a:rPr lang="de-DE" sz="600" dirty="0" err="1"/>
+                  <a:t>for</a:t>
+                </a:r>
+                <a:r>
+                  <a:rPr lang="de-DE" sz="600" dirty="0"/>
+                  <a:t> i &lt;- 1...</a:t>
+                </a:r>
+                <a14:m>
+                  <m:oMath xmlns:m="http://schemas.openxmlformats.org/officeDocument/2006/math">
+                    <m:r>
+                      <a:rPr lang="de-DE" sz="600" b="0" i="1" smtClean="0">
+                        <a:solidFill>
+                          <a:srgbClr val="4A5C66"/>
+                        </a:solidFill>
+                        <a:latin typeface="Cambria Math" panose="02040503050406030204" pitchFamily="18" charset="0"/>
+                      </a:rPr>
+                      <m:t>𝜆</m:t>
+                    </m:r>
+                  </m:oMath>
+                </a14:m>
+                <a:endParaRPr lang="de-DE" sz="600" dirty="0"/>
+              </a:p>
+              <a:p>
+                <a:pPr marL="0" indent="0" defTabSz="180000">
+                  <a:buNone/>
+                </a:pPr>
+                <a:r>
+                  <a:rPr lang="de-DE" sz="600" dirty="0"/>
+                  <a:t>		individuum &lt;- []</a:t>
+                </a:r>
+              </a:p>
+              <a:p>
+                <a:pPr marL="0" indent="0" defTabSz="180000">
+                  <a:buNone/>
+                </a:pPr>
+                <a:r>
+                  <a:rPr lang="de-DE" sz="600" dirty="0"/>
+                  <a:t>		</a:t>
+                </a:r>
+                <a:r>
+                  <a:rPr lang="de-DE" sz="600" dirty="0" err="1"/>
+                  <a:t>gruppenindividuen</a:t>
+                </a:r>
+                <a:r>
+                  <a:rPr lang="de-DE" sz="600" dirty="0"/>
+                  <a:t> &lt;- gruppen[i]</a:t>
+                </a:r>
+              </a:p>
+              <a:p>
+                <a:pPr marL="0" indent="0" defTabSz="180000">
+                  <a:buNone/>
+                </a:pPr>
+                <a:r>
+                  <a:rPr lang="de-DE" sz="600" dirty="0"/>
+                  <a:t>		</a:t>
+                </a:r>
+                <a:r>
+                  <a:rPr lang="de-DE" sz="600" dirty="0" err="1"/>
+                  <a:t>for</a:t>
+                </a:r>
+                <a:r>
+                  <a:rPr lang="de-DE" sz="600" dirty="0"/>
+                  <a:t> j &lt;- 1...n</a:t>
+                </a:r>
+              </a:p>
+              <a:p>
+                <a:pPr marL="0" indent="0" defTabSz="180000">
+                  <a:buNone/>
+                </a:pPr>
+                <a:r>
+                  <a:rPr lang="de-DE" sz="600" dirty="0"/>
+                  <a:t>			</a:t>
+                </a:r>
+                <a:r>
+                  <a:rPr lang="de-DE" sz="600" dirty="0" err="1"/>
+                  <a:t>idx</a:t>
+                </a:r>
+                <a:r>
+                  <a:rPr lang="de-DE" sz="600" dirty="0"/>
+                  <a:t> &lt;- zufälliges </a:t>
+                </a:r>
+                <a14:m>
+                  <m:oMath xmlns:m="http://schemas.openxmlformats.org/officeDocument/2006/math">
+                    <m:r>
+                      <m:rPr>
+                        <m:sty m:val="p"/>
+                      </m:rPr>
+                      <a:rPr lang="de-DE" sz="600" b="0" i="0" dirty="0" smtClean="0">
+                        <a:latin typeface="Cambria Math" panose="02040503050406030204" pitchFamily="18" charset="0"/>
+                      </a:rPr>
+                      <m:t>x</m:t>
+                    </m:r>
+                    <m:r>
+                      <a:rPr lang="de-DE" sz="600" b="0" i="1" dirty="0" smtClean="0">
+                        <a:latin typeface="Cambria Math" panose="02040503050406030204" pitchFamily="18" charset="0"/>
+                      </a:rPr>
+                      <m:t>∈{</m:t>
+                    </m:r>
+                    <m:r>
+                      <a:rPr lang="de-DE" sz="600" b="0" i="0" dirty="0" smtClean="0">
+                        <a:latin typeface="Cambria Math" panose="02040503050406030204" pitchFamily="18" charset="0"/>
+                      </a:rPr>
+                      <m:t>1,…,</m:t>
+                    </m:r>
+                    <m:r>
+                      <m:rPr>
+                        <m:sty m:val="p"/>
+                      </m:rPr>
+                      <a:rPr lang="de-DE" sz="600" b="0" i="0" dirty="0" smtClean="0">
+                        <a:latin typeface="Cambria Math" panose="02040503050406030204" pitchFamily="18" charset="0"/>
+                      </a:rPr>
+                      <m:t>p</m:t>
+                    </m:r>
+                    <m:r>
+                      <a:rPr lang="de-DE" sz="600" b="0" i="0" dirty="0" smtClean="0">
+                        <a:latin typeface="Cambria Math" panose="02040503050406030204" pitchFamily="18" charset="0"/>
+                      </a:rPr>
+                      <m:t>}</m:t>
+                    </m:r>
+                  </m:oMath>
+                </a14:m>
+                <a:endParaRPr lang="de-DE" sz="600" dirty="0"/>
+              </a:p>
+              <a:p>
+                <a:pPr marL="0" indent="0" defTabSz="180000">
+                  <a:buNone/>
+                </a:pPr>
+                <a:r>
+                  <a:rPr lang="de-DE" sz="600" dirty="0"/>
+                  <a:t>			</a:t>
+                </a:r>
+                <a:r>
+                  <a:rPr lang="de-DE" sz="600" dirty="0" err="1"/>
+                  <a:t>gruppenindividuum</a:t>
+                </a:r>
+                <a:r>
+                  <a:rPr lang="de-DE" sz="600" dirty="0"/>
+                  <a:t> &lt;- </a:t>
+                </a:r>
+                <a:r>
+                  <a:rPr lang="de-DE" sz="600" dirty="0" err="1"/>
+                  <a:t>gruppenindividuen</a:t>
+                </a:r>
+                <a:r>
+                  <a:rPr lang="de-DE" sz="600" dirty="0"/>
+                  <a:t>[</a:t>
+                </a:r>
+                <a:r>
+                  <a:rPr lang="de-DE" sz="600" dirty="0" err="1"/>
+                  <a:t>idx</a:t>
+                </a:r>
+                <a:r>
+                  <a:rPr lang="de-DE" sz="600" dirty="0"/>
+                  <a:t>]</a:t>
+                </a:r>
+              </a:p>
+              <a:p>
+                <a:pPr marL="0" indent="0" defTabSz="180000">
+                  <a:buNone/>
+                </a:pPr>
+                <a:r>
+                  <a:rPr lang="de-DE" sz="600" dirty="0"/>
+                  <a:t>			individuum &lt;- individuum + </a:t>
+                </a:r>
+                <a:r>
+                  <a:rPr lang="de-DE" sz="600" dirty="0" err="1"/>
+                  <a:t>gruppenindividuum</a:t>
+                </a:r>
+                <a:r>
+                  <a:rPr lang="de-DE" sz="600" dirty="0"/>
+                  <a:t>[j]</a:t>
+                </a:r>
+              </a:p>
+              <a:p>
+                <a:pPr marL="0" indent="0" defTabSz="180000">
+                  <a:buNone/>
+                </a:pPr>
+                <a:r>
+                  <a:rPr lang="de-DE" sz="600" dirty="0"/>
+                  <a:t>		individuen &lt;- individuen + </a:t>
+                </a:r>
+                <a:r>
+                  <a:rPr lang="de-DE" sz="600" dirty="0" err="1"/>
+                  <a:t>bestenSelektion</a:t>
+                </a:r>
+                <a:r>
+                  <a:rPr lang="de-DE" sz="600" dirty="0"/>
+                  <a:t>(</a:t>
+                </a:r>
+                <a:r>
+                  <a:rPr lang="de-DE" sz="600" dirty="0" err="1"/>
+                  <a:t>gruppenindividuen</a:t>
+                </a:r>
+                <a:r>
+                  <a:rPr lang="de-DE" sz="600" dirty="0"/>
+                  <a:t>)</a:t>
+                </a:r>
+              </a:p>
+              <a:p>
+                <a:pPr marL="0" indent="0" defTabSz="180000">
+                  <a:buNone/>
+                </a:pPr>
+                <a:r>
+                  <a:rPr lang="de-DE" sz="600" dirty="0"/>
+                  <a:t>	</a:t>
+                </a:r>
+                <a:r>
+                  <a:rPr lang="de-DE" sz="600" dirty="0" err="1"/>
+                  <a:t>return</a:t>
+                </a:r>
+                <a:r>
+                  <a:rPr lang="de-DE" sz="600" dirty="0"/>
+                  <a:t> individuen</a:t>
+                </a:r>
+              </a:p>
+              <a:p>
+                <a:pPr marL="0" indent="0" defTabSz="180000">
+                  <a:buNone/>
+                </a:pPr>
+                <a:endParaRPr lang="de-DE" sz="600" dirty="0">
+                  <a:solidFill>
+                    <a:srgbClr val="00B050"/>
+                  </a:solidFill>
+                </a:endParaRPr>
+              </a:p>
+              <a:p>
+                <a:pPr marL="0" indent="0" defTabSz="180000">
+                  <a:buNone/>
+                </a:pPr>
+                <a:r>
+                  <a:rPr lang="de-DE" sz="600" dirty="0" err="1">
+                    <a:solidFill>
+                      <a:srgbClr val="00B050"/>
+                    </a:solidFill>
+                  </a:rPr>
+                  <a:t>algorithm</a:t>
+                </a:r>
+                <a:r>
+                  <a:rPr lang="de-DE" sz="600" dirty="0">
+                    <a:solidFill>
+                      <a:srgbClr val="00B050"/>
+                    </a:solidFill>
+                  </a:rPr>
+                  <a:t> (</a:t>
+                </a:r>
+                <a14:m>
+                  <m:oMath xmlns:m="http://schemas.openxmlformats.org/officeDocument/2006/math">
+                    <m:r>
+                      <a:rPr lang="de-DE" sz="600" i="1">
+                        <a:solidFill>
+                          <a:srgbClr val="00B050"/>
+                        </a:solidFill>
+                        <a:latin typeface="Cambria Math" panose="02040503050406030204" pitchFamily="18" charset="0"/>
+                      </a:rPr>
+                      <m:t>𝜇</m:t>
+                    </m:r>
+                    <m:r>
+                      <a:rPr lang="de-DE" sz="600" i="1">
+                        <a:solidFill>
+                          <a:srgbClr val="00B050"/>
+                        </a:solidFill>
+                        <a:latin typeface="Cambria Math" panose="02040503050406030204" pitchFamily="18" charset="0"/>
+                      </a:rPr>
+                      <m:t>/</m:t>
+                    </m:r>
+                    <m:r>
+                      <a:rPr lang="de-DE" sz="600" i="1">
+                        <a:solidFill>
+                          <a:srgbClr val="00B050"/>
+                        </a:solidFill>
+                        <a:latin typeface="Cambria Math" panose="02040503050406030204" pitchFamily="18" charset="0"/>
+                      </a:rPr>
+                      <m:t>𝑝</m:t>
+                    </m:r>
+                    <m:r>
+                      <a:rPr lang="de-DE" sz="600" i="1">
+                        <a:solidFill>
+                          <a:srgbClr val="00B050"/>
+                        </a:solidFill>
+                        <a:latin typeface="Cambria Math" panose="02040503050406030204" pitchFamily="18" charset="0"/>
+                      </a:rPr>
+                      <m:t> # </m:t>
+                    </m:r>
+                    <m:r>
+                      <a:rPr lang="de-DE" sz="600" i="1">
+                        <a:solidFill>
+                          <a:srgbClr val="00B050"/>
+                        </a:solidFill>
+                        <a:latin typeface="Cambria Math" panose="02040503050406030204" pitchFamily="18" charset="0"/>
+                      </a:rPr>
+                      <m:t>𝜎</m:t>
+                    </m:r>
+                  </m:oMath>
+                </a14:m>
+                <a:r>
+                  <a:rPr lang="de-DE" sz="600" dirty="0">
+                    <a:solidFill>
+                      <a:srgbClr val="00B050"/>
+                    </a:solidFill>
+                  </a:rPr>
+                  <a:t>)-ES()</a:t>
+                </a:r>
+              </a:p>
+              <a:p>
+                <a:pPr marL="0" indent="0" defTabSz="180000">
+                  <a:buNone/>
+                </a:pPr>
+                <a:r>
+                  <a:rPr lang="de-DE" sz="600" dirty="0"/>
+                  <a:t>	</a:t>
+                </a:r>
+                <a:r>
+                  <a:rPr lang="de-DE" sz="600" dirty="0">
+                    <a:solidFill>
+                      <a:srgbClr val="4A5C66"/>
+                    </a:solidFill>
+                  </a:rPr>
+                  <a:t>iterationsLimit &lt;- </a:t>
+                </a:r>
+                <a14:m>
+                  <m:oMath xmlns:m="http://schemas.openxmlformats.org/officeDocument/2006/math">
+                    <m:r>
+                      <a:rPr lang="de-DE" sz="600" b="0" i="1" smtClean="0">
+                        <a:solidFill>
+                          <a:srgbClr val="4A5C66"/>
+                        </a:solidFill>
+                        <a:latin typeface="Cambria Math" panose="02040503050406030204" pitchFamily="18" charset="0"/>
+                      </a:rPr>
+                      <m:t>𝑥</m:t>
+                    </m:r>
+                    <m:r>
+                      <a:rPr lang="de-DE" sz="600" b="0" i="1" smtClean="0">
+                        <a:solidFill>
+                          <a:srgbClr val="4A5C66"/>
+                        </a:solidFill>
+                        <a:latin typeface="Cambria Math" panose="02040503050406030204" pitchFamily="18" charset="0"/>
+                      </a:rPr>
+                      <m:t>∈</m:t>
+                    </m:r>
+                    <m:r>
+                      <a:rPr lang="de-DE" sz="600" dirty="0" smtClean="0">
+                        <a:solidFill>
+                          <a:srgbClr val="4A5C66"/>
+                        </a:solidFill>
+                        <a:latin typeface="Cambria Math" panose="02040503050406030204" pitchFamily="18" charset="0"/>
+                      </a:rPr>
+                      <m:t>ℕ</m:t>
+                    </m:r>
+                  </m:oMath>
+                </a14:m>
+                <a:endParaRPr lang="de-DE" sz="600" dirty="0">
+                  <a:solidFill>
+                    <a:srgbClr val="4A5C66"/>
+                  </a:solidFill>
+                </a:endParaRPr>
+              </a:p>
+              <a:p>
+                <a:pPr marL="0" indent="0" defTabSz="180000">
+                  <a:buNone/>
+                </a:pPr>
+                <a:r>
+                  <a:rPr lang="de-DE" sz="600" dirty="0">
+                    <a:solidFill>
+                      <a:srgbClr val="4A5C66"/>
+                    </a:solidFill>
+                  </a:rPr>
+                  <a:t>	</a:t>
+                </a:r>
+                <a:r>
+                  <a:rPr lang="de-DE" sz="600" dirty="0" err="1">
+                    <a:solidFill>
+                      <a:srgbClr val="4A5C66"/>
+                    </a:solidFill>
+                  </a:rPr>
+                  <a:t>generationszaehler</a:t>
+                </a:r>
+                <a:r>
+                  <a:rPr lang="de-DE" sz="600" dirty="0">
+                    <a:solidFill>
+                      <a:srgbClr val="4A5C66"/>
+                    </a:solidFill>
+                  </a:rPr>
+                  <a:t> &lt;- 0</a:t>
+                </a:r>
+              </a:p>
+              <a:p>
+                <a:pPr marL="0" indent="0" defTabSz="180000">
+                  <a:buNone/>
+                </a:pPr>
+                <a:r>
+                  <a:rPr lang="de-DE" sz="600" dirty="0">
+                    <a:solidFill>
+                      <a:srgbClr val="4A5C66"/>
+                    </a:solidFill>
+                  </a:rPr>
+                  <a:t>	</a:t>
+                </a:r>
+                <a:r>
+                  <a:rPr lang="de-DE" sz="600" dirty="0" err="1">
+                    <a:solidFill>
+                      <a:srgbClr val="4A5C66"/>
+                    </a:solidFill>
+                  </a:rPr>
+                  <a:t>anzahl_eltern</a:t>
+                </a:r>
+                <a:r>
+                  <a:rPr lang="de-DE" sz="600" dirty="0">
+                    <a:solidFill>
+                      <a:srgbClr val="4A5C66"/>
+                    </a:solidFill>
+                  </a:rPr>
+                  <a:t> &lt;- </a:t>
+                </a:r>
+                <a14:m>
+                  <m:oMath xmlns:m="http://schemas.openxmlformats.org/officeDocument/2006/math">
+                    <m:r>
+                      <a:rPr lang="de-DE" sz="600" b="0" i="1" smtClean="0">
+                        <a:solidFill>
+                          <a:srgbClr val="4A5C66"/>
+                        </a:solidFill>
+                        <a:latin typeface="Cambria Math" panose="02040503050406030204" pitchFamily="18" charset="0"/>
+                      </a:rPr>
+                      <m:t>𝜇</m:t>
+                    </m:r>
+                    <m:r>
+                      <a:rPr lang="de-DE" sz="600" b="0" i="1" smtClean="0">
+                        <a:solidFill>
+                          <a:srgbClr val="4A5C66"/>
+                        </a:solidFill>
+                        <a:latin typeface="Cambria Math" panose="02040503050406030204" pitchFamily="18" charset="0"/>
+                      </a:rPr>
+                      <m:t>≥1</m:t>
+                    </m:r>
+                  </m:oMath>
+                </a14:m>
+                <a:endParaRPr lang="de-DE" sz="600" dirty="0">
+                  <a:solidFill>
+                    <a:srgbClr val="4A5C66"/>
+                  </a:solidFill>
+                </a:endParaRPr>
+              </a:p>
+              <a:p>
+                <a:pPr marL="0" indent="0" defTabSz="180000">
+                  <a:buNone/>
+                </a:pPr>
+                <a:r>
+                  <a:rPr lang="de-DE" sz="600" dirty="0">
+                    <a:solidFill>
+                      <a:srgbClr val="4A5C66"/>
+                    </a:solidFill>
+                  </a:rPr>
+                  <a:t>	</a:t>
+                </a:r>
+                <a:r>
+                  <a:rPr lang="de-DE" sz="600" dirty="0" err="1">
+                    <a:solidFill>
+                      <a:srgbClr val="4A5C66"/>
+                    </a:solidFill>
+                  </a:rPr>
+                  <a:t>anzahl_kinder</a:t>
+                </a:r>
+                <a:r>
+                  <a:rPr lang="de-DE" sz="600" dirty="0">
+                    <a:solidFill>
+                      <a:srgbClr val="4A5C66"/>
+                    </a:solidFill>
+                  </a:rPr>
+                  <a:t> &lt;- </a:t>
+                </a:r>
+                <a14:m>
+                  <m:oMath xmlns:m="http://schemas.openxmlformats.org/officeDocument/2006/math">
+                    <m:r>
+                      <a:rPr lang="de-DE" sz="600" b="0" i="1" smtClean="0">
+                        <a:solidFill>
+                          <a:srgbClr val="4A5C66"/>
+                        </a:solidFill>
+                        <a:latin typeface="Cambria Math" panose="02040503050406030204" pitchFamily="18" charset="0"/>
+                      </a:rPr>
+                      <m:t>𝜆</m:t>
+                    </m:r>
+                    <m:r>
+                      <a:rPr lang="de-DE" sz="600" b="0" i="1" smtClean="0">
+                        <a:solidFill>
+                          <a:srgbClr val="4A5C66"/>
+                        </a:solidFill>
+                        <a:latin typeface="Cambria Math" panose="02040503050406030204" pitchFamily="18" charset="0"/>
+                      </a:rPr>
+                      <m:t>≥</m:t>
+                    </m:r>
+                  </m:oMath>
+                </a14:m>
+                <a:r>
+                  <a:rPr lang="de-DE" sz="600" dirty="0">
+                    <a:solidFill>
+                      <a:srgbClr val="4A5C66"/>
+                    </a:solidFill>
+                  </a:rPr>
+                  <a:t> </a:t>
+                </a:r>
+                <a:r>
+                  <a:rPr lang="de-DE" sz="600" dirty="0" err="1">
+                    <a:solidFill>
+                      <a:srgbClr val="4A5C66"/>
+                    </a:solidFill>
+                  </a:rPr>
+                  <a:t>anzahl_eltern</a:t>
+                </a:r>
+                <a:endParaRPr lang="de-DE" sz="600" dirty="0">
+                  <a:solidFill>
+                    <a:srgbClr val="4A5C66"/>
+                  </a:solidFill>
+                </a:endParaRPr>
+              </a:p>
+              <a:p>
+                <a:pPr marL="0" indent="0" defTabSz="180000">
+                  <a:buNone/>
+                </a:pPr>
+                <a:r>
+                  <a:rPr lang="de-DE" sz="600" dirty="0">
+                    <a:solidFill>
+                      <a:srgbClr val="4A5C66"/>
+                    </a:solidFill>
+                  </a:rPr>
+                  <a:t>	</a:t>
+                </a:r>
+                <a:r>
+                  <a:rPr lang="de-DE" sz="600" dirty="0" err="1">
+                    <a:solidFill>
+                      <a:srgbClr val="4A5C66"/>
+                    </a:solidFill>
+                  </a:rPr>
+                  <a:t>wunschqualitaet</a:t>
+                </a:r>
+                <a:r>
+                  <a:rPr lang="de-DE" sz="600" dirty="0">
+                    <a:solidFill>
+                      <a:srgbClr val="4A5C66"/>
+                    </a:solidFill>
+                  </a:rPr>
+                  <a:t> &lt;- </a:t>
+                </a:r>
+                <a14:m>
+                  <m:oMath xmlns:m="http://schemas.openxmlformats.org/officeDocument/2006/math">
+                    <m:r>
+                      <a:rPr lang="de-DE" sz="600" b="0" i="1" smtClean="0">
+                        <a:solidFill>
+                          <a:srgbClr val="4A5C66"/>
+                        </a:solidFill>
+                        <a:latin typeface="Cambria Math" panose="02040503050406030204" pitchFamily="18" charset="0"/>
+                      </a:rPr>
+                      <m:t>𝑦</m:t>
+                    </m:r>
+                    <m:r>
+                      <a:rPr lang="de-DE" sz="600" b="0" i="1" smtClean="0">
+                        <a:solidFill>
+                          <a:srgbClr val="4A5C66"/>
+                        </a:solidFill>
+                        <a:latin typeface="Cambria Math" panose="02040503050406030204" pitchFamily="18" charset="0"/>
+                      </a:rPr>
+                      <m:t>∈</m:t>
+                    </m:r>
+                    <m:r>
+                      <a:rPr lang="de-DE" sz="600" dirty="0" smtClean="0">
+                        <a:solidFill>
+                          <a:srgbClr val="4A5C66"/>
+                        </a:solidFill>
+                        <a:latin typeface="Cambria Math" panose="02040503050406030204" pitchFamily="18" charset="0"/>
+                      </a:rPr>
+                      <m:t>ℝ</m:t>
+                    </m:r>
+                  </m:oMath>
+                </a14:m>
+                <a:endParaRPr lang="de-DE" sz="600" dirty="0">
+                  <a:solidFill>
+                    <a:srgbClr val="4A5C66"/>
+                  </a:solidFill>
+                </a:endParaRPr>
+              </a:p>
+              <a:p>
+                <a:pPr marL="0" indent="0" defTabSz="180000">
+                  <a:buNone/>
+                </a:pPr>
+                <a:r>
+                  <a:rPr lang="de-DE" sz="600" dirty="0">
+                    <a:solidFill>
+                      <a:srgbClr val="4A5C66"/>
+                    </a:solidFill>
+                  </a:rPr>
+                  <a:t>	</a:t>
+                </a:r>
+                <a:r>
+                  <a:rPr lang="de-DE" sz="600" dirty="0" err="1">
+                    <a:solidFill>
+                      <a:srgbClr val="4A5C66"/>
+                    </a:solidFill>
+                  </a:rPr>
+                  <a:t>individuengroesse</a:t>
+                </a:r>
+                <a:r>
+                  <a:rPr lang="de-DE" sz="600" dirty="0">
+                    <a:solidFill>
+                      <a:srgbClr val="4A5C66"/>
+                    </a:solidFill>
+                  </a:rPr>
+                  <a:t> &lt;-</a:t>
+                </a:r>
+                <a14:m>
+                  <m:oMath xmlns:m="http://schemas.openxmlformats.org/officeDocument/2006/math">
+                    <m:r>
+                      <a:rPr lang="de-DE" sz="600" b="0" i="0" smtClean="0">
+                        <a:solidFill>
+                          <a:srgbClr val="4A5C66"/>
+                        </a:solidFill>
+                        <a:latin typeface="Cambria Math" panose="02040503050406030204" pitchFamily="18" charset="0"/>
+                      </a:rPr>
+                      <m:t> </m:t>
+                    </m:r>
+                    <m:r>
+                      <a:rPr lang="de-DE" sz="600" b="0" i="1" smtClean="0">
+                        <a:solidFill>
+                          <a:srgbClr val="4A5C66"/>
+                        </a:solidFill>
+                        <a:latin typeface="Cambria Math" panose="02040503050406030204" pitchFamily="18" charset="0"/>
+                      </a:rPr>
+                      <m:t>𝑛</m:t>
+                    </m:r>
+                    <m:r>
+                      <a:rPr lang="de-DE" sz="600" i="1">
+                        <a:solidFill>
+                          <a:srgbClr val="4A5C66"/>
+                        </a:solidFill>
+                        <a:latin typeface="Cambria Math" panose="02040503050406030204" pitchFamily="18" charset="0"/>
+                      </a:rPr>
+                      <m:t>∈</m:t>
+                    </m:r>
+                    <m:r>
+                      <a:rPr lang="de-DE" sz="600" dirty="0">
+                        <a:solidFill>
+                          <a:srgbClr val="4A5C66"/>
+                        </a:solidFill>
+                        <a:latin typeface="Cambria Math" panose="02040503050406030204" pitchFamily="18" charset="0"/>
+                      </a:rPr>
+                      <m:t>ℕ</m:t>
+                    </m:r>
+                  </m:oMath>
+                </a14:m>
+                <a:endParaRPr lang="de-DE" sz="600" dirty="0">
+                  <a:solidFill>
+                    <a:srgbClr val="4A5C66"/>
+                  </a:solidFill>
+                </a:endParaRPr>
+              </a:p>
+              <a:p>
+                <a:pPr marL="0" indent="0" defTabSz="180000">
+                  <a:buNone/>
+                </a:pPr>
+                <a:r>
+                  <a:rPr lang="de-DE" sz="600" dirty="0">
+                    <a:solidFill>
+                      <a:srgbClr val="4A5C66"/>
+                    </a:solidFill>
+                  </a:rPr>
+                  <a:t>	</a:t>
+                </a:r>
+                <a:r>
+                  <a:rPr lang="de-DE" sz="600" dirty="0" err="1">
+                    <a:solidFill>
+                      <a:srgbClr val="4A5C66"/>
+                    </a:solidFill>
+                  </a:rPr>
+                  <a:t>population</a:t>
+                </a:r>
+                <a:r>
+                  <a:rPr lang="de-DE" sz="600" dirty="0">
+                    <a:solidFill>
+                      <a:srgbClr val="4A5C66"/>
+                    </a:solidFill>
+                  </a:rPr>
+                  <a:t> &lt;- </a:t>
+                </a:r>
+                <a:r>
+                  <a:rPr lang="de-DE" sz="600" dirty="0" err="1">
+                    <a:solidFill>
+                      <a:srgbClr val="4A5C66"/>
+                    </a:solidFill>
+                  </a:rPr>
+                  <a:t>baue_population</a:t>
+                </a:r>
+                <a:r>
+                  <a:rPr lang="de-DE" sz="600" dirty="0">
+                    <a:solidFill>
+                      <a:srgbClr val="4A5C66"/>
+                    </a:solidFill>
+                  </a:rPr>
+                  <a:t>(</a:t>
+                </a:r>
+                <a14:m>
+                  <m:oMath xmlns:m="http://schemas.openxmlformats.org/officeDocument/2006/math">
+                    <m:r>
+                      <a:rPr lang="de-DE" sz="600" b="0" i="1" smtClean="0">
+                        <a:solidFill>
+                          <a:srgbClr val="4A5C66"/>
+                        </a:solidFill>
+                        <a:latin typeface="Cambria Math" panose="02040503050406030204" pitchFamily="18" charset="0"/>
+                      </a:rPr>
+                      <m:t>𝜇</m:t>
+                    </m:r>
+                  </m:oMath>
+                </a14:m>
+                <a:r>
+                  <a:rPr lang="de-DE" sz="600" dirty="0">
+                    <a:solidFill>
+                      <a:srgbClr val="4A5C66"/>
+                    </a:solidFill>
+                  </a:rPr>
+                  <a:t>, </a:t>
+                </a:r>
+                <a:r>
+                  <a:rPr lang="de-DE" sz="600" dirty="0" err="1">
+                    <a:solidFill>
+                      <a:srgbClr val="4A5C66"/>
+                    </a:solidFill>
+                  </a:rPr>
+                  <a:t>individuengroesse</a:t>
+                </a:r>
+                <a:r>
+                  <a:rPr lang="de-DE" sz="600" dirty="0">
+                    <a:solidFill>
+                      <a:srgbClr val="4A5C66"/>
+                    </a:solidFill>
+                  </a:rPr>
+                  <a:t>)</a:t>
+                </a:r>
+              </a:p>
+              <a:p>
+                <a:pPr marL="0" indent="0" defTabSz="180000">
+                  <a:buNone/>
+                </a:pPr>
+                <a:r>
+                  <a:rPr lang="de-DE" sz="600" dirty="0"/>
+                  <a:t>	</a:t>
+                </a:r>
+                <a:r>
+                  <a:rPr lang="de-DE" sz="600" dirty="0" err="1"/>
+                  <a:t>gruppengroesse</a:t>
+                </a:r>
+                <a:r>
+                  <a:rPr lang="de-DE" sz="600" dirty="0"/>
+                  <a:t> &lt;- </a:t>
+                </a:r>
+                <a14:m>
+                  <m:oMath xmlns:m="http://schemas.openxmlformats.org/officeDocument/2006/math">
+                    <m:r>
+                      <a:rPr lang="de-DE" sz="600" b="0" i="1" smtClean="0">
+                        <a:latin typeface="Cambria Math" panose="02040503050406030204" pitchFamily="18" charset="0"/>
+                      </a:rPr>
+                      <m:t>𝑝</m:t>
+                    </m:r>
+                    <m:r>
+                      <a:rPr lang="de-DE" sz="600" b="0" i="1" smtClean="0">
+                        <a:latin typeface="Cambria Math" panose="02040503050406030204" pitchFamily="18" charset="0"/>
+                      </a:rPr>
+                      <m:t>=2</m:t>
+                    </m:r>
+                  </m:oMath>
+                </a14:m>
+                <a:br>
+                  <a:rPr lang="de-DE" sz="600" dirty="0">
+                    <a:solidFill>
+                      <a:srgbClr val="4A5C66"/>
+                    </a:solidFill>
+                  </a:rPr>
+                </a:br>
+                <a:r>
+                  <a:rPr lang="de-DE" sz="600" dirty="0">
+                    <a:solidFill>
+                      <a:srgbClr val="4A5C66"/>
+                    </a:solidFill>
+                  </a:rPr>
+                  <a:t>	</a:t>
+                </a:r>
+                <a:r>
+                  <a:rPr lang="de-DE" sz="600" dirty="0" err="1">
+                    <a:solidFill>
+                      <a:srgbClr val="4A5C66"/>
+                    </a:solidFill>
+                  </a:rPr>
+                  <a:t>while</a:t>
+                </a:r>
+                <a:r>
+                  <a:rPr lang="de-DE" sz="600" dirty="0">
+                    <a:solidFill>
+                      <a:srgbClr val="4A5C66"/>
+                    </a:solidFill>
+                  </a:rPr>
+                  <a:t> </a:t>
+                </a:r>
+                <a:r>
+                  <a:rPr lang="de-DE" sz="600" dirty="0" err="1">
+                    <a:solidFill>
+                      <a:srgbClr val="4A5C66"/>
+                    </a:solidFill>
+                  </a:rPr>
+                  <a:t>qualitaet</a:t>
+                </a:r>
+                <a:r>
+                  <a:rPr lang="de-DE" sz="600" dirty="0">
+                    <a:solidFill>
+                      <a:srgbClr val="4A5C66"/>
+                    </a:solidFill>
+                  </a:rPr>
+                  <a:t>(individuum) &lt; </a:t>
+                </a:r>
+                <a:r>
+                  <a:rPr lang="de-DE" sz="600" dirty="0" err="1">
+                    <a:solidFill>
+                      <a:srgbClr val="4A5C66"/>
+                    </a:solidFill>
+                  </a:rPr>
+                  <a:t>wunschqualitaet</a:t>
+                </a:r>
+                <a:r>
+                  <a:rPr lang="de-DE" sz="600" dirty="0">
+                    <a:solidFill>
+                      <a:srgbClr val="4A5C66"/>
+                    </a:solidFill>
+                  </a:rPr>
+                  <a:t> and </a:t>
+                </a:r>
+                <a:r>
+                  <a:rPr lang="de-DE" sz="600" dirty="0" err="1">
+                    <a:solidFill>
+                      <a:srgbClr val="4A5C66"/>
+                    </a:solidFill>
+                  </a:rPr>
+                  <a:t>generationszaehler</a:t>
+                </a:r>
+                <a:r>
+                  <a:rPr lang="de-DE" sz="600" dirty="0">
+                    <a:solidFill>
+                      <a:srgbClr val="4A5C66"/>
+                    </a:solidFill>
+                  </a:rPr>
+                  <a:t> &lt; </a:t>
+                </a:r>
+                <a:r>
+                  <a:rPr lang="de-DE" sz="600" dirty="0" err="1">
+                    <a:solidFill>
+                      <a:srgbClr val="4A5C66"/>
+                    </a:solidFill>
+                  </a:rPr>
+                  <a:t>iterationslimit</a:t>
+                </a:r>
+                <a:endParaRPr lang="de-DE" sz="600" dirty="0">
+                  <a:solidFill>
+                    <a:srgbClr val="4A5C66"/>
+                  </a:solidFill>
+                </a:endParaRPr>
+              </a:p>
+              <a:p>
+                <a:pPr marL="0" indent="0" defTabSz="180000">
+                  <a:buNone/>
+                </a:pPr>
+                <a:r>
+                  <a:rPr lang="de-DE" sz="600" dirty="0">
+                    <a:solidFill>
+                      <a:srgbClr val="4A5C66"/>
+                    </a:solidFill>
+                  </a:rPr>
+                  <a:t>		</a:t>
+                </a:r>
+                <a:r>
+                  <a:rPr lang="de-DE" sz="600" dirty="0" err="1">
+                    <a:solidFill>
+                      <a:srgbClr val="4A5C66"/>
+                    </a:solidFill>
+                  </a:rPr>
+                  <a:t>generationszaehler</a:t>
+                </a:r>
+                <a:r>
+                  <a:rPr lang="de-DE" sz="600" dirty="0">
+                    <a:solidFill>
+                      <a:srgbClr val="4A5C66"/>
+                    </a:solidFill>
+                  </a:rPr>
+                  <a:t> &lt;- </a:t>
+                </a:r>
+                <a:r>
+                  <a:rPr lang="de-DE" sz="600" dirty="0" err="1">
+                    <a:solidFill>
+                      <a:srgbClr val="4A5C66"/>
+                    </a:solidFill>
+                  </a:rPr>
+                  <a:t>generationszaehler</a:t>
+                </a:r>
+                <a:r>
+                  <a:rPr lang="de-DE" sz="600" dirty="0">
+                    <a:solidFill>
+                      <a:srgbClr val="4A5C66"/>
+                    </a:solidFill>
+                  </a:rPr>
+                  <a:t> + 1</a:t>
+                </a:r>
+              </a:p>
+              <a:p>
+                <a:pPr marL="0" indent="0" defTabSz="180000">
+                  <a:buNone/>
+                </a:pPr>
+                <a:r>
+                  <a:rPr lang="de-DE" sz="600" dirty="0">
+                    <a:solidFill>
+                      <a:srgbClr val="4A5C66"/>
+                    </a:solidFill>
+                  </a:rPr>
+                  <a:t>		</a:t>
+                </a:r>
+                <a:r>
+                  <a:rPr lang="de-DE" sz="600" dirty="0" err="1">
+                    <a:solidFill>
+                      <a:srgbClr val="0070C0"/>
+                    </a:solidFill>
+                  </a:rPr>
+                  <a:t>eltern_gruppen</a:t>
+                </a:r>
+                <a:r>
+                  <a:rPr lang="de-DE" sz="600" dirty="0">
+                    <a:solidFill>
+                      <a:srgbClr val="0070C0"/>
+                    </a:solidFill>
+                  </a:rPr>
+                  <a:t> &lt;- </a:t>
+                </a:r>
+                <a:r>
+                  <a:rPr lang="de-DE" sz="600" dirty="0" err="1">
+                    <a:solidFill>
+                      <a:srgbClr val="0070C0"/>
+                    </a:solidFill>
+                  </a:rPr>
+                  <a:t>gruppenSelektion</a:t>
+                </a:r>
+                <a:r>
+                  <a:rPr lang="de-DE" sz="600" dirty="0">
+                    <a:solidFill>
+                      <a:srgbClr val="0070C0"/>
+                    </a:solidFill>
+                  </a:rPr>
+                  <a:t>(</a:t>
+                </a:r>
+                <a:r>
+                  <a:rPr lang="de-DE" sz="600" dirty="0" err="1">
+                    <a:solidFill>
+                      <a:srgbClr val="0070C0"/>
+                    </a:solidFill>
+                  </a:rPr>
+                  <a:t>population</a:t>
+                </a:r>
+                <a:r>
+                  <a:rPr lang="de-DE" sz="600" dirty="0">
+                    <a:solidFill>
+                      <a:srgbClr val="0070C0"/>
+                    </a:solidFill>
+                  </a:rPr>
+                  <a:t>, </a:t>
+                </a:r>
+                <a:r>
+                  <a:rPr lang="de-DE" sz="600" dirty="0" err="1">
+                    <a:solidFill>
+                      <a:srgbClr val="0070C0"/>
+                    </a:solidFill>
+                  </a:rPr>
+                  <a:t>anzahl_kinder</a:t>
+                </a:r>
+                <a:r>
+                  <a:rPr lang="de-DE" sz="600" dirty="0">
+                    <a:solidFill>
+                      <a:srgbClr val="0070C0"/>
+                    </a:solidFill>
+                  </a:rPr>
+                  <a:t>, </a:t>
+                </a:r>
+                <a:r>
+                  <a:rPr lang="de-DE" sz="600" dirty="0" err="1">
+                    <a:solidFill>
+                      <a:srgbClr val="0070C0"/>
+                    </a:solidFill>
+                  </a:rPr>
+                  <a:t>gruppengroesse</a:t>
+                </a:r>
+                <a:r>
+                  <a:rPr lang="de-DE" sz="600" dirty="0">
+                    <a:solidFill>
+                      <a:srgbClr val="0070C0"/>
+                    </a:solidFill>
+                  </a:rPr>
+                  <a:t>)</a:t>
+                </a:r>
+              </a:p>
+              <a:p>
+                <a:pPr marL="0" indent="0" defTabSz="180000">
+                  <a:buNone/>
+                </a:pPr>
+                <a:r>
+                  <a:rPr lang="de-DE" sz="600" dirty="0">
+                    <a:solidFill>
+                      <a:srgbClr val="4A5C66"/>
+                    </a:solidFill>
+                  </a:rPr>
+                  <a:t>		</a:t>
+                </a:r>
+                <a:r>
+                  <a:rPr lang="de-DE" sz="600" dirty="0" err="1">
+                    <a:solidFill>
+                      <a:srgbClr val="0070C0"/>
+                    </a:solidFill>
+                  </a:rPr>
+                  <a:t>kinder</a:t>
+                </a:r>
+                <a:r>
+                  <a:rPr lang="de-DE" sz="600" dirty="0">
+                    <a:solidFill>
+                      <a:srgbClr val="0070C0"/>
+                    </a:solidFill>
+                  </a:rPr>
+                  <a:t> &lt;- </a:t>
+                </a:r>
+                <a:r>
+                  <a:rPr lang="de-DE" sz="600" dirty="0" err="1">
+                    <a:solidFill>
+                      <a:srgbClr val="0070C0"/>
+                    </a:solidFill>
+                  </a:rPr>
+                  <a:t>rekombination</a:t>
+                </a:r>
+                <a:r>
+                  <a:rPr lang="de-DE" sz="600" dirty="0">
+                    <a:solidFill>
+                      <a:srgbClr val="0070C0"/>
+                    </a:solidFill>
+                  </a:rPr>
+                  <a:t>(</a:t>
+                </a:r>
+                <a:r>
+                  <a:rPr lang="de-DE" sz="600" dirty="0" err="1">
+                    <a:solidFill>
+                      <a:srgbClr val="0070C0"/>
+                    </a:solidFill>
+                  </a:rPr>
+                  <a:t>eltern_gruppen</a:t>
+                </a:r>
+                <a:r>
+                  <a:rPr lang="de-DE" sz="600" dirty="0">
+                    <a:solidFill>
+                      <a:srgbClr val="0070C0"/>
+                    </a:solidFill>
+                  </a:rPr>
+                  <a:t>, </a:t>
+                </a:r>
+                <a:r>
+                  <a:rPr lang="de-DE" sz="600" dirty="0" err="1">
+                    <a:solidFill>
+                      <a:srgbClr val="0070C0"/>
+                    </a:solidFill>
+                  </a:rPr>
+                  <a:t>gruppengroesse</a:t>
+                </a:r>
+                <a:r>
+                  <a:rPr lang="de-DE" sz="600" dirty="0">
+                    <a:solidFill>
+                      <a:srgbClr val="0070C0"/>
+                    </a:solidFill>
+                  </a:rPr>
+                  <a:t>, </a:t>
+                </a:r>
+                <a:r>
+                  <a:rPr lang="de-DE" sz="600" dirty="0" err="1">
+                    <a:solidFill>
+                      <a:srgbClr val="0070C0"/>
+                    </a:solidFill>
+                  </a:rPr>
+                  <a:t>individuengroesse</a:t>
+                </a:r>
+                <a:r>
+                  <a:rPr lang="de-DE" sz="600" dirty="0">
+                    <a:solidFill>
+                      <a:srgbClr val="0070C0"/>
+                    </a:solidFill>
+                  </a:rPr>
+                  <a:t>)</a:t>
+                </a:r>
+              </a:p>
+              <a:p>
+                <a:pPr marL="0" indent="0" defTabSz="180000">
+                  <a:buNone/>
+                </a:pPr>
+                <a:r>
+                  <a:rPr lang="de-DE" sz="600" dirty="0">
+                    <a:solidFill>
+                      <a:srgbClr val="4A5C66"/>
+                    </a:solidFill>
+                  </a:rPr>
+                  <a:t>		</a:t>
+                </a:r>
+                <a:r>
+                  <a:rPr lang="de-DE" sz="600" dirty="0" err="1">
+                    <a:solidFill>
+                      <a:srgbClr val="4A5C66"/>
+                    </a:solidFill>
+                  </a:rPr>
+                  <a:t>kinder</a:t>
+                </a:r>
+                <a:r>
+                  <a:rPr lang="de-DE" sz="600" dirty="0">
+                    <a:solidFill>
+                      <a:srgbClr val="4A5C66"/>
+                    </a:solidFill>
+                  </a:rPr>
+                  <a:t> &lt;- </a:t>
+                </a:r>
+                <a:r>
+                  <a:rPr lang="de-DE" sz="600" dirty="0" err="1">
+                    <a:solidFill>
+                      <a:srgbClr val="4A5C66"/>
+                    </a:solidFill>
+                  </a:rPr>
+                  <a:t>mutation</a:t>
+                </a:r>
+                <a:r>
+                  <a:rPr lang="de-DE" sz="600" dirty="0">
+                    <a:solidFill>
+                      <a:srgbClr val="4A5C66"/>
+                    </a:solidFill>
+                  </a:rPr>
+                  <a:t>(</a:t>
+                </a:r>
+                <a:r>
+                  <a:rPr lang="de-DE" sz="600" dirty="0" err="1">
+                    <a:solidFill>
+                      <a:srgbClr val="4A5C66"/>
+                    </a:solidFill>
+                  </a:rPr>
+                  <a:t>kinder</a:t>
+                </a:r>
+                <a:r>
+                  <a:rPr lang="de-DE" sz="600" dirty="0">
+                    <a:solidFill>
+                      <a:srgbClr val="4A5C66"/>
+                    </a:solidFill>
+                  </a:rPr>
+                  <a:t>)</a:t>
+                </a:r>
+              </a:p>
+              <a:p>
+                <a:pPr marL="0" indent="0" defTabSz="180000">
+                  <a:buNone/>
+                </a:pPr>
+                <a:r>
+                  <a:rPr lang="de-DE" sz="600" dirty="0">
+                    <a:solidFill>
+                      <a:srgbClr val="4A5C66"/>
+                    </a:solidFill>
+                  </a:rPr>
+                  <a:t>		population &lt;- </a:t>
+                </a:r>
+                <a:r>
+                  <a:rPr lang="de-DE" sz="600" dirty="0" err="1">
+                    <a:solidFill>
+                      <a:srgbClr val="4A5C66"/>
+                    </a:solidFill>
+                  </a:rPr>
+                  <a:t>selektion</a:t>
+                </a:r>
+                <a:r>
+                  <a:rPr lang="de-DE" sz="600" dirty="0">
+                    <a:solidFill>
+                      <a:srgbClr val="4A5C66"/>
+                    </a:solidFill>
+                  </a:rPr>
+                  <a:t>(</a:t>
+                </a:r>
+                <a:r>
+                  <a:rPr lang="de-DE" sz="600" dirty="0" err="1">
+                    <a:solidFill>
+                      <a:srgbClr val="4A5C66"/>
+                    </a:solidFill>
+                  </a:rPr>
+                  <a:t>kinder</a:t>
+                </a:r>
+                <a:r>
+                  <a:rPr lang="de-DE" sz="600" dirty="0">
+                    <a:solidFill>
+                      <a:srgbClr val="4A5C66"/>
+                    </a:solidFill>
+                  </a:rPr>
+                  <a:t>, </a:t>
+                </a:r>
+                <a14:m>
+                  <m:oMath xmlns:m="http://schemas.openxmlformats.org/officeDocument/2006/math">
+                    <m:r>
+                      <a:rPr lang="de-DE" sz="600" b="0" i="1" smtClean="0">
+                        <a:solidFill>
+                          <a:srgbClr val="4A5C66"/>
+                        </a:solidFill>
+                        <a:latin typeface="Cambria Math" panose="02040503050406030204" pitchFamily="18" charset="0"/>
+                      </a:rPr>
+                      <m:t>𝜇</m:t>
+                    </m:r>
+                  </m:oMath>
+                </a14:m>
+                <a:r>
+                  <a:rPr lang="de-DE" sz="600" dirty="0">
+                    <a:solidFill>
+                      <a:srgbClr val="4A5C66"/>
+                    </a:solidFill>
+                  </a:rPr>
+                  <a:t>, </a:t>
+                </a:r>
+                <a:r>
+                  <a:rPr lang="de-DE" sz="600" dirty="0" err="1">
+                    <a:solidFill>
+                      <a:srgbClr val="4A5C66"/>
+                    </a:solidFill>
+                  </a:rPr>
+                  <a:t>qualitaet</a:t>
+                </a:r>
+                <a:r>
+                  <a:rPr lang="de-DE" sz="600" dirty="0">
+                    <a:solidFill>
+                      <a:srgbClr val="4A5C66"/>
+                    </a:solidFill>
+                  </a:rPr>
+                  <a:t>)</a:t>
+                </a:r>
+              </a:p>
+              <a:p>
+                <a:pPr marL="0" indent="0" defTabSz="180000">
+                  <a:buNone/>
+                </a:pPr>
+                <a:r>
+                  <a:rPr lang="de-DE" sz="600" dirty="0">
+                    <a:solidFill>
+                      <a:srgbClr val="4A5C66"/>
+                    </a:solidFill>
+                  </a:rPr>
+                  <a:t>	</a:t>
+                </a:r>
+                <a:r>
+                  <a:rPr lang="de-DE" sz="600" dirty="0" err="1">
+                    <a:solidFill>
+                      <a:srgbClr val="4A5C66"/>
+                    </a:solidFill>
+                  </a:rPr>
+                  <a:t>loesung</a:t>
+                </a:r>
+                <a:r>
+                  <a:rPr lang="de-DE" sz="600" dirty="0">
+                    <a:solidFill>
+                      <a:srgbClr val="4A5C66"/>
+                    </a:solidFill>
+                  </a:rPr>
+                  <a:t> &lt;- </a:t>
+                </a:r>
+                <a:r>
+                  <a:rPr lang="de-DE" sz="600" dirty="0" err="1">
+                    <a:solidFill>
+                      <a:srgbClr val="4A5C66"/>
+                    </a:solidFill>
+                  </a:rPr>
+                  <a:t>bestenSelektion</a:t>
+                </a:r>
+                <a:r>
+                  <a:rPr lang="de-DE" sz="600" dirty="0">
+                    <a:solidFill>
+                      <a:srgbClr val="4A5C66"/>
+                    </a:solidFill>
+                  </a:rPr>
+                  <a:t>(</a:t>
+                </a:r>
+                <a:r>
+                  <a:rPr lang="de-DE" sz="600" dirty="0" err="1">
+                    <a:solidFill>
+                      <a:srgbClr val="4A5C66"/>
+                    </a:solidFill>
+                  </a:rPr>
+                  <a:t>population</a:t>
+                </a:r>
+                <a:r>
+                  <a:rPr lang="de-DE" sz="600" dirty="0">
+                    <a:solidFill>
+                      <a:srgbClr val="4A5C66"/>
+                    </a:solidFill>
+                  </a:rPr>
+                  <a:t>)</a:t>
+                </a:r>
+              </a:p>
+              <a:p>
+                <a:pPr marL="0" indent="0" defTabSz="180000">
+                  <a:buNone/>
+                </a:pPr>
+                <a:endParaRPr lang="de-DE" sz="200" dirty="0"/>
+              </a:p>
+            </p:txBody>
+          </p:sp>
+        </mc:Choice>
+        <mc:Fallback>
+          <p:sp>
+            <p:nvSpPr>
+              <p:cNvPr id="4" name="Textplatzhalter 3">
+                <a:extLst>
+                  <a:ext uri="{FF2B5EF4-FFF2-40B4-BE49-F238E27FC236}">
+                    <a16:creationId xmlns:a16="http://schemas.microsoft.com/office/drawing/2014/main" id="{027ACB38-45C8-49B7-B159-284BE2923EA6}"/>
+                  </a:ext>
+                </a:extLst>
+              </p:cNvPr>
+              <p:cNvSpPr>
+                <a:spLocks noGrp="1" noRot="1" noChangeAspect="1" noMove="1" noResize="1" noEditPoints="1" noAdjustHandles="1" noChangeArrowheads="1" noChangeShapeType="1" noTextEdit="1"/>
+              </p:cNvSpPr>
+              <p:nvPr>
+                <p:ph type="body" sz="quarter" idx="11"/>
+              </p:nvPr>
+            </p:nvSpPr>
+            <p:spPr>
+              <a:xfrm>
+                <a:off x="6973078" y="1991593"/>
+                <a:ext cx="4685528" cy="4305300"/>
+              </a:xfrm>
+              <a:blipFill>
+                <a:blip r:embed="rId4"/>
+                <a:stretch>
+                  <a:fillRect b="-850"/>
+                </a:stretch>
+              </a:blipFill>
+            </p:spPr>
+            <p:txBody>
+              <a:bodyPr/>
+              <a:lstStyle/>
+              <a:p>
+                <a:r>
+                  <a:rPr lang="de-DE">
+                    <a:noFill/>
+                  </a:rPr>
+                  <a:t> </a:t>
+                </a:r>
+              </a:p>
+            </p:txBody>
+          </p:sp>
+        </mc:Fallback>
+      </mc:AlternateContent>
+    </p:spTree>
+    <p:extLst>
+      <p:ext uri="{BB962C8B-B14F-4D97-AF65-F5344CB8AC3E}">
+        <p14:creationId xmlns:p14="http://schemas.microsoft.com/office/powerpoint/2010/main" val="1812978468"/>
+      </p:ext>
+    </p:extLst>
+  </p:cSld>
+  <p:clrMapOvr>
+    <a:masterClrMapping/>
+  </p:clrMapOvr>
+</p:sld>
+</file>
+
+<file path=ppt/slides/slide8.xml><?xml version="1.0" encoding="utf-8"?>
+<p:sld xmlns:a="http://schemas.openxmlformats.org/drawingml/2006/main" xmlns:r="http://schemas.openxmlformats.org/officeDocument/2006/relationships" xmlns:p="http://schemas.openxmlformats.org/presentationml/2006/main">
+  <p:cSld>
+    <p:spTree>
+      <p:nvGrpSpPr>
+        <p:cNvPr id="1" name=""/>
+        <p:cNvGrpSpPr/>
+        <p:nvPr/>
+      </p:nvGrpSpPr>
+      <p:grpSpPr>
+        <a:xfrm>
+          <a:off x="0" y="0"/>
+          <a:ext cx="0" cy="0"/>
+          <a:chOff x="0" y="0"/>
+          <a:chExt cx="0" cy="0"/>
+        </a:xfrm>
+      </p:grpSpPr>
+      <mc:AlternateContent xmlns:mc="http://schemas.openxmlformats.org/markup-compatibility/2006">
+        <mc:Choice xmlns:a14="http://schemas.microsoft.com/office/drawing/2010/main" Requires="a14">
+          <p:sp>
+            <p:nvSpPr>
+              <p:cNvPr id="396" name="Textplatzhalter 3">
+                <a:extLst>
+                  <a:ext uri="{FF2B5EF4-FFF2-40B4-BE49-F238E27FC236}">
+                    <a16:creationId xmlns:a16="http://schemas.microsoft.com/office/drawing/2014/main" id="{197FB923-CD22-43D6-9B23-250E0B768933}"/>
+                  </a:ext>
+                </a:extLst>
+              </p:cNvPr>
+              <p:cNvSpPr txBox="1">
+                <a:spLocks/>
+              </p:cNvSpPr>
+              <p:nvPr/>
+            </p:nvSpPr>
+            <p:spPr bwMode="auto">
+              <a:xfrm>
+                <a:off x="334439" y="1990725"/>
+                <a:ext cx="11487150" cy="4305300"/>
+              </a:xfrm>
+              <a:prstGeom prst="rect">
+                <a:avLst/>
+              </a:prstGeom>
+              <a:noFill/>
+              <a:ln>
+                <a:noFill/>
+              </a:ln>
+              <a:extLst>
+                <a:ext uri="{909E8E84-426E-40DD-AFC4-6F175D3DCCD1}">
+                  <a14:hiddenFill>
+                    <a:solidFill>
+                      <a:srgbClr val="FFFFFF"/>
+                    </a:solidFill>
+                  </a14:hiddenFill>
+                </a:ext>
+                <a:ext uri="{91240B29-F687-4F45-9708-019B960494DF}">
+                  <a14:hiddenLine w="9525">
+                    <a:solidFill>
+                      <a:srgbClr val="000000"/>
+                    </a:solidFill>
+                    <a:miter lim="800000"/>
+                    <a:headEnd/>
+                    <a:tailEnd/>
+                  </a14:hiddenLine>
+                </a:ext>
+              </a:extLst>
+            </p:spPr>
+            <p:txBody>
+              <a:bodyPr vert="horz" wrap="square" lIns="91440" tIns="45720" rIns="91440" bIns="45720" numCol="1" anchor="t" anchorCtr="0" compatLnSpc="1">
+                <a:prstTxWarp prst="textNoShape">
+                  <a:avLst/>
+                </a:prstTxWarp>
+              </a:bodyPr>
+              <a:lstStyle>
+                <a:lvl1pPr marL="266700" indent="-266700" algn="l" rtl="0" eaLnBrk="0" fontAlgn="base" hangingPunct="0">
+                  <a:spcBef>
+                    <a:spcPct val="20000"/>
+                  </a:spcBef>
+                  <a:spcAft>
+                    <a:spcPct val="0"/>
+                  </a:spcAft>
+                  <a:buClr>
+                    <a:srgbClr val="80BA24"/>
+                  </a:buClr>
+                  <a:buSzPct val="106000"/>
+                  <a:buFont typeface="Wingdings" panose="05000000000000000000" pitchFamily="2" charset="2"/>
+                  <a:buChar char="§"/>
+                  <a:defRPr kern="1200" baseline="0">
+                    <a:solidFill>
+                      <a:srgbClr val="4A5C66"/>
+                    </a:solidFill>
+                    <a:latin typeface="Arial" pitchFamily="34" charset="0"/>
+                    <a:ea typeface="MS PGothic" panose="020B0600070205080204" pitchFamily="34" charset="-128"/>
+                    <a:cs typeface="Arial" pitchFamily="34" charset="0"/>
+                  </a:defRPr>
+                </a:lvl1pPr>
+                <a:lvl2pPr marL="542925" indent="-276225" algn="l" rtl="0" eaLnBrk="0" fontAlgn="base" hangingPunct="0">
+                  <a:spcBef>
+                    <a:spcPct val="20000"/>
+                  </a:spcBef>
+                  <a:spcAft>
+                    <a:spcPct val="0"/>
+                  </a:spcAft>
+                  <a:buClr>
+                    <a:srgbClr val="80BA24"/>
+                  </a:buClr>
+                  <a:buSzPct val="90000"/>
+                  <a:buFont typeface="Wingdings" panose="05000000000000000000" pitchFamily="2" charset="2"/>
+                  <a:buChar char="§"/>
+                  <a:defRPr kern="1200">
+                    <a:solidFill>
+                      <a:srgbClr val="4A5C66"/>
+                    </a:solidFill>
+                    <a:latin typeface="Arial" pitchFamily="34" charset="0"/>
+                    <a:ea typeface="Arial" charset="0"/>
+                    <a:cs typeface="Arial" pitchFamily="34" charset="0"/>
+                  </a:defRPr>
+                </a:lvl2pPr>
+                <a:lvl3pPr marL="809625" indent="-266700" algn="l" rtl="0" eaLnBrk="0" fontAlgn="base" hangingPunct="0">
+                  <a:spcBef>
+                    <a:spcPct val="20000"/>
+                  </a:spcBef>
+                  <a:spcAft>
+                    <a:spcPct val="0"/>
+                  </a:spcAft>
+                  <a:buClr>
+                    <a:srgbClr val="80BA24"/>
+                  </a:buClr>
+                  <a:buSzPct val="80000"/>
+                  <a:buFont typeface="Wingdings" panose="05000000000000000000" pitchFamily="2" charset="2"/>
+                  <a:buChar char="§"/>
+                  <a:defRPr kern="1200">
+                    <a:solidFill>
+                      <a:srgbClr val="4A5C66"/>
+                    </a:solidFill>
+                    <a:latin typeface="Arial" pitchFamily="34" charset="0"/>
+                    <a:ea typeface="Arial" charset="0"/>
+                    <a:cs typeface="Arial" pitchFamily="34" charset="0"/>
+                  </a:defRPr>
+                </a:lvl3pPr>
+                <a:lvl4pPr marL="1076325" indent="-266700" algn="l" rtl="0" eaLnBrk="0" fontAlgn="base" hangingPunct="0">
+                  <a:spcBef>
+                    <a:spcPct val="20000"/>
+                  </a:spcBef>
+                  <a:spcAft>
+                    <a:spcPct val="0"/>
+                  </a:spcAft>
+                  <a:buClr>
+                    <a:srgbClr val="80BA24"/>
+                  </a:buClr>
+                  <a:buSzPct val="80000"/>
+                  <a:buFont typeface="Wingdings" panose="05000000000000000000" pitchFamily="2" charset="2"/>
+                  <a:buChar char="§"/>
+                  <a:defRPr kern="1200">
+                    <a:solidFill>
+                      <a:srgbClr val="4A5C66"/>
+                    </a:solidFill>
+                    <a:latin typeface="Arial" pitchFamily="34" charset="0"/>
+                    <a:ea typeface="Arial" charset="0"/>
+                    <a:cs typeface="Arial" pitchFamily="34" charset="0"/>
+                  </a:defRPr>
+                </a:lvl4pPr>
+                <a:lvl5pPr marL="1343025" indent="-266700" algn="l" rtl="0" eaLnBrk="0" fontAlgn="base" hangingPunct="0">
+                  <a:spcBef>
+                    <a:spcPct val="20000"/>
+                  </a:spcBef>
+                  <a:spcAft>
+                    <a:spcPct val="0"/>
+                  </a:spcAft>
+                  <a:buClr>
+                    <a:srgbClr val="80BA24"/>
+                  </a:buClr>
+                  <a:buSzPct val="80000"/>
+                  <a:buFont typeface="Wingdings" panose="05000000000000000000" pitchFamily="2" charset="2"/>
+                  <a:buChar char="§"/>
+                  <a:defRPr kern="1200">
+                    <a:solidFill>
+                      <a:srgbClr val="4A5C66"/>
+                    </a:solidFill>
+                    <a:latin typeface="Arial" pitchFamily="34" charset="0"/>
+                    <a:ea typeface="Arial" charset="0"/>
+                    <a:cs typeface="Arial" pitchFamily="34" charset="0"/>
+                  </a:defRPr>
+                </a:lvl5pPr>
+                <a:lvl6pPr marL="2514600" indent="-228600" algn="l" defTabSz="914400" rtl="0" eaLnBrk="1" latinLnBrk="0" hangingPunct="1">
+                  <a:spcBef>
+                    <a:spcPct val="20000"/>
+                  </a:spcBef>
+                  <a:buFont typeface="Arial" pitchFamily="34" charset="0"/>
+                  <a:buChar char="•"/>
+                  <a:defRPr sz="2000" kern="1200">
+                    <a:solidFill>
+                      <a:schemeClr val="tx1"/>
+                    </a:solidFill>
+                    <a:latin typeface="+mn-lt"/>
+                    <a:ea typeface="+mn-ea"/>
+                    <a:cs typeface="+mn-cs"/>
+                  </a:defRPr>
+                </a:lvl6pPr>
+                <a:lvl7pPr marL="2971800" indent="-228600" algn="l" defTabSz="914400" rtl="0" eaLnBrk="1" latinLnBrk="0" hangingPunct="1">
+                  <a:spcBef>
+                    <a:spcPct val="20000"/>
+                  </a:spcBef>
+                  <a:buFont typeface="Arial" pitchFamily="34" charset="0"/>
+                  <a:buChar char="•"/>
+                  <a:defRPr sz="2000" kern="1200">
+                    <a:solidFill>
+                      <a:schemeClr val="tx1"/>
+                    </a:solidFill>
+                    <a:latin typeface="+mn-lt"/>
+                    <a:ea typeface="+mn-ea"/>
+                    <a:cs typeface="+mn-cs"/>
+                  </a:defRPr>
+                </a:lvl7pPr>
+                <a:lvl8pPr marL="3429000" indent="-228600" algn="l" defTabSz="914400" rtl="0" eaLnBrk="1" latinLnBrk="0" hangingPunct="1">
+                  <a:spcBef>
+                    <a:spcPct val="20000"/>
+                  </a:spcBef>
+                  <a:buFont typeface="Arial" pitchFamily="34" charset="0"/>
+                  <a:buChar char="•"/>
+                  <a:defRPr sz="2000" kern="1200">
+                    <a:solidFill>
+                      <a:schemeClr val="tx1"/>
+                    </a:solidFill>
+                    <a:latin typeface="+mn-lt"/>
+                    <a:ea typeface="+mn-ea"/>
+                    <a:cs typeface="+mn-cs"/>
+                  </a:defRPr>
+                </a:lvl8pPr>
+                <a:lvl9pPr marL="3886200" indent="-228600" algn="l" defTabSz="914400" rtl="0" eaLnBrk="1" latinLnBrk="0" hangingPunct="1">
+                  <a:spcBef>
+                    <a:spcPct val="20000"/>
+                  </a:spcBef>
+                  <a:buFont typeface="Arial" pitchFamily="34" charset="0"/>
+                  <a:buChar char="•"/>
+                  <a:defRPr sz="2000" kern="1200">
+                    <a:solidFill>
+                      <a:schemeClr val="tx1"/>
+                    </a:solidFill>
+                    <a:latin typeface="+mn-lt"/>
+                    <a:ea typeface="+mn-ea"/>
+                    <a:cs typeface="+mn-cs"/>
+                  </a:defRPr>
+                </a:lvl9pPr>
+              </a:lstStyle>
+              <a:p>
+                <a:r>
+                  <a:rPr lang="de-DE" sz="1800" dirty="0"/>
+                  <a:t>Test, wow es klappt</a:t>
+                </a:r>
+              </a:p>
+              <a:p>
+                <a14:m>
+                  <m:oMath xmlns:m="http://schemas.openxmlformats.org/officeDocument/2006/math">
+                    <m:r>
+                      <a:rPr lang="de-DE" sz="1800" i="1" dirty="0" smtClean="0">
+                        <a:latin typeface="Cambria Math" panose="02040503050406030204" pitchFamily="18" charset="0"/>
+                      </a:rPr>
+                      <m:t>𝑝</m:t>
+                    </m:r>
+                    <m:r>
+                      <a:rPr lang="de-DE" sz="1800" b="0" i="1" dirty="0" smtClean="0">
+                        <a:latin typeface="Cambria Math" panose="02040503050406030204" pitchFamily="18" charset="0"/>
+                      </a:rPr>
+                      <m:t>&gt;</m:t>
+                    </m:r>
+                    <m:r>
+                      <a:rPr lang="de-DE" sz="1800" i="1" dirty="0">
+                        <a:latin typeface="Cambria Math" panose="02040503050406030204" pitchFamily="18" charset="0"/>
+                      </a:rPr>
+                      <m:t>2</m:t>
+                    </m:r>
+                  </m:oMath>
+                </a14:m>
+                <a:endParaRPr lang="de-DE" sz="1800" dirty="0"/>
+              </a:p>
+            </p:txBody>
+          </p:sp>
+        </mc:Choice>
+        <mc:Fallback>
+          <p:sp>
+            <p:nvSpPr>
+              <p:cNvPr id="396" name="Textplatzhalter 3">
+                <a:extLst>
+                  <a:ext uri="{FF2B5EF4-FFF2-40B4-BE49-F238E27FC236}">
+                    <a16:creationId xmlns:a16="http://schemas.microsoft.com/office/drawing/2014/main" id="{197FB923-CD22-43D6-9B23-250E0B768933}"/>
+                  </a:ext>
+                </a:extLst>
+              </p:cNvPr>
+              <p:cNvSpPr txBox="1">
+                <a:spLocks noRot="1" noChangeAspect="1" noMove="1" noResize="1" noEditPoints="1" noAdjustHandles="1" noChangeArrowheads="1" noChangeShapeType="1" noTextEdit="1"/>
+              </p:cNvSpPr>
+              <p:nvPr/>
+            </p:nvSpPr>
+            <p:spPr bwMode="auto">
+              <a:xfrm>
+                <a:off x="334439" y="1990725"/>
+                <a:ext cx="11487150" cy="4305300"/>
+              </a:xfrm>
+              <a:prstGeom prst="rect">
+                <a:avLst/>
+              </a:prstGeom>
+              <a:blipFill>
+                <a:blip r:embed="rId2"/>
+                <a:stretch>
+                  <a:fillRect l="-425" t="-850"/>
+                </a:stretch>
+              </a:blipFill>
+              <a:ln>
+                <a:noFill/>
+              </a:ln>
+              <a:extLst>
+                <a:ext uri="{909E8E84-426E-40DD-AFC4-6F175D3DCCD1}">
+                  <a14:hiddenFill xmlns:a14="http://schemas.microsoft.com/office/drawing/2010/main">
+                    <a:solidFill>
+                      <a:srgbClr val="FFFFFF"/>
+                    </a:solidFill>
+                  </a14:hiddenFill>
+                </a:ext>
+                <a:ext uri="{91240B29-F687-4F45-9708-019B960494DF}">
+                  <a14:hiddenLine xmlns:a14="http://schemas.microsoft.com/office/drawing/2010/main" w="9525">
+                    <a:solidFill>
+                      <a:srgbClr val="000000"/>
+                    </a:solidFill>
+                    <a:miter lim="800000"/>
+                    <a:headEnd/>
+                    <a:tailEnd/>
+                  </a14:hiddenLine>
+                </a:ext>
+              </a:extLst>
+            </p:spPr>
+            <p:txBody>
+              <a:bodyPr/>
+              <a:lstStyle/>
+              <a:p>
+                <a:r>
+                  <a:rPr lang="de-DE">
+                    <a:noFill/>
+                  </a:rPr>
+                  <a:t> </a:t>
+                </a:r>
+              </a:p>
+            </p:txBody>
+          </p:sp>
+        </mc:Fallback>
+      </mc:AlternateContent>
+      <mc:AlternateContent xmlns:mc="http://schemas.openxmlformats.org/markup-compatibility/2006">
+        <mc:Choice xmlns:a14="http://schemas.microsoft.com/office/drawing/2010/main" Requires="a14">
+          <p:sp>
+            <p:nvSpPr>
+              <p:cNvPr id="3" name="Titel 2">
+                <a:extLst>
+                  <a:ext uri="{FF2B5EF4-FFF2-40B4-BE49-F238E27FC236}">
+                    <a16:creationId xmlns:a16="http://schemas.microsoft.com/office/drawing/2014/main" id="{35997702-CF95-4A86-956F-9AE51732A0BA}"/>
+                  </a:ext>
+                </a:extLst>
+              </p:cNvPr>
+              <p:cNvSpPr>
+                <a:spLocks noGrp="1"/>
+              </p:cNvSpPr>
+              <p:nvPr>
+                <p:ph type="title"/>
+              </p:nvPr>
+            </p:nvSpPr>
+            <p:spPr/>
+            <p:txBody>
+              <a:bodyPr/>
+              <a:lstStyle/>
+              <a:p>
+                <a:r>
+                  <a:rPr lang="de-DE" dirty="0"/>
+                  <a:t>(</a:t>
+                </a:r>
+                <a14:m>
+                  <m:oMath xmlns:m="http://schemas.openxmlformats.org/officeDocument/2006/math">
+                    <m:r>
+                      <a:rPr lang="de-DE" b="1" i="0" smtClean="0">
+                        <a:latin typeface="Cambria Math" panose="02040503050406030204" pitchFamily="18" charset="0"/>
+                      </a:rPr>
+                      <m:t>𝛍</m:t>
+                    </m:r>
+                    <m:r>
+                      <a:rPr lang="de-DE">
+                        <a:latin typeface="Cambria Math" panose="02040503050406030204" pitchFamily="18" charset="0"/>
+                      </a:rPr>
+                      <m:t>/</m:t>
+                    </m:r>
+                    <m:r>
+                      <a:rPr lang="de-DE">
+                        <a:latin typeface="Cambria Math" panose="02040503050406030204" pitchFamily="18" charset="0"/>
+                      </a:rPr>
+                      <m:t>𝐩</m:t>
+                    </m:r>
+                    <m:r>
+                      <a:rPr lang="de-DE">
+                        <a:latin typeface="Cambria Math" panose="02040503050406030204" pitchFamily="18" charset="0"/>
+                      </a:rPr>
+                      <m:t> # </m:t>
+                    </m:r>
+                    <m:r>
+                      <a:rPr lang="de-DE" b="1" i="0" dirty="0" smtClean="0">
+                        <a:latin typeface="Cambria Math" panose="02040503050406030204" pitchFamily="18" charset="0"/>
+                      </a:rPr>
+                      <m:t>𝛔</m:t>
+                    </m:r>
+                  </m:oMath>
+                </a14:m>
+                <a:r>
+                  <a:rPr lang="de-DE" dirty="0"/>
+                  <a:t>)-ES</a:t>
+                </a:r>
+              </a:p>
+            </p:txBody>
+          </p:sp>
+        </mc:Choice>
+        <mc:Fallback>
+          <p:sp>
+            <p:nvSpPr>
+              <p:cNvPr id="3" name="Titel 2">
+                <a:extLst>
+                  <a:ext uri="{FF2B5EF4-FFF2-40B4-BE49-F238E27FC236}">
+                    <a16:creationId xmlns:a16="http://schemas.microsoft.com/office/drawing/2014/main" id="{35997702-CF95-4A86-956F-9AE51732A0BA}"/>
+                  </a:ext>
+                </a:extLst>
+              </p:cNvPr>
+              <p:cNvSpPr>
+                <a:spLocks noGrp="1" noRot="1" noChangeAspect="1" noMove="1" noResize="1" noEditPoints="1" noAdjustHandles="1" noChangeArrowheads="1" noChangeShapeType="1" noTextEdit="1"/>
+              </p:cNvSpPr>
+              <p:nvPr>
+                <p:ph type="title"/>
+              </p:nvPr>
+            </p:nvSpPr>
+            <p:spPr>
+              <a:blipFill>
+                <a:blip r:embed="rId3"/>
+                <a:stretch>
+                  <a:fillRect l="-861" t="-7447" b="-5319"/>
+                </a:stretch>
+              </a:blipFill>
+            </p:spPr>
+            <p:txBody>
+              <a:bodyPr/>
+              <a:lstStyle/>
+              <a:p>
+                <a:r>
+                  <a:rPr lang="de-DE">
+                    <a:noFill/>
+                  </a:rPr>
+                  <a:t> </a:t>
+                </a:r>
+              </a:p>
+            </p:txBody>
+          </p:sp>
+        </mc:Fallback>
+      </mc:AlternateContent>
+      <mc:AlternateContent xmlns:mc="http://schemas.openxmlformats.org/markup-compatibility/2006">
+        <mc:Choice xmlns:a14="http://schemas.microsoft.com/office/drawing/2010/main" Requires="a14">
+          <p:sp>
+            <p:nvSpPr>
+              <p:cNvPr id="4" name="Textplatzhalter 3">
+                <a:extLst>
+                  <a:ext uri="{FF2B5EF4-FFF2-40B4-BE49-F238E27FC236}">
+                    <a16:creationId xmlns:a16="http://schemas.microsoft.com/office/drawing/2014/main" id="{027ACB38-45C8-49B7-B159-284BE2923EA6}"/>
+                  </a:ext>
+                </a:extLst>
+              </p:cNvPr>
+              <p:cNvSpPr>
+                <a:spLocks noGrp="1"/>
+              </p:cNvSpPr>
+              <p:nvPr>
+                <p:ph type="body" sz="quarter" idx="11"/>
+              </p:nvPr>
+            </p:nvSpPr>
+            <p:spPr>
+              <a:xfrm>
+                <a:off x="6973078" y="1991593"/>
+                <a:ext cx="4685528" cy="4305300"/>
+              </a:xfrm>
+            </p:spPr>
+            <p:txBody>
+              <a:bodyPr/>
+              <a:lstStyle/>
+              <a:p>
+                <a:pPr marL="0" indent="0" defTabSz="180000">
+                  <a:buNone/>
+                </a:pPr>
+                <a:r>
+                  <a:rPr lang="de-DE" sz="600" dirty="0">
+                    <a:solidFill>
+                      <a:srgbClr val="0070C0"/>
+                    </a:solidFill>
+                  </a:rPr>
+                  <a:t>algorithm </a:t>
+                </a:r>
+                <a:r>
+                  <a:rPr lang="de-DE" sz="600" dirty="0" err="1">
+                    <a:solidFill>
+                      <a:srgbClr val="0070C0"/>
+                    </a:solidFill>
+                  </a:rPr>
+                  <a:t>rekombination</a:t>
+                </a:r>
+                <a:r>
+                  <a:rPr lang="de-DE" sz="600" dirty="0">
+                    <a:solidFill>
+                      <a:srgbClr val="0070C0"/>
+                    </a:solidFill>
+                  </a:rPr>
+                  <a:t>(gruppen[1,...,</a:t>
+                </a:r>
+                <a14:m>
+                  <m:oMath xmlns:m="http://schemas.openxmlformats.org/officeDocument/2006/math">
+                    <m:r>
+                      <a:rPr lang="de-DE" sz="600" b="0" i="1" smtClean="0">
+                        <a:solidFill>
+                          <a:srgbClr val="0070C0"/>
+                        </a:solidFill>
+                        <a:latin typeface="Cambria Math" panose="02040503050406030204" pitchFamily="18" charset="0"/>
+                      </a:rPr>
+                      <m:t>𝜆</m:t>
+                    </m:r>
+                  </m:oMath>
+                </a14:m>
+                <a:r>
+                  <a:rPr lang="de-DE" sz="600" dirty="0">
+                    <a:solidFill>
+                      <a:srgbClr val="0070C0"/>
+                    </a:solidFill>
+                  </a:rPr>
+                  <a:t>], p, n)</a:t>
+                </a:r>
+              </a:p>
+              <a:p>
+                <a:pPr marL="0" indent="0" defTabSz="180000">
+                  <a:buNone/>
+                </a:pPr>
+                <a:r>
+                  <a:rPr lang="de-DE" sz="600" dirty="0"/>
+                  <a:t>	individuen &lt;- []</a:t>
+                </a:r>
+              </a:p>
+              <a:p>
+                <a:pPr marL="0" indent="0" defTabSz="180000">
+                  <a:buNone/>
+                </a:pPr>
+                <a:r>
+                  <a:rPr lang="de-DE" sz="600" dirty="0"/>
+                  <a:t>	</a:t>
+                </a:r>
+                <a:r>
+                  <a:rPr lang="de-DE" sz="600" dirty="0" err="1"/>
+                  <a:t>for</a:t>
+                </a:r>
+                <a:r>
+                  <a:rPr lang="de-DE" sz="600" dirty="0"/>
+                  <a:t> i &lt;- 1...</a:t>
+                </a:r>
+                <a:r>
+                  <a:rPr lang="de-DE" sz="600" b="0" dirty="0">
+                    <a:solidFill>
+                      <a:srgbClr val="4A5C66"/>
+                    </a:solidFill>
+                  </a:rPr>
+                  <a:t> </a:t>
+                </a:r>
+                <a14:m>
+                  <m:oMath xmlns:m="http://schemas.openxmlformats.org/officeDocument/2006/math">
+                    <m:r>
+                      <a:rPr lang="de-DE" sz="600" b="0" i="1" smtClean="0">
+                        <a:solidFill>
+                          <a:srgbClr val="4A5C66"/>
+                        </a:solidFill>
+                        <a:latin typeface="Cambria Math" panose="02040503050406030204" pitchFamily="18" charset="0"/>
+                      </a:rPr>
+                      <m:t>𝜆</m:t>
+                    </m:r>
+                  </m:oMath>
+                </a14:m>
+                <a:endParaRPr lang="de-DE" sz="600" b="0" dirty="0">
+                  <a:solidFill>
+                    <a:srgbClr val="4A5C66"/>
+                  </a:solidFill>
+                </a:endParaRPr>
+              </a:p>
+              <a:p>
+                <a:pPr marL="0" indent="0" defTabSz="180000">
+                  <a:buNone/>
+                </a:pPr>
+                <a:r>
+                  <a:rPr lang="de-DE" sz="600" dirty="0"/>
+                  <a:t>		individuum &lt;- []</a:t>
+                </a:r>
+              </a:p>
+              <a:p>
+                <a:pPr marL="0" indent="0" defTabSz="180000">
+                  <a:buNone/>
+                </a:pPr>
+                <a:r>
+                  <a:rPr lang="de-DE" sz="600" dirty="0"/>
+                  <a:t>		</a:t>
+                </a:r>
+                <a:r>
+                  <a:rPr lang="de-DE" sz="600" dirty="0" err="1"/>
+                  <a:t>gruppenindividuen</a:t>
+                </a:r>
+                <a:r>
+                  <a:rPr lang="de-DE" sz="600" dirty="0"/>
+                  <a:t> &lt;- gruppen[i]</a:t>
+                </a:r>
+              </a:p>
+              <a:p>
+                <a:pPr marL="0" indent="0" defTabSz="180000">
+                  <a:buNone/>
+                </a:pPr>
+                <a:r>
+                  <a:rPr lang="de-DE" sz="600" dirty="0"/>
+                  <a:t>		</a:t>
+                </a:r>
+                <a:r>
+                  <a:rPr lang="de-DE" sz="600" dirty="0" err="1"/>
+                  <a:t>for</a:t>
+                </a:r>
+                <a:r>
+                  <a:rPr lang="de-DE" sz="600" dirty="0"/>
+                  <a:t> j &lt;- 1...n</a:t>
+                </a:r>
+              </a:p>
+              <a:p>
+                <a:pPr marL="0" indent="0" defTabSz="180000">
+                  <a:buNone/>
+                </a:pPr>
+                <a:r>
+                  <a:rPr lang="de-DE" sz="600" dirty="0"/>
+                  <a:t>			</a:t>
+                </a:r>
+                <a:r>
+                  <a:rPr lang="de-DE" sz="600" dirty="0" err="1"/>
+                  <a:t>value</a:t>
+                </a:r>
+                <a:r>
+                  <a:rPr lang="de-DE" sz="600" dirty="0"/>
+                  <a:t> &lt;- 0</a:t>
+                </a:r>
+              </a:p>
+              <a:p>
+                <a:pPr marL="0" indent="0" defTabSz="180000">
+                  <a:buNone/>
+                </a:pPr>
+                <a:r>
+                  <a:rPr lang="de-DE" sz="600" dirty="0"/>
+                  <a:t>			</a:t>
+                </a:r>
+                <a:r>
+                  <a:rPr lang="de-DE" sz="600" dirty="0" err="1"/>
+                  <a:t>for</a:t>
+                </a:r>
+                <a:r>
+                  <a:rPr lang="de-DE" sz="600" dirty="0"/>
+                  <a:t> k &lt;- 1...p</a:t>
+                </a:r>
+              </a:p>
+              <a:p>
+                <a:pPr marL="0" indent="0" defTabSz="180000">
+                  <a:buNone/>
+                </a:pPr>
+                <a:r>
+                  <a:rPr lang="de-DE" sz="600" dirty="0"/>
+                  <a:t>				</a:t>
+                </a:r>
+                <a:r>
+                  <a:rPr lang="de-DE" sz="600" dirty="0" err="1"/>
+                  <a:t>gruppenindividuum</a:t>
+                </a:r>
+                <a:r>
+                  <a:rPr lang="de-DE" sz="600" dirty="0"/>
+                  <a:t> &lt;- </a:t>
+                </a:r>
+                <a:r>
+                  <a:rPr lang="de-DE" sz="600" dirty="0" err="1"/>
+                  <a:t>gruppenindividuien</a:t>
+                </a:r>
+                <a:r>
+                  <a:rPr lang="de-DE" sz="600" dirty="0"/>
+                  <a:t>[k]</a:t>
+                </a:r>
+              </a:p>
+              <a:p>
+                <a:pPr marL="0" indent="0" defTabSz="180000">
+                  <a:buNone/>
+                </a:pPr>
+                <a:r>
+                  <a:rPr lang="de-DE" sz="600" dirty="0"/>
+                  <a:t>				</a:t>
+                </a:r>
+                <a:r>
+                  <a:rPr lang="de-DE" sz="600" dirty="0" err="1"/>
+                  <a:t>value</a:t>
+                </a:r>
+                <a:r>
+                  <a:rPr lang="de-DE" sz="600" dirty="0"/>
+                  <a:t> &lt;- </a:t>
+                </a:r>
+                <a:r>
+                  <a:rPr lang="de-DE" sz="600" dirty="0" err="1"/>
+                  <a:t>value</a:t>
+                </a:r>
+                <a:r>
+                  <a:rPr lang="de-DE" sz="600" dirty="0"/>
+                  <a:t> + </a:t>
+                </a:r>
+                <a:r>
+                  <a:rPr lang="de-DE" sz="600" dirty="0" err="1"/>
+                  <a:t>gruppenindividuum</a:t>
+                </a:r>
+                <a:r>
+                  <a:rPr lang="de-DE" sz="600" dirty="0"/>
+                  <a:t>[j]</a:t>
+                </a:r>
+              </a:p>
+              <a:p>
+                <a:pPr marL="0" indent="0" defTabSz="180000">
+                  <a:buNone/>
+                </a:pPr>
+                <a:r>
+                  <a:rPr lang="de-DE" sz="600" dirty="0"/>
+                  <a:t>			</a:t>
+                </a:r>
+                <a:r>
+                  <a:rPr lang="de-DE" sz="600" dirty="0" err="1"/>
+                  <a:t>value</a:t>
+                </a:r>
+                <a:r>
+                  <a:rPr lang="de-DE" sz="600" dirty="0"/>
+                  <a:t> &lt;- </a:t>
+                </a:r>
+                <a:r>
+                  <a:rPr lang="de-DE" sz="600" dirty="0" err="1"/>
+                  <a:t>value</a:t>
+                </a:r>
+                <a:r>
+                  <a:rPr lang="de-DE" sz="600" dirty="0"/>
+                  <a:t> / p</a:t>
+                </a:r>
+              </a:p>
+              <a:p>
+                <a:pPr marL="0" indent="0" defTabSz="180000">
+                  <a:buNone/>
+                </a:pPr>
+                <a:r>
+                  <a:rPr lang="de-DE" sz="600" dirty="0"/>
+                  <a:t>			individuum &lt;- individuum + </a:t>
+                </a:r>
+                <a:r>
+                  <a:rPr lang="de-DE" sz="600" dirty="0" err="1"/>
+                  <a:t>value</a:t>
+                </a:r>
+                <a:endParaRPr lang="de-DE" sz="600" dirty="0"/>
+              </a:p>
+              <a:p>
+                <a:pPr marL="0" indent="0" defTabSz="180000">
+                  <a:buNone/>
+                </a:pPr>
+                <a:r>
+                  <a:rPr lang="de-DE" sz="600" dirty="0"/>
+                  <a:t>		individuen &lt;- individuen + individuum</a:t>
+                </a:r>
+              </a:p>
+              <a:p>
+                <a:pPr marL="0" indent="0" defTabSz="180000">
+                  <a:buNone/>
+                </a:pPr>
+                <a:r>
+                  <a:rPr lang="de-DE" sz="600" dirty="0"/>
+                  <a:t>	</a:t>
+                </a:r>
+                <a:r>
+                  <a:rPr lang="de-DE" sz="600" dirty="0" err="1"/>
+                  <a:t>return</a:t>
+                </a:r>
+                <a:r>
+                  <a:rPr lang="de-DE" sz="600" dirty="0"/>
+                  <a:t> individuen</a:t>
+                </a:r>
+              </a:p>
+              <a:p>
+                <a:pPr marL="0" indent="0" defTabSz="180000">
+                  <a:buNone/>
+                </a:pPr>
+                <a:endParaRPr lang="de-DE" sz="600" dirty="0">
+                  <a:solidFill>
+                    <a:srgbClr val="00B050"/>
+                  </a:solidFill>
+                </a:endParaRPr>
+              </a:p>
+              <a:p>
+                <a:pPr marL="0" indent="0" defTabSz="180000">
+                  <a:buNone/>
+                </a:pPr>
+                <a:r>
+                  <a:rPr lang="de-DE" sz="600" dirty="0" err="1">
+                    <a:solidFill>
+                      <a:srgbClr val="00B050"/>
+                    </a:solidFill>
+                  </a:rPr>
+                  <a:t>algorithm</a:t>
+                </a:r>
+                <a:r>
+                  <a:rPr lang="de-DE" sz="600" dirty="0">
+                    <a:solidFill>
+                      <a:srgbClr val="00B050"/>
+                    </a:solidFill>
+                  </a:rPr>
+                  <a:t> (</a:t>
+                </a:r>
+                <a14:m>
+                  <m:oMath xmlns:m="http://schemas.openxmlformats.org/officeDocument/2006/math">
+                    <m:r>
+                      <a:rPr lang="de-DE" sz="600" i="1">
+                        <a:solidFill>
+                          <a:srgbClr val="00B050"/>
+                        </a:solidFill>
+                        <a:latin typeface="Cambria Math" panose="02040503050406030204" pitchFamily="18" charset="0"/>
+                      </a:rPr>
+                      <m:t>𝜇</m:t>
+                    </m:r>
+                    <m:r>
+                      <a:rPr lang="de-DE" sz="600" i="1">
+                        <a:solidFill>
+                          <a:srgbClr val="00B050"/>
+                        </a:solidFill>
+                        <a:latin typeface="Cambria Math" panose="02040503050406030204" pitchFamily="18" charset="0"/>
+                      </a:rPr>
+                      <m:t>/</m:t>
+                    </m:r>
+                    <m:r>
+                      <a:rPr lang="de-DE" sz="600" i="1">
+                        <a:solidFill>
+                          <a:srgbClr val="00B050"/>
+                        </a:solidFill>
+                        <a:latin typeface="Cambria Math" panose="02040503050406030204" pitchFamily="18" charset="0"/>
+                      </a:rPr>
+                      <m:t>𝑝</m:t>
+                    </m:r>
+                    <m:r>
+                      <a:rPr lang="de-DE" sz="600" i="1">
+                        <a:solidFill>
+                          <a:srgbClr val="00B050"/>
+                        </a:solidFill>
+                        <a:latin typeface="Cambria Math" panose="02040503050406030204" pitchFamily="18" charset="0"/>
+                      </a:rPr>
+                      <m:t> # </m:t>
+                    </m:r>
+                    <m:r>
+                      <a:rPr lang="de-DE" sz="600" i="1">
+                        <a:solidFill>
+                          <a:srgbClr val="00B050"/>
+                        </a:solidFill>
+                        <a:latin typeface="Cambria Math" panose="02040503050406030204" pitchFamily="18" charset="0"/>
+                      </a:rPr>
+                      <m:t>𝜎</m:t>
+                    </m:r>
+                  </m:oMath>
+                </a14:m>
+                <a:r>
+                  <a:rPr lang="de-DE" sz="600" dirty="0">
+                    <a:solidFill>
+                      <a:srgbClr val="00B050"/>
+                    </a:solidFill>
+                  </a:rPr>
+                  <a:t>)-ES()</a:t>
+                </a:r>
+              </a:p>
+              <a:p>
+                <a:pPr marL="0" indent="0" defTabSz="180000">
+                  <a:buNone/>
+                </a:pPr>
+                <a:r>
+                  <a:rPr lang="de-DE" sz="600" dirty="0"/>
+                  <a:t>	</a:t>
+                </a:r>
+                <a:r>
+                  <a:rPr lang="de-DE" sz="600" dirty="0">
+                    <a:solidFill>
+                      <a:srgbClr val="4A5C66"/>
+                    </a:solidFill>
+                  </a:rPr>
+                  <a:t>iterationsLimit &lt;- </a:t>
+                </a:r>
+                <a14:m>
+                  <m:oMath xmlns:m="http://schemas.openxmlformats.org/officeDocument/2006/math">
+                    <m:r>
+                      <a:rPr lang="de-DE" sz="600" b="0" i="1" smtClean="0">
+                        <a:solidFill>
+                          <a:srgbClr val="4A5C66"/>
+                        </a:solidFill>
+                        <a:latin typeface="Cambria Math" panose="02040503050406030204" pitchFamily="18" charset="0"/>
+                      </a:rPr>
+                      <m:t>𝑥</m:t>
+                    </m:r>
+                    <m:r>
+                      <a:rPr lang="de-DE" sz="600" b="0" i="1" smtClean="0">
+                        <a:solidFill>
+                          <a:srgbClr val="4A5C66"/>
+                        </a:solidFill>
+                        <a:latin typeface="Cambria Math" panose="02040503050406030204" pitchFamily="18" charset="0"/>
+                      </a:rPr>
+                      <m:t>∈</m:t>
+                    </m:r>
+                    <m:r>
+                      <a:rPr lang="de-DE" sz="600" dirty="0" smtClean="0">
+                        <a:solidFill>
+                          <a:srgbClr val="4A5C66"/>
+                        </a:solidFill>
+                        <a:latin typeface="Cambria Math" panose="02040503050406030204" pitchFamily="18" charset="0"/>
+                      </a:rPr>
+                      <m:t>ℕ</m:t>
+                    </m:r>
+                  </m:oMath>
+                </a14:m>
+                <a:endParaRPr lang="de-DE" sz="600" dirty="0">
+                  <a:solidFill>
+                    <a:srgbClr val="4A5C66"/>
+                  </a:solidFill>
+                </a:endParaRPr>
+              </a:p>
+              <a:p>
+                <a:pPr marL="0" indent="0" defTabSz="180000">
+                  <a:buNone/>
+                </a:pPr>
+                <a:r>
+                  <a:rPr lang="de-DE" sz="600" dirty="0">
+                    <a:solidFill>
+                      <a:srgbClr val="4A5C66"/>
+                    </a:solidFill>
+                  </a:rPr>
+                  <a:t>	</a:t>
+                </a:r>
+                <a:r>
+                  <a:rPr lang="de-DE" sz="600" dirty="0" err="1">
+                    <a:solidFill>
+                      <a:srgbClr val="4A5C66"/>
+                    </a:solidFill>
+                  </a:rPr>
+                  <a:t>generationszaehler</a:t>
+                </a:r>
+                <a:r>
+                  <a:rPr lang="de-DE" sz="600" dirty="0">
+                    <a:solidFill>
+                      <a:srgbClr val="4A5C66"/>
+                    </a:solidFill>
+                  </a:rPr>
+                  <a:t> &lt;- 0</a:t>
+                </a:r>
+              </a:p>
+              <a:p>
+                <a:pPr marL="0" indent="0" defTabSz="180000">
+                  <a:buNone/>
+                </a:pPr>
+                <a:r>
+                  <a:rPr lang="de-DE" sz="600" dirty="0">
+                    <a:solidFill>
+                      <a:srgbClr val="4A5C66"/>
+                    </a:solidFill>
+                  </a:rPr>
+                  <a:t>	</a:t>
+                </a:r>
+                <a:r>
+                  <a:rPr lang="de-DE" sz="600" dirty="0" err="1">
+                    <a:solidFill>
+                      <a:srgbClr val="4A5C66"/>
+                    </a:solidFill>
+                  </a:rPr>
+                  <a:t>anzahl_eltern</a:t>
+                </a:r>
+                <a:r>
+                  <a:rPr lang="de-DE" sz="600" dirty="0">
+                    <a:solidFill>
+                      <a:srgbClr val="4A5C66"/>
+                    </a:solidFill>
+                  </a:rPr>
+                  <a:t> &lt;- </a:t>
+                </a:r>
+                <a14:m>
+                  <m:oMath xmlns:m="http://schemas.openxmlformats.org/officeDocument/2006/math">
+                    <m:r>
+                      <a:rPr lang="de-DE" sz="600" b="0" i="1" smtClean="0">
+                        <a:solidFill>
+                          <a:srgbClr val="4A5C66"/>
+                        </a:solidFill>
+                        <a:latin typeface="Cambria Math" panose="02040503050406030204" pitchFamily="18" charset="0"/>
+                      </a:rPr>
+                      <m:t>𝜇</m:t>
+                    </m:r>
+                    <m:r>
+                      <a:rPr lang="de-DE" sz="600" b="0" i="1" smtClean="0">
+                        <a:solidFill>
+                          <a:srgbClr val="4A5C66"/>
+                        </a:solidFill>
+                        <a:latin typeface="Cambria Math" panose="02040503050406030204" pitchFamily="18" charset="0"/>
+                      </a:rPr>
+                      <m:t>≥1</m:t>
+                    </m:r>
+                  </m:oMath>
+                </a14:m>
+                <a:endParaRPr lang="de-DE" sz="600" dirty="0">
+                  <a:solidFill>
+                    <a:srgbClr val="4A5C66"/>
+                  </a:solidFill>
+                </a:endParaRPr>
+              </a:p>
+              <a:p>
+                <a:pPr marL="0" indent="0" defTabSz="180000">
+                  <a:buNone/>
+                </a:pPr>
+                <a:r>
+                  <a:rPr lang="de-DE" sz="600" dirty="0">
+                    <a:solidFill>
+                      <a:srgbClr val="4A5C66"/>
+                    </a:solidFill>
+                  </a:rPr>
+                  <a:t>	</a:t>
+                </a:r>
+                <a:r>
+                  <a:rPr lang="de-DE" sz="600" dirty="0" err="1">
+                    <a:solidFill>
+                      <a:srgbClr val="4A5C66"/>
+                    </a:solidFill>
+                  </a:rPr>
+                  <a:t>anzahl_kinder</a:t>
+                </a:r>
+                <a:r>
+                  <a:rPr lang="de-DE" sz="600" dirty="0">
+                    <a:solidFill>
+                      <a:srgbClr val="4A5C66"/>
+                    </a:solidFill>
+                  </a:rPr>
+                  <a:t> &lt;- </a:t>
+                </a:r>
+                <a14:m>
+                  <m:oMath xmlns:m="http://schemas.openxmlformats.org/officeDocument/2006/math">
+                    <m:r>
+                      <a:rPr lang="de-DE" sz="600" b="0" i="1" smtClean="0">
+                        <a:solidFill>
+                          <a:srgbClr val="4A5C66"/>
+                        </a:solidFill>
+                        <a:latin typeface="Cambria Math" panose="02040503050406030204" pitchFamily="18" charset="0"/>
+                      </a:rPr>
+                      <m:t>𝜆</m:t>
+                    </m:r>
+                    <m:r>
+                      <a:rPr lang="de-DE" sz="600" b="0" i="1" smtClean="0">
+                        <a:solidFill>
+                          <a:srgbClr val="4A5C66"/>
+                        </a:solidFill>
+                        <a:latin typeface="Cambria Math" panose="02040503050406030204" pitchFamily="18" charset="0"/>
+                      </a:rPr>
+                      <m:t>≥</m:t>
+                    </m:r>
+                  </m:oMath>
+                </a14:m>
+                <a:r>
+                  <a:rPr lang="de-DE" sz="600" dirty="0">
+                    <a:solidFill>
+                      <a:srgbClr val="4A5C66"/>
+                    </a:solidFill>
+                  </a:rPr>
+                  <a:t> </a:t>
+                </a:r>
+                <a:r>
+                  <a:rPr lang="de-DE" sz="600" dirty="0" err="1">
+                    <a:solidFill>
+                      <a:srgbClr val="4A5C66"/>
+                    </a:solidFill>
+                  </a:rPr>
+                  <a:t>anzahl_eltern</a:t>
+                </a:r>
+                <a:endParaRPr lang="de-DE" sz="600" dirty="0">
+                  <a:solidFill>
+                    <a:srgbClr val="4A5C66"/>
+                  </a:solidFill>
+                </a:endParaRPr>
+              </a:p>
+              <a:p>
+                <a:pPr marL="0" indent="0" defTabSz="180000">
+                  <a:buNone/>
+                </a:pPr>
+                <a:r>
+                  <a:rPr lang="de-DE" sz="600" dirty="0">
+                    <a:solidFill>
+                      <a:srgbClr val="4A5C66"/>
+                    </a:solidFill>
+                  </a:rPr>
+                  <a:t>	</a:t>
+                </a:r>
+                <a:r>
+                  <a:rPr lang="de-DE" sz="600" dirty="0" err="1">
+                    <a:solidFill>
+                      <a:srgbClr val="4A5C66"/>
+                    </a:solidFill>
+                  </a:rPr>
+                  <a:t>wunschqualitaet</a:t>
+                </a:r>
+                <a:r>
+                  <a:rPr lang="de-DE" sz="600" dirty="0">
+                    <a:solidFill>
+                      <a:srgbClr val="4A5C66"/>
+                    </a:solidFill>
+                  </a:rPr>
+                  <a:t> &lt;- </a:t>
+                </a:r>
+                <a14:m>
+                  <m:oMath xmlns:m="http://schemas.openxmlformats.org/officeDocument/2006/math">
+                    <m:r>
+                      <a:rPr lang="de-DE" sz="600" b="0" i="1" smtClean="0">
+                        <a:solidFill>
+                          <a:srgbClr val="4A5C66"/>
+                        </a:solidFill>
+                        <a:latin typeface="Cambria Math" panose="02040503050406030204" pitchFamily="18" charset="0"/>
+                      </a:rPr>
+                      <m:t>𝑦</m:t>
+                    </m:r>
+                    <m:r>
+                      <a:rPr lang="de-DE" sz="600" b="0" i="1" smtClean="0">
+                        <a:solidFill>
+                          <a:srgbClr val="4A5C66"/>
+                        </a:solidFill>
+                        <a:latin typeface="Cambria Math" panose="02040503050406030204" pitchFamily="18" charset="0"/>
+                      </a:rPr>
+                      <m:t>∈</m:t>
+                    </m:r>
+                    <m:r>
+                      <a:rPr lang="de-DE" sz="600" dirty="0" smtClean="0">
+                        <a:solidFill>
+                          <a:srgbClr val="4A5C66"/>
+                        </a:solidFill>
+                        <a:latin typeface="Cambria Math" panose="02040503050406030204" pitchFamily="18" charset="0"/>
+                      </a:rPr>
+                      <m:t>ℝ</m:t>
+                    </m:r>
+                  </m:oMath>
+                </a14:m>
+                <a:endParaRPr lang="de-DE" sz="600" dirty="0">
+                  <a:solidFill>
+                    <a:srgbClr val="4A5C66"/>
+                  </a:solidFill>
+                </a:endParaRPr>
+              </a:p>
+              <a:p>
+                <a:pPr marL="0" indent="0" defTabSz="180000">
+                  <a:buNone/>
+                </a:pPr>
+                <a:r>
+                  <a:rPr lang="de-DE" sz="600" dirty="0">
+                    <a:solidFill>
+                      <a:srgbClr val="4A5C66"/>
+                    </a:solidFill>
+                  </a:rPr>
+                  <a:t>	</a:t>
+                </a:r>
+                <a:r>
+                  <a:rPr lang="de-DE" sz="600" dirty="0" err="1">
+                    <a:solidFill>
+                      <a:srgbClr val="4A5C66"/>
+                    </a:solidFill>
+                  </a:rPr>
+                  <a:t>individuengroesse</a:t>
+                </a:r>
+                <a:r>
+                  <a:rPr lang="de-DE" sz="600" dirty="0">
+                    <a:solidFill>
+                      <a:srgbClr val="4A5C66"/>
+                    </a:solidFill>
+                  </a:rPr>
+                  <a:t> &lt;-</a:t>
+                </a:r>
+                <a14:m>
+                  <m:oMath xmlns:m="http://schemas.openxmlformats.org/officeDocument/2006/math">
+                    <m:r>
+                      <a:rPr lang="de-DE" sz="600" b="0" i="0" smtClean="0">
+                        <a:solidFill>
+                          <a:srgbClr val="4A5C66"/>
+                        </a:solidFill>
+                        <a:latin typeface="Cambria Math" panose="02040503050406030204" pitchFamily="18" charset="0"/>
+                      </a:rPr>
+                      <m:t> </m:t>
+                    </m:r>
+                    <m:r>
+                      <a:rPr lang="de-DE" sz="600" b="0" i="1" smtClean="0">
+                        <a:solidFill>
+                          <a:srgbClr val="4A5C66"/>
+                        </a:solidFill>
+                        <a:latin typeface="Cambria Math" panose="02040503050406030204" pitchFamily="18" charset="0"/>
+                      </a:rPr>
+                      <m:t>𝑛</m:t>
+                    </m:r>
+                    <m:r>
+                      <a:rPr lang="de-DE" sz="600" i="1">
+                        <a:solidFill>
+                          <a:srgbClr val="4A5C66"/>
+                        </a:solidFill>
+                        <a:latin typeface="Cambria Math" panose="02040503050406030204" pitchFamily="18" charset="0"/>
+                      </a:rPr>
+                      <m:t>∈</m:t>
+                    </m:r>
+                    <m:r>
+                      <a:rPr lang="de-DE" sz="600" dirty="0">
+                        <a:solidFill>
+                          <a:srgbClr val="4A5C66"/>
+                        </a:solidFill>
+                        <a:latin typeface="Cambria Math" panose="02040503050406030204" pitchFamily="18" charset="0"/>
+                      </a:rPr>
+                      <m:t>ℕ</m:t>
+                    </m:r>
+                  </m:oMath>
+                </a14:m>
+                <a:endParaRPr lang="de-DE" sz="600" dirty="0">
+                  <a:solidFill>
+                    <a:srgbClr val="4A5C66"/>
+                  </a:solidFill>
+                </a:endParaRPr>
+              </a:p>
+              <a:p>
+                <a:pPr marL="0" indent="0" defTabSz="180000">
+                  <a:buNone/>
+                </a:pPr>
+                <a:r>
+                  <a:rPr lang="de-DE" sz="600" dirty="0">
+                    <a:solidFill>
+                      <a:srgbClr val="4A5C66"/>
+                    </a:solidFill>
+                  </a:rPr>
+                  <a:t>	</a:t>
+                </a:r>
+                <a:r>
+                  <a:rPr lang="de-DE" sz="600" dirty="0" err="1">
+                    <a:solidFill>
+                      <a:srgbClr val="4A5C66"/>
+                    </a:solidFill>
+                  </a:rPr>
+                  <a:t>population</a:t>
+                </a:r>
+                <a:r>
+                  <a:rPr lang="de-DE" sz="600" dirty="0">
+                    <a:solidFill>
+                      <a:srgbClr val="4A5C66"/>
+                    </a:solidFill>
+                  </a:rPr>
+                  <a:t> &lt;- </a:t>
+                </a:r>
+                <a:r>
+                  <a:rPr lang="de-DE" sz="600" dirty="0" err="1">
+                    <a:solidFill>
+                      <a:srgbClr val="4A5C66"/>
+                    </a:solidFill>
+                  </a:rPr>
+                  <a:t>baue_population</a:t>
+                </a:r>
+                <a:r>
+                  <a:rPr lang="de-DE" sz="600" dirty="0">
+                    <a:solidFill>
+                      <a:srgbClr val="4A5C66"/>
+                    </a:solidFill>
+                  </a:rPr>
+                  <a:t>(</a:t>
+                </a:r>
+                <a14:m>
+                  <m:oMath xmlns:m="http://schemas.openxmlformats.org/officeDocument/2006/math">
+                    <m:r>
+                      <a:rPr lang="de-DE" sz="600" b="0" i="1" smtClean="0">
+                        <a:solidFill>
+                          <a:srgbClr val="4A5C66"/>
+                        </a:solidFill>
+                        <a:latin typeface="Cambria Math" panose="02040503050406030204" pitchFamily="18" charset="0"/>
+                      </a:rPr>
+                      <m:t>𝜇</m:t>
+                    </m:r>
+                  </m:oMath>
+                </a14:m>
+                <a:r>
+                  <a:rPr lang="de-DE" sz="600" dirty="0">
+                    <a:solidFill>
+                      <a:srgbClr val="4A5C66"/>
+                    </a:solidFill>
+                  </a:rPr>
+                  <a:t>, </a:t>
+                </a:r>
+                <a:r>
+                  <a:rPr lang="de-DE" sz="600" dirty="0" err="1">
+                    <a:solidFill>
+                      <a:srgbClr val="4A5C66"/>
+                    </a:solidFill>
+                  </a:rPr>
+                  <a:t>individuengroesse</a:t>
+                </a:r>
+                <a:r>
+                  <a:rPr lang="de-DE" sz="600" dirty="0">
+                    <a:solidFill>
+                      <a:srgbClr val="4A5C66"/>
+                    </a:solidFill>
+                  </a:rPr>
+                  <a:t>)</a:t>
+                </a:r>
+              </a:p>
+              <a:p>
+                <a:pPr marL="0" indent="0" defTabSz="180000">
+                  <a:buNone/>
+                </a:pPr>
+                <a:r>
+                  <a:rPr lang="de-DE" sz="600" dirty="0"/>
+                  <a:t>	</a:t>
+                </a:r>
+                <a:r>
+                  <a:rPr lang="de-DE" sz="600" dirty="0" err="1"/>
+                  <a:t>gruppengroesse</a:t>
+                </a:r>
+                <a:r>
+                  <a:rPr lang="de-DE" sz="600" dirty="0"/>
+                  <a:t> &lt;- </a:t>
+                </a:r>
+                <a14:m>
+                  <m:oMath xmlns:m="http://schemas.openxmlformats.org/officeDocument/2006/math">
+                    <m:r>
+                      <a:rPr lang="de-DE" sz="600" b="0" i="1" smtClean="0">
+                        <a:latin typeface="Cambria Math" panose="02040503050406030204" pitchFamily="18" charset="0"/>
+                      </a:rPr>
+                      <m:t>𝑝</m:t>
+                    </m:r>
+                    <m:r>
+                      <a:rPr lang="de-DE" sz="600" b="0" i="1" smtClean="0">
+                        <a:latin typeface="Cambria Math" panose="02040503050406030204" pitchFamily="18" charset="0"/>
+                      </a:rPr>
+                      <m:t>=2</m:t>
+                    </m:r>
+                  </m:oMath>
+                </a14:m>
+                <a:br>
+                  <a:rPr lang="de-DE" sz="600" dirty="0">
+                    <a:solidFill>
+                      <a:srgbClr val="4A5C66"/>
+                    </a:solidFill>
+                  </a:rPr>
+                </a:br>
+                <a:r>
+                  <a:rPr lang="de-DE" sz="600" dirty="0">
+                    <a:solidFill>
+                      <a:srgbClr val="4A5C66"/>
+                    </a:solidFill>
+                  </a:rPr>
+                  <a:t>	</a:t>
+                </a:r>
+                <a:r>
+                  <a:rPr lang="de-DE" sz="600" dirty="0" err="1">
+                    <a:solidFill>
+                      <a:srgbClr val="4A5C66"/>
+                    </a:solidFill>
+                  </a:rPr>
+                  <a:t>while</a:t>
+                </a:r>
+                <a:r>
+                  <a:rPr lang="de-DE" sz="600" dirty="0">
+                    <a:solidFill>
+                      <a:srgbClr val="4A5C66"/>
+                    </a:solidFill>
+                  </a:rPr>
+                  <a:t> </a:t>
+                </a:r>
+                <a:r>
+                  <a:rPr lang="de-DE" sz="600" dirty="0" err="1">
+                    <a:solidFill>
+                      <a:srgbClr val="4A5C66"/>
+                    </a:solidFill>
+                  </a:rPr>
+                  <a:t>qualitaet</a:t>
+                </a:r>
+                <a:r>
+                  <a:rPr lang="de-DE" sz="600" dirty="0">
+                    <a:solidFill>
+                      <a:srgbClr val="4A5C66"/>
+                    </a:solidFill>
+                  </a:rPr>
+                  <a:t>(individuum) &lt; </a:t>
+                </a:r>
+                <a:r>
+                  <a:rPr lang="de-DE" sz="600" dirty="0" err="1">
+                    <a:solidFill>
+                      <a:srgbClr val="4A5C66"/>
+                    </a:solidFill>
+                  </a:rPr>
+                  <a:t>wunschqualitaet</a:t>
+                </a:r>
+                <a:r>
+                  <a:rPr lang="de-DE" sz="600" dirty="0">
+                    <a:solidFill>
+                      <a:srgbClr val="4A5C66"/>
+                    </a:solidFill>
+                  </a:rPr>
+                  <a:t> and </a:t>
+                </a:r>
+                <a:r>
+                  <a:rPr lang="de-DE" sz="600" dirty="0" err="1">
+                    <a:solidFill>
+                      <a:srgbClr val="4A5C66"/>
+                    </a:solidFill>
+                  </a:rPr>
+                  <a:t>generationszaehler</a:t>
+                </a:r>
+                <a:r>
+                  <a:rPr lang="de-DE" sz="600" dirty="0">
+                    <a:solidFill>
+                      <a:srgbClr val="4A5C66"/>
+                    </a:solidFill>
+                  </a:rPr>
+                  <a:t> &lt; </a:t>
+                </a:r>
+                <a:r>
+                  <a:rPr lang="de-DE" sz="600" dirty="0" err="1">
+                    <a:solidFill>
+                      <a:srgbClr val="4A5C66"/>
+                    </a:solidFill>
+                  </a:rPr>
+                  <a:t>iterationslimit</a:t>
+                </a:r>
+                <a:endParaRPr lang="de-DE" sz="600" dirty="0">
+                  <a:solidFill>
+                    <a:srgbClr val="4A5C66"/>
+                  </a:solidFill>
+                </a:endParaRPr>
+              </a:p>
+              <a:p>
+                <a:pPr marL="0" indent="0" defTabSz="180000">
+                  <a:buNone/>
+                </a:pPr>
+                <a:r>
+                  <a:rPr lang="de-DE" sz="600" dirty="0">
+                    <a:solidFill>
+                      <a:srgbClr val="4A5C66"/>
+                    </a:solidFill>
+                  </a:rPr>
+                  <a:t>		</a:t>
+                </a:r>
+                <a:r>
+                  <a:rPr lang="de-DE" sz="600" dirty="0" err="1">
+                    <a:solidFill>
+                      <a:srgbClr val="4A5C66"/>
+                    </a:solidFill>
+                  </a:rPr>
+                  <a:t>generationszaehler</a:t>
+                </a:r>
+                <a:r>
+                  <a:rPr lang="de-DE" sz="600" dirty="0">
+                    <a:solidFill>
+                      <a:srgbClr val="4A5C66"/>
+                    </a:solidFill>
+                  </a:rPr>
+                  <a:t> &lt;- </a:t>
+                </a:r>
+                <a:r>
+                  <a:rPr lang="de-DE" sz="600" dirty="0" err="1">
+                    <a:solidFill>
+                      <a:srgbClr val="4A5C66"/>
+                    </a:solidFill>
+                  </a:rPr>
+                  <a:t>generationszaehler</a:t>
+                </a:r>
+                <a:r>
+                  <a:rPr lang="de-DE" sz="600" dirty="0">
+                    <a:solidFill>
+                      <a:srgbClr val="4A5C66"/>
+                    </a:solidFill>
+                  </a:rPr>
+                  <a:t> + 1</a:t>
+                </a:r>
+              </a:p>
+              <a:p>
+                <a:pPr marL="0" indent="0" defTabSz="180000">
+                  <a:buNone/>
+                </a:pPr>
+                <a:r>
+                  <a:rPr lang="de-DE" sz="600" dirty="0">
+                    <a:solidFill>
+                      <a:srgbClr val="4A5C66"/>
+                    </a:solidFill>
+                  </a:rPr>
+                  <a:t>		</a:t>
+                </a:r>
+                <a:r>
+                  <a:rPr lang="de-DE" sz="600" dirty="0" err="1"/>
+                  <a:t>eltern_gruppen</a:t>
+                </a:r>
+                <a:r>
+                  <a:rPr lang="de-DE" sz="600" dirty="0"/>
+                  <a:t> &lt;- </a:t>
+                </a:r>
+                <a:r>
+                  <a:rPr lang="de-DE" sz="600" dirty="0" err="1"/>
+                  <a:t>gruppenSelektion</a:t>
+                </a:r>
+                <a:r>
+                  <a:rPr lang="de-DE" sz="600" dirty="0"/>
+                  <a:t>(</a:t>
+                </a:r>
+                <a:r>
+                  <a:rPr lang="de-DE" sz="600" dirty="0" err="1"/>
+                  <a:t>population</a:t>
+                </a:r>
+                <a:r>
+                  <a:rPr lang="de-DE" sz="600" dirty="0"/>
+                  <a:t>, </a:t>
+                </a:r>
+                <a:r>
+                  <a:rPr lang="de-DE" sz="600" dirty="0" err="1"/>
+                  <a:t>anzahl_kinder</a:t>
+                </a:r>
+                <a:r>
+                  <a:rPr lang="de-DE" sz="600" dirty="0"/>
+                  <a:t>, </a:t>
+                </a:r>
+                <a:r>
+                  <a:rPr lang="de-DE" sz="600" dirty="0" err="1"/>
+                  <a:t>gruppengroesse</a:t>
+                </a:r>
+                <a:r>
+                  <a:rPr lang="de-DE" sz="600" dirty="0"/>
+                  <a:t>)</a:t>
+                </a:r>
+              </a:p>
+              <a:p>
+                <a:pPr marL="0" indent="0" defTabSz="180000">
+                  <a:buNone/>
+                </a:pPr>
+                <a:r>
+                  <a:rPr lang="de-DE" sz="600" dirty="0">
+                    <a:solidFill>
+                      <a:srgbClr val="4A5C66"/>
+                    </a:solidFill>
+                  </a:rPr>
+                  <a:t>		</a:t>
+                </a:r>
+                <a:r>
+                  <a:rPr lang="de-DE" sz="600" dirty="0" err="1">
+                    <a:solidFill>
+                      <a:srgbClr val="0070C0"/>
+                    </a:solidFill>
+                  </a:rPr>
+                  <a:t>kinder</a:t>
+                </a:r>
+                <a:r>
+                  <a:rPr lang="de-DE" sz="600" dirty="0">
+                    <a:solidFill>
+                      <a:srgbClr val="0070C0"/>
+                    </a:solidFill>
+                  </a:rPr>
+                  <a:t> &lt;- </a:t>
+                </a:r>
+                <a:r>
+                  <a:rPr lang="de-DE" sz="600" dirty="0" err="1">
+                    <a:solidFill>
+                      <a:srgbClr val="0070C0"/>
+                    </a:solidFill>
+                  </a:rPr>
+                  <a:t>rekombination</a:t>
+                </a:r>
+                <a:r>
+                  <a:rPr lang="de-DE" sz="600" dirty="0">
+                    <a:solidFill>
+                      <a:srgbClr val="0070C0"/>
+                    </a:solidFill>
+                  </a:rPr>
+                  <a:t>(</a:t>
+                </a:r>
+                <a:r>
+                  <a:rPr lang="de-DE" sz="600" dirty="0" err="1">
+                    <a:solidFill>
+                      <a:srgbClr val="0070C0"/>
+                    </a:solidFill>
+                  </a:rPr>
+                  <a:t>eltern_gruppen</a:t>
+                </a:r>
+                <a:r>
+                  <a:rPr lang="de-DE" sz="600" dirty="0">
+                    <a:solidFill>
+                      <a:srgbClr val="0070C0"/>
+                    </a:solidFill>
+                  </a:rPr>
+                  <a:t>, </a:t>
+                </a:r>
+                <a:r>
+                  <a:rPr lang="de-DE" sz="600" dirty="0" err="1">
+                    <a:solidFill>
+                      <a:srgbClr val="0070C0"/>
+                    </a:solidFill>
+                  </a:rPr>
+                  <a:t>gruppengroesse</a:t>
+                </a:r>
+                <a:r>
+                  <a:rPr lang="de-DE" sz="600" dirty="0">
+                    <a:solidFill>
+                      <a:srgbClr val="0070C0"/>
+                    </a:solidFill>
+                  </a:rPr>
+                  <a:t>, </a:t>
+                </a:r>
+                <a:r>
+                  <a:rPr lang="de-DE" sz="600" dirty="0" err="1">
+                    <a:solidFill>
+                      <a:srgbClr val="0070C0"/>
+                    </a:solidFill>
+                  </a:rPr>
+                  <a:t>individuengroesse</a:t>
+                </a:r>
+                <a:r>
+                  <a:rPr lang="de-DE" sz="600" dirty="0">
+                    <a:solidFill>
+                      <a:srgbClr val="0070C0"/>
+                    </a:solidFill>
+                  </a:rPr>
+                  <a:t>)</a:t>
+                </a:r>
+              </a:p>
+              <a:p>
+                <a:pPr marL="0" indent="0" defTabSz="180000">
+                  <a:buNone/>
+                </a:pPr>
+                <a:r>
+                  <a:rPr lang="de-DE" sz="600" dirty="0">
+                    <a:solidFill>
+                      <a:srgbClr val="4A5C66"/>
+                    </a:solidFill>
+                  </a:rPr>
+                  <a:t>		</a:t>
+                </a:r>
+                <a:r>
+                  <a:rPr lang="de-DE" sz="600" dirty="0" err="1">
+                    <a:solidFill>
+                      <a:srgbClr val="4A5C66"/>
+                    </a:solidFill>
+                  </a:rPr>
+                  <a:t>kinder</a:t>
+                </a:r>
+                <a:r>
+                  <a:rPr lang="de-DE" sz="600" dirty="0">
+                    <a:solidFill>
+                      <a:srgbClr val="4A5C66"/>
+                    </a:solidFill>
+                  </a:rPr>
+                  <a:t> &lt;- </a:t>
+                </a:r>
+                <a:r>
+                  <a:rPr lang="de-DE" sz="600" dirty="0" err="1">
+                    <a:solidFill>
+                      <a:srgbClr val="4A5C66"/>
+                    </a:solidFill>
+                  </a:rPr>
+                  <a:t>mutation</a:t>
+                </a:r>
+                <a:r>
+                  <a:rPr lang="de-DE" sz="600" dirty="0">
+                    <a:solidFill>
+                      <a:srgbClr val="4A5C66"/>
+                    </a:solidFill>
+                  </a:rPr>
+                  <a:t>(</a:t>
+                </a:r>
+                <a:r>
+                  <a:rPr lang="de-DE" sz="600" dirty="0" err="1">
+                    <a:solidFill>
+                      <a:srgbClr val="4A5C66"/>
+                    </a:solidFill>
+                  </a:rPr>
+                  <a:t>kinder</a:t>
+                </a:r>
+                <a:r>
+                  <a:rPr lang="de-DE" sz="600" dirty="0">
+                    <a:solidFill>
+                      <a:srgbClr val="4A5C66"/>
+                    </a:solidFill>
+                  </a:rPr>
+                  <a:t>)</a:t>
+                </a:r>
+              </a:p>
+              <a:p>
+                <a:pPr marL="0" indent="0" defTabSz="180000">
+                  <a:buNone/>
+                </a:pPr>
+                <a:r>
+                  <a:rPr lang="de-DE" sz="600" dirty="0">
+                    <a:solidFill>
+                      <a:srgbClr val="4A5C66"/>
+                    </a:solidFill>
+                  </a:rPr>
+                  <a:t>		population &lt;- </a:t>
+                </a:r>
+                <a:r>
+                  <a:rPr lang="de-DE" sz="600" dirty="0" err="1">
+                    <a:solidFill>
+                      <a:srgbClr val="4A5C66"/>
+                    </a:solidFill>
+                  </a:rPr>
+                  <a:t>selektion</a:t>
+                </a:r>
+                <a:r>
+                  <a:rPr lang="de-DE" sz="600" dirty="0">
+                    <a:solidFill>
+                      <a:srgbClr val="4A5C66"/>
+                    </a:solidFill>
+                  </a:rPr>
+                  <a:t>(</a:t>
+                </a:r>
+                <a:r>
+                  <a:rPr lang="de-DE" sz="600" dirty="0" err="1">
+                    <a:solidFill>
+                      <a:srgbClr val="4A5C66"/>
+                    </a:solidFill>
+                  </a:rPr>
+                  <a:t>kinder</a:t>
+                </a:r>
+                <a:r>
+                  <a:rPr lang="de-DE" sz="600" dirty="0">
+                    <a:solidFill>
+                      <a:srgbClr val="4A5C66"/>
+                    </a:solidFill>
+                  </a:rPr>
+                  <a:t>, </a:t>
+                </a:r>
+                <a14:m>
+                  <m:oMath xmlns:m="http://schemas.openxmlformats.org/officeDocument/2006/math">
+                    <m:r>
+                      <a:rPr lang="de-DE" sz="600" b="0" i="1" smtClean="0">
+                        <a:solidFill>
+                          <a:srgbClr val="4A5C66"/>
+                        </a:solidFill>
+                        <a:latin typeface="Cambria Math" panose="02040503050406030204" pitchFamily="18" charset="0"/>
+                      </a:rPr>
+                      <m:t>𝜇</m:t>
+                    </m:r>
+                  </m:oMath>
+                </a14:m>
+                <a:r>
+                  <a:rPr lang="de-DE" sz="600" dirty="0">
+                    <a:solidFill>
+                      <a:srgbClr val="4A5C66"/>
+                    </a:solidFill>
+                  </a:rPr>
+                  <a:t>, </a:t>
+                </a:r>
+                <a:r>
+                  <a:rPr lang="de-DE" sz="600" dirty="0" err="1">
+                    <a:solidFill>
+                      <a:srgbClr val="4A5C66"/>
+                    </a:solidFill>
+                  </a:rPr>
+                  <a:t>qualitaet</a:t>
+                </a:r>
+                <a:r>
+                  <a:rPr lang="de-DE" sz="600" dirty="0">
+                    <a:solidFill>
+                      <a:srgbClr val="4A5C66"/>
+                    </a:solidFill>
+                  </a:rPr>
+                  <a:t>)</a:t>
+                </a:r>
+              </a:p>
+              <a:p>
+                <a:pPr marL="0" indent="0" defTabSz="180000">
+                  <a:buNone/>
+                </a:pPr>
+                <a:r>
+                  <a:rPr lang="de-DE" sz="600" dirty="0">
+                    <a:solidFill>
+                      <a:srgbClr val="4A5C66"/>
+                    </a:solidFill>
+                  </a:rPr>
+                  <a:t>	</a:t>
+                </a:r>
+                <a:r>
+                  <a:rPr lang="de-DE" sz="600" dirty="0" err="1">
+                    <a:solidFill>
+                      <a:srgbClr val="4A5C66"/>
+                    </a:solidFill>
+                  </a:rPr>
+                  <a:t>loesung</a:t>
+                </a:r>
+                <a:r>
+                  <a:rPr lang="de-DE" sz="600" dirty="0">
+                    <a:solidFill>
+                      <a:srgbClr val="4A5C66"/>
+                    </a:solidFill>
+                  </a:rPr>
+                  <a:t> &lt;- </a:t>
+                </a:r>
+                <a:r>
+                  <a:rPr lang="de-DE" sz="600" dirty="0" err="1">
+                    <a:solidFill>
+                      <a:srgbClr val="4A5C66"/>
+                    </a:solidFill>
+                  </a:rPr>
+                  <a:t>bestenSelektion</a:t>
+                </a:r>
+                <a:r>
+                  <a:rPr lang="de-DE" sz="600" dirty="0">
+                    <a:solidFill>
+                      <a:srgbClr val="4A5C66"/>
+                    </a:solidFill>
+                  </a:rPr>
+                  <a:t>(</a:t>
+                </a:r>
+                <a:r>
+                  <a:rPr lang="de-DE" sz="600" dirty="0" err="1">
+                    <a:solidFill>
+                      <a:srgbClr val="4A5C66"/>
+                    </a:solidFill>
+                  </a:rPr>
+                  <a:t>population</a:t>
+                </a:r>
+                <a:r>
+                  <a:rPr lang="de-DE" sz="600" dirty="0">
+                    <a:solidFill>
+                      <a:srgbClr val="4A5C66"/>
+                    </a:solidFill>
+                  </a:rPr>
+                  <a:t>)</a:t>
+                </a:r>
+              </a:p>
+              <a:p>
+                <a:pPr marL="0" indent="0" defTabSz="180000">
+                  <a:buNone/>
+                </a:pPr>
+                <a:endParaRPr lang="de-DE" sz="200" dirty="0"/>
+              </a:p>
+            </p:txBody>
+          </p:sp>
+        </mc:Choice>
+        <mc:Fallback>
+          <p:sp>
+            <p:nvSpPr>
+              <p:cNvPr id="4" name="Textplatzhalter 3">
+                <a:extLst>
+                  <a:ext uri="{FF2B5EF4-FFF2-40B4-BE49-F238E27FC236}">
+                    <a16:creationId xmlns:a16="http://schemas.microsoft.com/office/drawing/2014/main" id="{027ACB38-45C8-49B7-B159-284BE2923EA6}"/>
+                  </a:ext>
+                </a:extLst>
+              </p:cNvPr>
+              <p:cNvSpPr>
+                <a:spLocks noGrp="1" noRot="1" noChangeAspect="1" noMove="1" noResize="1" noEditPoints="1" noAdjustHandles="1" noChangeArrowheads="1" noChangeShapeType="1" noTextEdit="1"/>
+              </p:cNvSpPr>
+              <p:nvPr>
+                <p:ph type="body" sz="quarter" idx="11"/>
+              </p:nvPr>
+            </p:nvSpPr>
+            <p:spPr>
+              <a:xfrm>
+                <a:off x="6973078" y="1991593"/>
+                <a:ext cx="4685528" cy="4305300"/>
+              </a:xfrm>
+              <a:blipFill>
+                <a:blip r:embed="rId4"/>
+                <a:stretch>
+                  <a:fillRect/>
+                </a:stretch>
+              </a:blipFill>
+            </p:spPr>
+            <p:txBody>
+              <a:bodyPr/>
+              <a:lstStyle/>
+              <a:p>
+                <a:r>
+                  <a:rPr lang="de-DE">
+                    <a:noFill/>
+                  </a:rPr>
+                  <a:t> </a:t>
+                </a:r>
+              </a:p>
+            </p:txBody>
+          </p:sp>
+        </mc:Fallback>
+      </mc:AlternateContent>
+    </p:spTree>
+    <p:extLst>
+      <p:ext uri="{BB962C8B-B14F-4D97-AF65-F5344CB8AC3E}">
+        <p14:creationId xmlns:p14="http://schemas.microsoft.com/office/powerpoint/2010/main" val="3866745724"/>
+      </p:ext>
+    </p:extLst>
+  </p:cSld>
+  <p:clrMapOvr>
+    <a:masterClrMapping/>
+  </p:clrMapOvr>
+</p:sld>
+</file>
+
+<file path=ppt/slides/slide9.xml><?xml version="1.0" encoding="utf-8"?>
 <p:sld xmlns:a="http://schemas.openxmlformats.org/drawingml/2006/main" xmlns:r="http://schemas.openxmlformats.org/officeDocument/2006/relationships" xmlns:p="http://schemas.openxmlformats.org/presentationml/2006/main">
   <p:cSld>
     <p:spTree>
